--- a/제안서 이미지/핵심기술.pptx
+++ b/제안서 이미지/핵심기술.pptx
@@ -6,6 +6,8 @@
   </p:sldMasterIdLst>
   <p:sldIdLst>
     <p:sldId id="257" r:id="rId2"/>
+    <p:sldId id="258" r:id="rId3"/>
+    <p:sldId id="259" r:id="rId4"/>
   </p:sldIdLst>
   <p:sldSz cx="12192000" cy="6858000"/>
   <p:notesSz cx="6858000" cy="9144000"/>
@@ -107,7 +109,7 @@
   <p:extLst>
     <p:ext uri="{EFAFB233-063F-42B5-8137-9DF3F51BA10A}">
       <p15:sldGuideLst xmlns:p15="http://schemas.microsoft.com/office/powerpoint/2012/main">
-        <p15:guide id="1" orient="horz" pos="2160" userDrawn="1">
+        <p15:guide id="1" orient="horz" pos="2772" userDrawn="1">
           <p15:clr>
             <a:srgbClr val="A4A3A4"/>
           </p15:clr>
@@ -270,7 +272,7 @@
           <a:p>
             <a:fld id="{A2C88088-60AE-49B3-AD81-0327200B8157}" type="datetimeFigureOut">
               <a:rPr lang="ko-KR" altLang="en-US" smtClean="0"/>
-              <a:t>2022-06-29</a:t>
+              <a:t>2022-07-09</a:t>
             </a:fld>
             <a:endParaRPr lang="ko-KR" altLang="en-US"/>
           </a:p>
@@ -468,7 +470,7 @@
           <a:p>
             <a:fld id="{A2C88088-60AE-49B3-AD81-0327200B8157}" type="datetimeFigureOut">
               <a:rPr lang="ko-KR" altLang="en-US" smtClean="0"/>
-              <a:t>2022-06-29</a:t>
+              <a:t>2022-07-09</a:t>
             </a:fld>
             <a:endParaRPr lang="ko-KR" altLang="en-US"/>
           </a:p>
@@ -676,7 +678,7 @@
           <a:p>
             <a:fld id="{A2C88088-60AE-49B3-AD81-0327200B8157}" type="datetimeFigureOut">
               <a:rPr lang="ko-KR" altLang="en-US" smtClean="0"/>
-              <a:t>2022-06-29</a:t>
+              <a:t>2022-07-09</a:t>
             </a:fld>
             <a:endParaRPr lang="ko-KR" altLang="en-US"/>
           </a:p>
@@ -874,7 +876,7 @@
           <a:p>
             <a:fld id="{A2C88088-60AE-49B3-AD81-0327200B8157}" type="datetimeFigureOut">
               <a:rPr lang="ko-KR" altLang="en-US" smtClean="0"/>
-              <a:t>2022-06-29</a:t>
+              <a:t>2022-07-09</a:t>
             </a:fld>
             <a:endParaRPr lang="ko-KR" altLang="en-US"/>
           </a:p>
@@ -1149,7 +1151,7 @@
           <a:p>
             <a:fld id="{A2C88088-60AE-49B3-AD81-0327200B8157}" type="datetimeFigureOut">
               <a:rPr lang="ko-KR" altLang="en-US" smtClean="0"/>
-              <a:t>2022-06-29</a:t>
+              <a:t>2022-07-09</a:t>
             </a:fld>
             <a:endParaRPr lang="ko-KR" altLang="en-US"/>
           </a:p>
@@ -1414,7 +1416,7 @@
           <a:p>
             <a:fld id="{A2C88088-60AE-49B3-AD81-0327200B8157}" type="datetimeFigureOut">
               <a:rPr lang="ko-KR" altLang="en-US" smtClean="0"/>
-              <a:t>2022-06-29</a:t>
+              <a:t>2022-07-09</a:t>
             </a:fld>
             <a:endParaRPr lang="ko-KR" altLang="en-US"/>
           </a:p>
@@ -1826,7 +1828,7 @@
           <a:p>
             <a:fld id="{A2C88088-60AE-49B3-AD81-0327200B8157}" type="datetimeFigureOut">
               <a:rPr lang="ko-KR" altLang="en-US" smtClean="0"/>
-              <a:t>2022-06-29</a:t>
+              <a:t>2022-07-09</a:t>
             </a:fld>
             <a:endParaRPr lang="ko-KR" altLang="en-US"/>
           </a:p>
@@ -1967,7 +1969,7 @@
           <a:p>
             <a:fld id="{A2C88088-60AE-49B3-AD81-0327200B8157}" type="datetimeFigureOut">
               <a:rPr lang="ko-KR" altLang="en-US" smtClean="0"/>
-              <a:t>2022-06-29</a:t>
+              <a:t>2022-07-09</a:t>
             </a:fld>
             <a:endParaRPr lang="ko-KR" altLang="en-US"/>
           </a:p>
@@ -2080,7 +2082,7 @@
           <a:p>
             <a:fld id="{A2C88088-60AE-49B3-AD81-0327200B8157}" type="datetimeFigureOut">
               <a:rPr lang="ko-KR" altLang="en-US" smtClean="0"/>
-              <a:t>2022-06-29</a:t>
+              <a:t>2022-07-09</a:t>
             </a:fld>
             <a:endParaRPr lang="ko-KR" altLang="en-US"/>
           </a:p>
@@ -2391,7 +2393,7 @@
           <a:p>
             <a:fld id="{A2C88088-60AE-49B3-AD81-0327200B8157}" type="datetimeFigureOut">
               <a:rPr lang="ko-KR" altLang="en-US" smtClean="0"/>
-              <a:t>2022-06-29</a:t>
+              <a:t>2022-07-09</a:t>
             </a:fld>
             <a:endParaRPr lang="ko-KR" altLang="en-US"/>
           </a:p>
@@ -2679,7 +2681,7 @@
           <a:p>
             <a:fld id="{A2C88088-60AE-49B3-AD81-0327200B8157}" type="datetimeFigureOut">
               <a:rPr lang="ko-KR" altLang="en-US" smtClean="0"/>
-              <a:t>2022-06-29</a:t>
+              <a:t>2022-07-09</a:t>
             </a:fld>
             <a:endParaRPr lang="ko-KR" altLang="en-US"/>
           </a:p>
@@ -2920,7 +2922,7 @@
           <a:p>
             <a:fld id="{A2C88088-60AE-49B3-AD81-0327200B8157}" type="datetimeFigureOut">
               <a:rPr lang="ko-KR" altLang="en-US" smtClean="0"/>
-              <a:t>2022-06-29</a:t>
+              <a:t>2022-07-09</a:t>
             </a:fld>
             <a:endParaRPr lang="ko-KR" altLang="en-US"/>
           </a:p>
@@ -3351,7 +3353,7 @@
         </p:nvSpPr>
         <p:spPr>
           <a:xfrm rot="16200000">
-            <a:off x="5063995" y="3305814"/>
+            <a:off x="4974055" y="2230856"/>
             <a:ext cx="2032260" cy="2029121"/>
           </a:xfrm>
           <a:prstGeom prst="blockArc">
@@ -3389,7 +3391,7 @@
           <a:lstStyle/>
           <a:p>
             <a:pPr algn="ctr"/>
-            <a:endParaRPr lang="ko-KR" altLang="en-US" dirty="0">
+            <a:endParaRPr lang="ko-KR" altLang="en-US" spc="-100" dirty="0">
               <a:solidFill>
                 <a:schemeClr val="tx1"/>
               </a:solidFill>
@@ -3411,7 +3413,7 @@
         </p:nvSpPr>
         <p:spPr>
           <a:xfrm>
-            <a:off x="5065686" y="3302345"/>
+            <a:off x="4975746" y="2227387"/>
             <a:ext cx="2052583" cy="2049412"/>
           </a:xfrm>
           <a:prstGeom prst="blockArc">
@@ -3449,7 +3451,7 @@
           <a:lstStyle/>
           <a:p>
             <a:pPr algn="ctr"/>
-            <a:endParaRPr lang="ko-KR" altLang="en-US">
+            <a:endParaRPr lang="ko-KR" altLang="en-US" spc="-100">
               <a:solidFill>
                 <a:schemeClr val="tx1"/>
               </a:solidFill>
@@ -3471,7 +3473,7 @@
         </p:nvSpPr>
         <p:spPr>
           <a:xfrm rot="5400000">
-            <a:off x="5117103" y="3319248"/>
+            <a:off x="5027163" y="2244290"/>
             <a:ext cx="2004879" cy="1989139"/>
           </a:xfrm>
           <a:prstGeom prst="blockArc">
@@ -3509,7 +3511,7 @@
           <a:lstStyle/>
           <a:p>
             <a:pPr algn="ctr"/>
-            <a:endParaRPr lang="ko-KR" altLang="en-US">
+            <a:endParaRPr lang="ko-KR" altLang="en-US" spc="-100">
               <a:solidFill>
                 <a:schemeClr val="tx1"/>
               </a:solidFill>
@@ -3531,7 +3533,7 @@
         </p:nvSpPr>
         <p:spPr>
           <a:xfrm>
-            <a:off x="5062409" y="4305397"/>
+            <a:off x="4972469" y="3230439"/>
             <a:ext cx="242534" cy="45719"/>
           </a:xfrm>
           <a:prstGeom prst="rect">
@@ -3565,7 +3567,7 @@
           <a:lstStyle/>
           <a:p>
             <a:pPr algn="ctr"/>
-            <a:endParaRPr lang="ko-KR" altLang="en-US"/>
+            <a:endParaRPr lang="ko-KR" altLang="en-US" spc="-100"/>
           </a:p>
         </p:txBody>
       </p:sp>
@@ -3583,7 +3585,7 @@
         </p:nvSpPr>
         <p:spPr>
           <a:xfrm>
-            <a:off x="4786460" y="3500410"/>
+            <a:off x="4696520" y="2425452"/>
             <a:ext cx="2619080" cy="1614758"/>
           </a:xfrm>
           <a:prstGeom prst="ellipse">
@@ -3616,29 +3618,26 @@
           <a:p>
             <a:pPr algn="ctr"/>
             <a:r>
-              <a:rPr lang="en-US" altLang="ko-KR" b="1" dirty="0">
+              <a:rPr lang="ko-KR" altLang="en-US" sz="2400" b="1" spc="-100" dirty="0">
                 <a:solidFill>
                   <a:schemeClr val="tx1"/>
                 </a:solidFill>
                 <a:latin typeface="나눔스퀘어OTF ExtraBold" panose="020B0600000101010101" pitchFamily="34" charset="-127"/>
                 <a:ea typeface="나눔스퀘어OTF ExtraBold" panose="020B0600000101010101" pitchFamily="34" charset="-127"/>
               </a:rPr>
-              <a:t>Core</a:t>
-            </a:r>
-          </a:p>
-          <a:p>
-            <a:pPr algn="ctr"/>
-            <a:r>
-              <a:rPr lang="en-US" altLang="ko-KR" b="1" dirty="0">
+              <a:t>에코 </a:t>
+            </a:r>
+            <a:r>
+              <a:rPr lang="ko-KR" altLang="en-US" sz="2400" b="1" spc="-100" dirty="0" err="1">
                 <a:solidFill>
                   <a:schemeClr val="tx1"/>
                 </a:solidFill>
                 <a:latin typeface="나눔스퀘어OTF ExtraBold" panose="020B0600000101010101" pitchFamily="34" charset="-127"/>
                 <a:ea typeface="나눔스퀘어OTF ExtraBold" panose="020B0600000101010101" pitchFamily="34" charset="-127"/>
               </a:rPr>
-              <a:t>Components</a:t>
-            </a:r>
-            <a:endParaRPr lang="ko-KR" altLang="en-US" b="1" dirty="0">
+              <a:t>차징</a:t>
+            </a:r>
+            <a:endParaRPr lang="en-US" altLang="ko-KR" sz="2400" b="1" spc="-100" dirty="0">
               <a:solidFill>
                 <a:schemeClr val="tx1"/>
               </a:solidFill>
@@ -3646,6 +3645,26 @@
               <a:ea typeface="나눔스퀘어OTF ExtraBold" panose="020B0600000101010101" pitchFamily="34" charset="-127"/>
             </a:endParaRPr>
           </a:p>
+          <a:p>
+            <a:pPr algn="ctr"/>
+            <a:r>
+              <a:rPr lang="ko-KR" altLang="en-US" sz="2400" b="1" spc="-100" dirty="0" err="1">
+                <a:solidFill>
+                  <a:schemeClr val="tx1"/>
+                </a:solidFill>
+                <a:latin typeface="나눔스퀘어OTF ExtraBold" panose="020B0600000101010101" pitchFamily="34" charset="-127"/>
+                <a:ea typeface="나눔스퀘어OTF ExtraBold" panose="020B0600000101010101" pitchFamily="34" charset="-127"/>
+              </a:rPr>
+              <a:t>플레이스</a:t>
+            </a:r>
+            <a:endParaRPr lang="ko-KR" altLang="en-US" sz="2400" b="1" spc="-100" dirty="0">
+              <a:solidFill>
+                <a:schemeClr val="tx1"/>
+              </a:solidFill>
+              <a:latin typeface="나눔스퀘어OTF ExtraBold" panose="020B0600000101010101" pitchFamily="34" charset="-127"/>
+              <a:ea typeface="나눔스퀘어OTF ExtraBold" panose="020B0600000101010101" pitchFamily="34" charset="-127"/>
+            </a:endParaRPr>
+          </a:p>
         </p:txBody>
       </p:sp>
       <p:sp>
@@ -3662,7 +3681,7 @@
         </p:nvSpPr>
         <p:spPr>
           <a:xfrm rot="5400000">
-            <a:off x="5981083" y="3400200"/>
+            <a:off x="5891143" y="2325242"/>
             <a:ext cx="242534" cy="48051"/>
           </a:xfrm>
           <a:prstGeom prst="rect">
@@ -3696,16 +3715,51 @@
           <a:lstStyle/>
           <a:p>
             <a:pPr algn="ctr"/>
-            <a:endParaRPr lang="ko-KR" altLang="en-US"/>
-          </a:p>
-        </p:txBody>
-      </p:sp>
-      <p:sp>
-        <p:nvSpPr>
-          <p:cNvPr id="12" name="직사각형 11">
-            <a:extLst>
-              <a:ext uri="{FF2B5EF4-FFF2-40B4-BE49-F238E27FC236}">
-                <a16:creationId xmlns:a16="http://schemas.microsoft.com/office/drawing/2014/main" id="{744FDF40-2124-AE70-466C-41D082B84C53}"/>
+            <a:endParaRPr lang="ko-KR" altLang="en-US" spc="-100"/>
+          </a:p>
+        </p:txBody>
+      </p:sp>
+      <p:pic>
+        <p:nvPicPr>
+          <p:cNvPr id="13" name="그림 12">
+            <a:extLst>
+              <a:ext uri="{FF2B5EF4-FFF2-40B4-BE49-F238E27FC236}">
+                <a16:creationId xmlns:a16="http://schemas.microsoft.com/office/drawing/2014/main" id="{12E9C95E-4DD0-611D-BB0F-85CB7D859C1A}"/>
+              </a:ext>
+            </a:extLst>
+          </p:cNvPr>
+          <p:cNvPicPr>
+            <a:picLocks noChangeAspect="1"/>
+          </p:cNvPicPr>
+          <p:nvPr/>
+        </p:nvPicPr>
+        <p:blipFill rotWithShape="1">
+          <a:blip r:embed="rId2">
+            <a:extLst>
+              <a:ext uri="{28A0092B-C50C-407E-A947-70E740481C1C}">
+                <a14:useLocalDpi xmlns:a14="http://schemas.microsoft.com/office/drawing/2010/main" val="0"/>
+              </a:ext>
+            </a:extLst>
+          </a:blip>
+          <a:srcRect b="50000"/>
+          <a:stretch/>
+        </p:blipFill>
+        <p:spPr>
+          <a:xfrm rot="5400000">
+            <a:off x="6018864" y="3239500"/>
+            <a:ext cx="1004714" cy="1003315"/>
+          </a:xfrm>
+          <a:prstGeom prst="rect">
+            <a:avLst/>
+          </a:prstGeom>
+        </p:spPr>
+      </p:pic>
+      <p:sp>
+        <p:nvSpPr>
+          <p:cNvPr id="14" name="직사각형 13">
+            <a:extLst>
+              <a:ext uri="{FF2B5EF4-FFF2-40B4-BE49-F238E27FC236}">
+                <a16:creationId xmlns:a16="http://schemas.microsoft.com/office/drawing/2014/main" id="{B6C0ACD2-D94E-C177-61D3-4E468B601E06}"/>
               </a:ext>
             </a:extLst>
           </p:cNvPr>
@@ -3714,8 +3768,8 @@
         </p:nvSpPr>
         <p:spPr>
           <a:xfrm>
-            <a:off x="5519609" y="4762597"/>
-            <a:ext cx="242534" cy="45719"/>
+            <a:off x="6808771" y="3225700"/>
+            <a:ext cx="217387" cy="46638"/>
           </a:xfrm>
           <a:prstGeom prst="rect">
             <a:avLst/>
@@ -3748,61 +3802,26 @@
           <a:lstStyle/>
           <a:p>
             <a:pPr algn="ctr"/>
-            <a:endParaRPr lang="ko-KR" altLang="en-US"/>
-          </a:p>
-        </p:txBody>
-      </p:sp>
-      <p:pic>
-        <p:nvPicPr>
-          <p:cNvPr id="13" name="그림 12">
-            <a:extLst>
-              <a:ext uri="{FF2B5EF4-FFF2-40B4-BE49-F238E27FC236}">
-                <a16:creationId xmlns:a16="http://schemas.microsoft.com/office/drawing/2014/main" id="{12E9C95E-4DD0-611D-BB0F-85CB7D859C1A}"/>
-              </a:ext>
-            </a:extLst>
-          </p:cNvPr>
-          <p:cNvPicPr>
-            <a:picLocks noChangeAspect="1"/>
-          </p:cNvPicPr>
-          <p:nvPr/>
-        </p:nvPicPr>
-        <p:blipFill rotWithShape="1">
-          <a:blip r:embed="rId2">
-            <a:extLst>
-              <a:ext uri="{28A0092B-C50C-407E-A947-70E740481C1C}">
-                <a14:useLocalDpi xmlns:a14="http://schemas.microsoft.com/office/drawing/2010/main" val="0"/>
-              </a:ext>
-            </a:extLst>
-          </a:blip>
-          <a:srcRect b="50000"/>
-          <a:stretch/>
-        </p:blipFill>
+            <a:endParaRPr lang="ko-KR" altLang="en-US" spc="-100"/>
+          </a:p>
+        </p:txBody>
+      </p:sp>
+      <p:sp>
+        <p:nvSpPr>
+          <p:cNvPr id="15" name="직사각형 14">
+            <a:extLst>
+              <a:ext uri="{FF2B5EF4-FFF2-40B4-BE49-F238E27FC236}">
+                <a16:creationId xmlns:a16="http://schemas.microsoft.com/office/drawing/2014/main" id="{9E83C866-1CCF-07D0-E483-8E022A894F61}"/>
+              </a:ext>
+            </a:extLst>
+          </p:cNvPr>
+          <p:cNvSpPr/>
+          <p:nvPr/>
+        </p:nvSpPr>
         <p:spPr>
           <a:xfrm rot="5400000">
-            <a:off x="6108804" y="4314458"/>
-            <a:ext cx="1004714" cy="1003315"/>
-          </a:xfrm>
-          <a:prstGeom prst="rect">
-            <a:avLst/>
-          </a:prstGeom>
-        </p:spPr>
-      </p:pic>
-      <p:sp>
-        <p:nvSpPr>
-          <p:cNvPr id="14" name="직사각형 13">
-            <a:extLst>
-              <a:ext uri="{FF2B5EF4-FFF2-40B4-BE49-F238E27FC236}">
-                <a16:creationId xmlns:a16="http://schemas.microsoft.com/office/drawing/2014/main" id="{B6C0ACD2-D94E-C177-61D3-4E468B601E06}"/>
-              </a:ext>
-            </a:extLst>
-          </p:cNvPr>
-          <p:cNvSpPr/>
-          <p:nvPr/>
-        </p:nvSpPr>
-        <p:spPr>
-          <a:xfrm>
-            <a:off x="6898711" y="4300658"/>
-            <a:ext cx="217387" cy="46638"/>
+            <a:off x="5898295" y="4094953"/>
+            <a:ext cx="242534" cy="48051"/>
           </a:xfrm>
           <a:prstGeom prst="rect">
             <a:avLst/>
@@ -3835,16 +3854,16 @@
           <a:lstStyle/>
           <a:p>
             <a:pPr algn="ctr"/>
-            <a:endParaRPr lang="ko-KR" altLang="en-US"/>
-          </a:p>
-        </p:txBody>
-      </p:sp>
-      <p:sp>
-        <p:nvSpPr>
-          <p:cNvPr id="15" name="직사각형 14">
-            <a:extLst>
-              <a:ext uri="{FF2B5EF4-FFF2-40B4-BE49-F238E27FC236}">
-                <a16:creationId xmlns:a16="http://schemas.microsoft.com/office/drawing/2014/main" id="{9E83C866-1CCF-07D0-E483-8E022A894F61}"/>
+            <a:endParaRPr lang="ko-KR" altLang="en-US" spc="-100"/>
+          </a:p>
+        </p:txBody>
+      </p:sp>
+      <p:sp>
+        <p:nvSpPr>
+          <p:cNvPr id="18" name="원형: 비어 있음 17">
+            <a:extLst>
+              <a:ext uri="{FF2B5EF4-FFF2-40B4-BE49-F238E27FC236}">
+                <a16:creationId xmlns:a16="http://schemas.microsoft.com/office/drawing/2014/main" id="{F8D457B5-5205-E43D-B507-07F34C4FD8FA}"/>
               </a:ext>
             </a:extLst>
           </p:cNvPr>
@@ -3852,15 +3871,19 @@
           <p:nvPr/>
         </p:nvSpPr>
         <p:spPr>
-          <a:xfrm rot="5400000">
-            <a:off x="5988235" y="5169911"/>
-            <a:ext cx="242534" cy="48051"/>
-          </a:xfrm>
-          <a:prstGeom prst="rect">
-            <a:avLst/>
-          </a:prstGeom>
-          <a:solidFill>
-            <a:schemeClr val="bg1"/>
+          <a:xfrm>
+            <a:off x="4607726" y="1890544"/>
+            <a:ext cx="2763588" cy="2763588"/>
+          </a:xfrm>
+          <a:prstGeom prst="donut">
+            <a:avLst>
+              <a:gd name="adj" fmla="val 3101"/>
+            </a:avLst>
+          </a:prstGeom>
+          <a:solidFill>
+            <a:schemeClr val="bg1">
+              <a:lumMod val="65000"/>
+            </a:schemeClr>
           </a:solidFill>
           <a:ln>
             <a:noFill/>
@@ -3887,16 +3910,20 @@
           <a:lstStyle/>
           <a:p>
             <a:pPr algn="ctr"/>
-            <a:endParaRPr lang="ko-KR" altLang="en-US"/>
-          </a:p>
-        </p:txBody>
-      </p:sp>
-      <p:sp>
-        <p:nvSpPr>
-          <p:cNvPr id="18" name="원형: 비어 있음 17">
-            <a:extLst>
-              <a:ext uri="{FF2B5EF4-FFF2-40B4-BE49-F238E27FC236}">
-                <a16:creationId xmlns:a16="http://schemas.microsoft.com/office/drawing/2014/main" id="{F8D457B5-5205-E43D-B507-07F34C4FD8FA}"/>
+            <a:endParaRPr lang="ko-KR" altLang="en-US" spc="-100">
+              <a:solidFill>
+                <a:schemeClr val="tx1"/>
+              </a:solidFill>
+            </a:endParaRPr>
+          </a:p>
+        </p:txBody>
+      </p:sp>
+      <p:sp>
+        <p:nvSpPr>
+          <p:cNvPr id="19" name="원형: 비어 있음 18">
+            <a:extLst>
+              <a:ext uri="{FF2B5EF4-FFF2-40B4-BE49-F238E27FC236}">
+                <a16:creationId xmlns:a16="http://schemas.microsoft.com/office/drawing/2014/main" id="{1AF44893-14DD-BE8D-3FCF-A877D79D1F1E}"/>
               </a:ext>
             </a:extLst>
           </p:cNvPr>
@@ -3905,17 +3932,17 @@
         </p:nvSpPr>
         <p:spPr>
           <a:xfrm>
-            <a:off x="4697666" y="2965502"/>
-            <a:ext cx="2763588" cy="2763588"/>
+            <a:off x="4423460" y="1681596"/>
+            <a:ext cx="3145220" cy="3176672"/>
           </a:xfrm>
           <a:prstGeom prst="donut">
             <a:avLst>
-              <a:gd name="adj" fmla="val 3101"/>
+              <a:gd name="adj" fmla="val 165"/>
             </a:avLst>
           </a:prstGeom>
           <a:solidFill>
             <a:schemeClr val="bg1">
-              <a:lumMod val="65000"/>
+              <a:lumMod val="85000"/>
             </a:schemeClr>
           </a:solidFill>
           <a:ln>
@@ -3943,7 +3970,7 @@
           <a:lstStyle/>
           <a:p>
             <a:pPr algn="ctr"/>
-            <a:endParaRPr lang="ko-KR" altLang="en-US">
+            <a:endParaRPr lang="ko-KR" altLang="en-US" spc="-100" dirty="0">
               <a:solidFill>
                 <a:schemeClr val="tx1"/>
               </a:solidFill>
@@ -3953,10 +3980,10 @@
       </p:sp>
       <p:sp>
         <p:nvSpPr>
-          <p:cNvPr id="19" name="원형: 비어 있음 18">
-            <a:extLst>
-              <a:ext uri="{FF2B5EF4-FFF2-40B4-BE49-F238E27FC236}">
-                <a16:creationId xmlns:a16="http://schemas.microsoft.com/office/drawing/2014/main" id="{1AF44893-14DD-BE8D-3FCF-A877D79D1F1E}"/>
+          <p:cNvPr id="22" name="원형: 비어 있음 21">
+            <a:extLst>
+              <a:ext uri="{FF2B5EF4-FFF2-40B4-BE49-F238E27FC236}">
+                <a16:creationId xmlns:a16="http://schemas.microsoft.com/office/drawing/2014/main" id="{4E19C8E2-B339-395F-EA2F-7FAD30C8E7A5}"/>
               </a:ext>
             </a:extLst>
           </p:cNvPr>
@@ -3965,8 +3992,8 @@
         </p:nvSpPr>
         <p:spPr>
           <a:xfrm>
-            <a:off x="4513400" y="2756554"/>
-            <a:ext cx="3145220" cy="3176672"/>
+            <a:off x="4506980" y="1796082"/>
+            <a:ext cx="2962940" cy="2962940"/>
           </a:xfrm>
           <a:prstGeom prst="donut">
             <a:avLst>
@@ -4003,7 +4030,7 @@
           <a:lstStyle/>
           <a:p>
             <a:pPr algn="ctr"/>
-            <a:endParaRPr lang="ko-KR" altLang="en-US" dirty="0">
+            <a:endParaRPr lang="ko-KR" altLang="en-US" spc="-100" dirty="0">
               <a:solidFill>
                 <a:schemeClr val="tx1"/>
               </a:solidFill>
@@ -4013,10 +4040,10 @@
       </p:sp>
       <p:sp>
         <p:nvSpPr>
-          <p:cNvPr id="22" name="원형: 비어 있음 21">
-            <a:extLst>
-              <a:ext uri="{FF2B5EF4-FFF2-40B4-BE49-F238E27FC236}">
-                <a16:creationId xmlns:a16="http://schemas.microsoft.com/office/drawing/2014/main" id="{4E19C8E2-B339-395F-EA2F-7FAD30C8E7A5}"/>
+          <p:cNvPr id="23" name="사각형: 둥근 모서리 22">
+            <a:extLst>
+              <a:ext uri="{FF2B5EF4-FFF2-40B4-BE49-F238E27FC236}">
+                <a16:creationId xmlns:a16="http://schemas.microsoft.com/office/drawing/2014/main" id="{4DAE7381-B25F-5555-550E-2B5224D8663C}"/>
               </a:ext>
             </a:extLst>
           </p:cNvPr>
@@ -4025,18 +4052,14 @@
         </p:nvSpPr>
         <p:spPr>
           <a:xfrm>
-            <a:off x="4596920" y="2871040"/>
-            <a:ext cx="2962940" cy="2962940"/>
-          </a:xfrm>
-          <a:prstGeom prst="donut">
-            <a:avLst>
-              <a:gd name="adj" fmla="val 165"/>
-            </a:avLst>
-          </a:prstGeom>
-          <a:solidFill>
-            <a:schemeClr val="bg1">
-              <a:lumMod val="85000"/>
-            </a:schemeClr>
+            <a:off x="602020" y="1742812"/>
+            <a:ext cx="3431226" cy="822960"/>
+          </a:xfrm>
+          <a:prstGeom prst="roundRect">
+            <a:avLst/>
+          </a:prstGeom>
+          <a:solidFill>
+            <a:srgbClr val="5D9AD3"/>
           </a:solidFill>
           <a:ln>
             <a:noFill/>
@@ -4063,20 +4086,16 @@
           <a:lstStyle/>
           <a:p>
             <a:pPr algn="ctr"/>
-            <a:endParaRPr lang="ko-KR" altLang="en-US" dirty="0">
-              <a:solidFill>
-                <a:schemeClr val="tx1"/>
-              </a:solidFill>
-            </a:endParaRPr>
-          </a:p>
-        </p:txBody>
-      </p:sp>
-      <p:sp>
-        <p:nvSpPr>
-          <p:cNvPr id="23" name="사각형: 둥근 모서리 22">
-            <a:extLst>
-              <a:ext uri="{FF2B5EF4-FFF2-40B4-BE49-F238E27FC236}">
-                <a16:creationId xmlns:a16="http://schemas.microsoft.com/office/drawing/2014/main" id="{4DAE7381-B25F-5555-550E-2B5224D8663C}"/>
+            <a:endParaRPr lang="ko-KR" altLang="en-US" spc="-100" dirty="0"/>
+          </a:p>
+        </p:txBody>
+      </p:sp>
+      <p:sp>
+        <p:nvSpPr>
+          <p:cNvPr id="24" name="직사각형 23">
+            <a:extLst>
+              <a:ext uri="{FF2B5EF4-FFF2-40B4-BE49-F238E27FC236}">
+                <a16:creationId xmlns:a16="http://schemas.microsoft.com/office/drawing/2014/main" id="{A86A24E4-1EAD-BDE9-9BEB-E1F391A1104F}"/>
               </a:ext>
             </a:extLst>
           </p:cNvPr>
@@ -4085,14 +4104,14 @@
         </p:nvSpPr>
         <p:spPr>
           <a:xfrm>
-            <a:off x="980708" y="2263140"/>
-            <a:ext cx="3106092" cy="822960"/>
-          </a:xfrm>
-          <a:prstGeom prst="roundRect">
-            <a:avLst/>
-          </a:prstGeom>
-          <a:solidFill>
-            <a:srgbClr val="5D9AD3"/>
+            <a:off x="602019" y="2236226"/>
+            <a:ext cx="3430800" cy="1111869"/>
+          </a:xfrm>
+          <a:prstGeom prst="rect">
+            <a:avLst/>
+          </a:prstGeom>
+          <a:solidFill>
+            <a:srgbClr val="FFFEFE"/>
           </a:solidFill>
           <a:ln>
             <a:noFill/>
@@ -4118,17 +4137,152 @@
           <a:bodyPr rtlCol="0" anchor="ctr"/>
           <a:lstStyle/>
           <a:p>
-            <a:pPr algn="ctr"/>
-            <a:endParaRPr lang="ko-KR" altLang="en-US" dirty="0"/>
-          </a:p>
-        </p:txBody>
-      </p:sp>
-      <p:sp>
-        <p:nvSpPr>
-          <p:cNvPr id="24" name="직사각형 23">
-            <a:extLst>
-              <a:ext uri="{FF2B5EF4-FFF2-40B4-BE49-F238E27FC236}">
-                <a16:creationId xmlns:a16="http://schemas.microsoft.com/office/drawing/2014/main" id="{A86A24E4-1EAD-BDE9-9BEB-E1F391A1104F}"/>
+            <a:pPr marL="285750" indent="-285750">
+              <a:buFontTx/>
+              <a:buChar char="-"/>
+            </a:pPr>
+            <a:r>
+              <a:rPr lang="ko-KR" altLang="en-US" sz="1600" b="1" spc="-100" dirty="0">
+                <a:solidFill>
+                  <a:schemeClr val="tx1"/>
+                </a:solidFill>
+                <a:latin typeface="나눔스퀘어OTF ExtraBold" panose="020B0600000101010101" pitchFamily="34" charset="-127"/>
+                <a:ea typeface="나눔스퀘어OTF ExtraBold" panose="020B0600000101010101" pitchFamily="34" charset="-127"/>
+              </a:rPr>
+              <a:t>희망지역과 관련된 다양한 데이터를   부지선정에 반영 가능</a:t>
+            </a:r>
+            <a:endParaRPr lang="en-US" altLang="ko-KR" sz="1600" b="1" spc="-100" dirty="0">
+              <a:solidFill>
+                <a:schemeClr val="tx1"/>
+              </a:solidFill>
+              <a:latin typeface="나눔스퀘어OTF ExtraBold" panose="020B0600000101010101" pitchFamily="34" charset="-127"/>
+              <a:ea typeface="나눔스퀘어OTF ExtraBold" panose="020B0600000101010101" pitchFamily="34" charset="-127"/>
+            </a:endParaRPr>
+          </a:p>
+          <a:p>
+            <a:pPr marL="285750" indent="-285750">
+              <a:buFontTx/>
+              <a:buChar char="-"/>
+            </a:pPr>
+            <a:r>
+              <a:rPr lang="ko-KR" altLang="en-US" sz="1600" b="1" spc="-100" dirty="0">
+                <a:solidFill>
+                  <a:schemeClr val="tx1"/>
+                </a:solidFill>
+                <a:latin typeface="나눔스퀘어OTF ExtraBold" panose="020B0600000101010101" pitchFamily="34" charset="-127"/>
+                <a:ea typeface="나눔스퀘어OTF ExtraBold" panose="020B0600000101010101" pitchFamily="34" charset="-127"/>
+              </a:rPr>
+              <a:t>환경적</a:t>
+            </a:r>
+            <a:r>
+              <a:rPr lang="en-US" altLang="ko-KR" sz="1600" b="1" spc="-100" dirty="0">
+                <a:solidFill>
+                  <a:schemeClr val="tx1"/>
+                </a:solidFill>
+                <a:latin typeface="나눔스퀘어OTF ExtraBold" panose="020B0600000101010101" pitchFamily="34" charset="-127"/>
+                <a:ea typeface="나눔스퀘어OTF ExtraBold" panose="020B0600000101010101" pitchFamily="34" charset="-127"/>
+              </a:rPr>
+              <a:t>, </a:t>
+            </a:r>
+            <a:r>
+              <a:rPr lang="ko-KR" altLang="en-US" sz="1600" b="1" spc="-100" dirty="0">
+                <a:solidFill>
+                  <a:schemeClr val="tx1"/>
+                </a:solidFill>
+                <a:latin typeface="나눔스퀘어OTF ExtraBold" panose="020B0600000101010101" pitchFamily="34" charset="-127"/>
+                <a:ea typeface="나눔스퀘어OTF ExtraBold" panose="020B0600000101010101" pitchFamily="34" charset="-127"/>
+              </a:rPr>
+              <a:t>경제적</a:t>
+            </a:r>
+            <a:r>
+              <a:rPr lang="en-US" altLang="ko-KR" sz="1600" b="1" spc="-100" dirty="0">
+                <a:solidFill>
+                  <a:schemeClr val="tx1"/>
+                </a:solidFill>
+                <a:latin typeface="나눔스퀘어OTF ExtraBold" panose="020B0600000101010101" pitchFamily="34" charset="-127"/>
+                <a:ea typeface="나눔스퀘어OTF ExtraBold" panose="020B0600000101010101" pitchFamily="34" charset="-127"/>
+              </a:rPr>
+              <a:t>, </a:t>
+            </a:r>
+            <a:r>
+              <a:rPr lang="ko-KR" altLang="en-US" sz="1600" b="1" spc="-100" dirty="0">
+                <a:solidFill>
+                  <a:schemeClr val="tx1"/>
+                </a:solidFill>
+                <a:latin typeface="나눔스퀘어OTF ExtraBold" panose="020B0600000101010101" pitchFamily="34" charset="-127"/>
+                <a:ea typeface="나눔스퀘어OTF ExtraBold" panose="020B0600000101010101" pitchFamily="34" charset="-127"/>
+              </a:rPr>
+              <a:t>기술적</a:t>
+            </a:r>
+            <a:r>
+              <a:rPr lang="en-US" altLang="ko-KR" sz="1600" b="1" spc="-100" dirty="0">
+                <a:solidFill>
+                  <a:schemeClr val="tx1"/>
+                </a:solidFill>
+                <a:latin typeface="나눔스퀘어OTF ExtraBold" panose="020B0600000101010101" pitchFamily="34" charset="-127"/>
+                <a:ea typeface="나눔스퀘어OTF ExtraBold" panose="020B0600000101010101" pitchFamily="34" charset="-127"/>
+              </a:rPr>
+              <a:t>, </a:t>
+            </a:r>
+            <a:r>
+              <a:rPr lang="ko-KR" altLang="en-US" sz="1600" b="1" spc="-100" dirty="0">
+                <a:solidFill>
+                  <a:schemeClr val="tx1"/>
+                </a:solidFill>
+                <a:latin typeface="나눔스퀘어OTF ExtraBold" panose="020B0600000101010101" pitchFamily="34" charset="-127"/>
+                <a:ea typeface="나눔스퀘어OTF ExtraBold" panose="020B0600000101010101" pitchFamily="34" charset="-127"/>
+              </a:rPr>
+              <a:t>사회적 요인</a:t>
+            </a:r>
+            <a:r>
+              <a:rPr lang="en-US" altLang="ko-KR" sz="1600" b="1" spc="-100" dirty="0">
+                <a:solidFill>
+                  <a:schemeClr val="tx1"/>
+                </a:solidFill>
+                <a:latin typeface="나눔스퀘어OTF ExtraBold" panose="020B0600000101010101" pitchFamily="34" charset="-127"/>
+                <a:ea typeface="나눔스퀘어OTF ExtraBold" panose="020B0600000101010101" pitchFamily="34" charset="-127"/>
+              </a:rPr>
+              <a:t>  </a:t>
+            </a:r>
+            <a:r>
+              <a:rPr lang="ko-KR" altLang="en-US" sz="1600" b="1" spc="-100" dirty="0">
+                <a:solidFill>
+                  <a:schemeClr val="tx1"/>
+                </a:solidFill>
+                <a:latin typeface="나눔스퀘어OTF ExtraBold" panose="020B0600000101010101" pitchFamily="34" charset="-127"/>
+                <a:ea typeface="나눔스퀘어OTF ExtraBold" panose="020B0600000101010101" pitchFamily="34" charset="-127"/>
+              </a:rPr>
+              <a:t>기반 국내외 공공데이터 </a:t>
+            </a:r>
+            <a:r>
+              <a:rPr lang="en-US" altLang="ko-KR" sz="1600" b="1" spc="-100" dirty="0">
+                <a:solidFill>
+                  <a:schemeClr val="tx1"/>
+                </a:solidFill>
+                <a:latin typeface="나눔스퀘어OTF ExtraBold" panose="020B0600000101010101" pitchFamily="34" charset="-127"/>
+                <a:ea typeface="나눔스퀘어OTF ExtraBold" panose="020B0600000101010101" pitchFamily="34" charset="-127"/>
+              </a:rPr>
+              <a:t>IMPORT </a:t>
+            </a:r>
+            <a:r>
+              <a:rPr lang="ko-KR" altLang="en-US" sz="1600" b="1" spc="-100" dirty="0">
+                <a:solidFill>
+                  <a:schemeClr val="tx1"/>
+                </a:solidFill>
+                <a:latin typeface="나눔스퀘어OTF ExtraBold" panose="020B0600000101010101" pitchFamily="34" charset="-127"/>
+                <a:ea typeface="나눔스퀘어OTF ExtraBold" panose="020B0600000101010101" pitchFamily="34" charset="-127"/>
+              </a:rPr>
+              <a:t>지원</a:t>
+            </a:r>
+          </a:p>
+        </p:txBody>
+      </p:sp>
+      <p:sp>
+        <p:nvSpPr>
+          <p:cNvPr id="27" name="사각형: 둥근 모서리 26">
+            <a:extLst>
+              <a:ext uri="{FF2B5EF4-FFF2-40B4-BE49-F238E27FC236}">
+                <a16:creationId xmlns:a16="http://schemas.microsoft.com/office/drawing/2014/main" id="{29212C9F-3C4A-988C-EF36-E78D0AD43EB6}"/>
               </a:ext>
             </a:extLst>
           </p:cNvPr>
@@ -4137,15 +4291,12 @@
         </p:nvSpPr>
         <p:spPr>
           <a:xfrm>
-            <a:off x="980708" y="2756554"/>
-            <a:ext cx="3106092" cy="931526"/>
-          </a:xfrm>
-          <a:prstGeom prst="rect">
-            <a:avLst/>
-          </a:prstGeom>
-          <a:solidFill>
-            <a:srgbClr val="FFFEFE"/>
-          </a:solidFill>
+            <a:off x="696569" y="3857722"/>
+            <a:ext cx="3220838" cy="822960"/>
+          </a:xfrm>
+          <a:prstGeom prst="roundRect">
+            <a:avLst/>
+          </a:prstGeom>
           <a:ln>
             <a:noFill/>
           </a:ln>
@@ -4170,98 +4321,17 @@
           <a:bodyPr rtlCol="0" anchor="ctr"/>
           <a:lstStyle/>
           <a:p>
-            <a:r>
-              <a:rPr lang="en-US" altLang="ko-KR" sz="1200" b="1" dirty="0">
-                <a:solidFill>
-                  <a:schemeClr val="tx1"/>
-                </a:solidFill>
-                <a:latin typeface="나눔스퀘어OTF ExtraBold" panose="020B0600000101010101" pitchFamily="34" charset="-127"/>
-                <a:ea typeface="나눔스퀘어OTF ExtraBold" panose="020B0600000101010101" pitchFamily="34" charset="-127"/>
-              </a:rPr>
-              <a:t>-</a:t>
-            </a:r>
-            <a:r>
-              <a:rPr lang="en-US" altLang="ko-KR" sz="1200" b="1" dirty="0">
-                <a:solidFill>
-                  <a:schemeClr val="tx1"/>
-                </a:solidFill>
-              </a:rPr>
-              <a:t> </a:t>
-            </a:r>
-            <a:r>
-              <a:rPr lang="ko-KR" altLang="en-US" sz="1200" b="1" dirty="0">
-                <a:solidFill>
-                  <a:schemeClr val="tx1"/>
-                </a:solidFill>
-                <a:latin typeface="나눔스퀘어OTF ExtraBold" panose="020B0600000101010101" pitchFamily="34" charset="-127"/>
-                <a:ea typeface="나눔스퀘어OTF ExtraBold" panose="020B0600000101010101" pitchFamily="34" charset="-127"/>
-              </a:rPr>
-              <a:t>요청된 지역의 데이터 활용</a:t>
-            </a:r>
-            <a:endParaRPr lang="en-US" altLang="ko-KR" sz="1200" b="1" dirty="0">
-              <a:solidFill>
-                <a:schemeClr val="tx1"/>
-              </a:solidFill>
-              <a:latin typeface="나눔스퀘어OTF ExtraBold" panose="020B0600000101010101" pitchFamily="34" charset="-127"/>
-              <a:ea typeface="나눔스퀘어OTF ExtraBold" panose="020B0600000101010101" pitchFamily="34" charset="-127"/>
-            </a:endParaRPr>
-          </a:p>
-          <a:p>
-            <a:r>
-              <a:rPr lang="en-US" altLang="ko-KR" sz="1200" b="1" dirty="0">
-                <a:solidFill>
-                  <a:schemeClr val="tx1"/>
-                </a:solidFill>
-                <a:latin typeface="나눔스퀘어OTF ExtraBold" panose="020B0600000101010101" pitchFamily="34" charset="-127"/>
-                <a:ea typeface="나눔스퀘어OTF ExtraBold" panose="020B0600000101010101" pitchFamily="34" charset="-127"/>
-              </a:rPr>
-              <a:t>-</a:t>
-            </a:r>
-            <a:r>
-              <a:rPr lang="en-US" altLang="ko-KR" sz="1200" b="1" dirty="0">
-                <a:solidFill>
-                  <a:schemeClr val="tx1"/>
-                </a:solidFill>
-              </a:rPr>
-              <a:t> </a:t>
-            </a:r>
-            <a:r>
-              <a:rPr lang="ko-KR" altLang="en-US" sz="1200" b="1" dirty="0">
-                <a:solidFill>
-                  <a:schemeClr val="tx1"/>
-                </a:solidFill>
-                <a:latin typeface="나눔스퀘어OTF ExtraBold" panose="020B0600000101010101" pitchFamily="34" charset="-127"/>
-                <a:ea typeface="나눔스퀘어OTF ExtraBold" panose="020B0600000101010101" pitchFamily="34" charset="-127"/>
-              </a:rPr>
-              <a:t>부지선정에</a:t>
-            </a:r>
-            <a:r>
-              <a:rPr lang="en-US" altLang="ko-KR" sz="1200" b="1" dirty="0">
-                <a:solidFill>
-                  <a:schemeClr val="tx1"/>
-                </a:solidFill>
-              </a:rPr>
-              <a:t> </a:t>
-            </a:r>
-            <a:r>
-              <a:rPr lang="ko-KR" altLang="en-US" sz="1200" b="1" dirty="0">
-                <a:solidFill>
-                  <a:schemeClr val="tx1"/>
-                </a:solidFill>
-                <a:latin typeface="나눔스퀘어OTF ExtraBold" panose="020B0600000101010101" pitchFamily="34" charset="-127"/>
-                <a:ea typeface="나눔스퀘어OTF ExtraBold" panose="020B0600000101010101" pitchFamily="34" charset="-127"/>
-              </a:rPr>
-              <a:t>연관된 확률적 의존성 반영</a:t>
-            </a:r>
-          </a:p>
-        </p:txBody>
-      </p:sp>
-      <p:sp>
-        <p:nvSpPr>
-          <p:cNvPr id="27" name="사각형: 둥근 모서리 26">
-            <a:extLst>
-              <a:ext uri="{FF2B5EF4-FFF2-40B4-BE49-F238E27FC236}">
-                <a16:creationId xmlns:a16="http://schemas.microsoft.com/office/drawing/2014/main" id="{29212C9F-3C4A-988C-EF36-E78D0AD43EB6}"/>
+            <a:pPr algn="ctr"/>
+            <a:endParaRPr lang="ko-KR" altLang="en-US" spc="-100" dirty="0"/>
+          </a:p>
+        </p:txBody>
+      </p:sp>
+      <p:sp>
+        <p:nvSpPr>
+          <p:cNvPr id="28" name="직사각형 27">
+            <a:extLst>
+              <a:ext uri="{FF2B5EF4-FFF2-40B4-BE49-F238E27FC236}">
+                <a16:creationId xmlns:a16="http://schemas.microsoft.com/office/drawing/2014/main" id="{3F95096D-8305-BEBC-2446-6BF1227C9BA5}"/>
               </a:ext>
             </a:extLst>
           </p:cNvPr>
@@ -4270,12 +4340,15 @@
         </p:nvSpPr>
         <p:spPr>
           <a:xfrm>
-            <a:off x="1022453" y="4932680"/>
-            <a:ext cx="2984894" cy="822960"/>
-          </a:xfrm>
-          <a:prstGeom prst="roundRect">
-            <a:avLst/>
-          </a:prstGeom>
+            <a:off x="696569" y="4351136"/>
+            <a:ext cx="3220838" cy="931526"/>
+          </a:xfrm>
+          <a:prstGeom prst="rect">
+            <a:avLst/>
+          </a:prstGeom>
+          <a:solidFill>
+            <a:srgbClr val="FFFEFE"/>
+          </a:solidFill>
           <a:ln>
             <a:noFill/>
           </a:ln>
@@ -4300,17 +4373,79 @@
           <a:bodyPr rtlCol="0" anchor="ctr"/>
           <a:lstStyle/>
           <a:p>
-            <a:pPr algn="ctr"/>
-            <a:endParaRPr lang="ko-KR" altLang="en-US" dirty="0"/>
-          </a:p>
-        </p:txBody>
-      </p:sp>
-      <p:sp>
-        <p:nvSpPr>
-          <p:cNvPr id="28" name="직사각형 27">
-            <a:extLst>
-              <a:ext uri="{FF2B5EF4-FFF2-40B4-BE49-F238E27FC236}">
-                <a16:creationId xmlns:a16="http://schemas.microsoft.com/office/drawing/2014/main" id="{3F95096D-8305-BEBC-2446-6BF1227C9BA5}"/>
+            <a:pPr marL="171450" indent="-171450">
+              <a:buFontTx/>
+              <a:buChar char="-"/>
+            </a:pPr>
+            <a:r>
+              <a:rPr lang="ko-KR" altLang="en-US" sz="1600" spc="-200" dirty="0">
+                <a:solidFill>
+                  <a:schemeClr val="tx1"/>
+                </a:solidFill>
+                <a:latin typeface="나눔스퀘어OTF ExtraBold" panose="020B0600000101010101" pitchFamily="34" charset="-127"/>
+                <a:ea typeface="나눔스퀘어OTF ExtraBold" panose="020B0600000101010101" pitchFamily="34" charset="-127"/>
+              </a:rPr>
+              <a:t>선택 지역의 영향 요인을 확률계산과 함께 종합적인 최종의견 값으로 도출</a:t>
+            </a:r>
+            <a:endParaRPr lang="en-US" altLang="ko-KR" sz="1600" spc="-200" dirty="0">
+              <a:solidFill>
+                <a:schemeClr val="tx1"/>
+              </a:solidFill>
+              <a:latin typeface="나눔스퀘어OTF ExtraBold" panose="020B0600000101010101" pitchFamily="34" charset="-127"/>
+              <a:ea typeface="나눔스퀘어OTF ExtraBold" panose="020B0600000101010101" pitchFamily="34" charset="-127"/>
+            </a:endParaRPr>
+          </a:p>
+          <a:p>
+            <a:pPr marL="171450" indent="-171450">
+              <a:buFontTx/>
+              <a:buChar char="-"/>
+            </a:pPr>
+            <a:r>
+              <a:rPr lang="ko-KR" altLang="en-US" sz="1600" spc="-200" dirty="0">
+                <a:solidFill>
+                  <a:schemeClr val="tx1"/>
+                </a:solidFill>
+                <a:latin typeface="나눔스퀘어OTF ExtraBold" panose="020B0600000101010101" pitchFamily="34" charset="-127"/>
+                <a:ea typeface="나눔스퀘어OTF ExtraBold" panose="020B0600000101010101" pitchFamily="34" charset="-127"/>
+              </a:rPr>
+              <a:t>전체  영향 요인 에 대한 통합 </a:t>
+            </a:r>
+            <a:r>
+              <a:rPr lang="en-US" altLang="ko-KR" sz="1600" spc="-200" dirty="0">
+                <a:solidFill>
+                  <a:schemeClr val="tx1"/>
+                </a:solidFill>
+                <a:latin typeface="나눔스퀘어OTF ExtraBold" panose="020B0600000101010101" pitchFamily="34" charset="-127"/>
+                <a:ea typeface="나눔스퀘어OTF ExtraBold" panose="020B0600000101010101" pitchFamily="34" charset="-127"/>
+              </a:rPr>
+              <a:t>View</a:t>
+            </a:r>
+            <a:r>
+              <a:rPr lang="ko-KR" altLang="en-US" sz="1600" spc="-200" dirty="0">
+                <a:solidFill>
+                  <a:schemeClr val="tx1"/>
+                </a:solidFill>
+                <a:latin typeface="나눔스퀘어OTF ExtraBold" panose="020B0600000101010101" pitchFamily="34" charset="-127"/>
+                <a:ea typeface="나눔스퀘어OTF ExtraBold" panose="020B0600000101010101" pitchFamily="34" charset="-127"/>
+              </a:rPr>
+              <a:t> 제공</a:t>
+            </a:r>
+            <a:endParaRPr lang="en-US" altLang="ko-KR" sz="1600" spc="-200" dirty="0">
+              <a:solidFill>
+                <a:schemeClr val="tx1"/>
+              </a:solidFill>
+              <a:latin typeface="나눔스퀘어OTF ExtraBold" panose="020B0600000101010101" pitchFamily="34" charset="-127"/>
+              <a:ea typeface="나눔스퀘어OTF ExtraBold" panose="020B0600000101010101" pitchFamily="34" charset="-127"/>
+            </a:endParaRPr>
+          </a:p>
+        </p:txBody>
+      </p:sp>
+      <p:sp>
+        <p:nvSpPr>
+          <p:cNvPr id="30" name="사각형: 둥근 모서리 29">
+            <a:extLst>
+              <a:ext uri="{FF2B5EF4-FFF2-40B4-BE49-F238E27FC236}">
+                <a16:creationId xmlns:a16="http://schemas.microsoft.com/office/drawing/2014/main" id="{7D11FCD9-E5BB-7F3A-88ED-1C215BC95962}"/>
               </a:ext>
             </a:extLst>
           </p:cNvPr>
@@ -4319,14 +4454,14 @@
         </p:nvSpPr>
         <p:spPr>
           <a:xfrm>
-            <a:off x="1022453" y="5426094"/>
-            <a:ext cx="2984894" cy="931526"/>
-          </a:xfrm>
-          <a:prstGeom prst="rect">
-            <a:avLst/>
-          </a:prstGeom>
-          <a:solidFill>
-            <a:srgbClr val="FFFEFE"/>
+            <a:off x="8031168" y="3859447"/>
+            <a:ext cx="3552514" cy="822960"/>
+          </a:xfrm>
+          <a:prstGeom prst="roundRect">
+            <a:avLst/>
+          </a:prstGeom>
+          <a:solidFill>
+            <a:srgbClr val="F79647"/>
           </a:solidFill>
           <a:ln>
             <a:noFill/>
@@ -4352,56 +4487,17 @@
           <a:bodyPr rtlCol="0" anchor="ctr"/>
           <a:lstStyle/>
           <a:p>
-            <a:pPr marL="171450" indent="-171450">
-              <a:buFontTx/>
-              <a:buChar char="-"/>
-            </a:pPr>
-            <a:r>
-              <a:rPr lang="ko-KR" altLang="en-US" sz="1200" dirty="0">
-                <a:solidFill>
-                  <a:schemeClr val="tx1"/>
-                </a:solidFill>
-                <a:latin typeface="나눔스퀘어OTF ExtraBold" panose="020B0600000101010101" pitchFamily="34" charset="-127"/>
-                <a:ea typeface="나눔스퀘어OTF ExtraBold" panose="020B0600000101010101" pitchFamily="34" charset="-127"/>
-              </a:rPr>
-              <a:t>선택 지역의 영향 요인을 </a:t>
-            </a:r>
-            <a:r>
-              <a:rPr lang="ko-KR" altLang="en-US" sz="1200">
-                <a:solidFill>
-                  <a:schemeClr val="tx1"/>
-                </a:solidFill>
-                <a:latin typeface="나눔스퀘어OTF ExtraBold" panose="020B0600000101010101" pitchFamily="34" charset="-127"/>
-                <a:ea typeface="나눔스퀘어OTF ExtraBold" panose="020B0600000101010101" pitchFamily="34" charset="-127"/>
-              </a:rPr>
-              <a:t>확률계산과 함께 </a:t>
-            </a:r>
-            <a:r>
-              <a:rPr lang="ko-KR" altLang="en-US" sz="1200" dirty="0">
-                <a:solidFill>
-                  <a:schemeClr val="tx1"/>
-                </a:solidFill>
-                <a:latin typeface="나눔스퀘어OTF ExtraBold" panose="020B0600000101010101" pitchFamily="34" charset="-127"/>
-                <a:ea typeface="나눔스퀘어OTF ExtraBold" panose="020B0600000101010101" pitchFamily="34" charset="-127"/>
-              </a:rPr>
-              <a:t>종합적인 최종의견 값으로 도출</a:t>
-            </a:r>
-            <a:endParaRPr lang="en-US" altLang="ko-KR" sz="1200" dirty="0">
-              <a:solidFill>
-                <a:schemeClr val="tx1"/>
-              </a:solidFill>
-              <a:latin typeface="나눔스퀘어OTF ExtraBold" panose="020B0600000101010101" pitchFamily="34" charset="-127"/>
-              <a:ea typeface="나눔스퀘어OTF ExtraBold" panose="020B0600000101010101" pitchFamily="34" charset="-127"/>
-            </a:endParaRPr>
-          </a:p>
-        </p:txBody>
-      </p:sp>
-      <p:sp>
-        <p:nvSpPr>
-          <p:cNvPr id="30" name="사각형: 둥근 모서리 29">
-            <a:extLst>
-              <a:ext uri="{FF2B5EF4-FFF2-40B4-BE49-F238E27FC236}">
-                <a16:creationId xmlns:a16="http://schemas.microsoft.com/office/drawing/2014/main" id="{7D11FCD9-E5BB-7F3A-88ED-1C215BC95962}"/>
+            <a:pPr algn="ctr"/>
+            <a:endParaRPr lang="ko-KR" altLang="en-US" spc="-100" dirty="0"/>
+          </a:p>
+        </p:txBody>
+      </p:sp>
+      <p:sp>
+        <p:nvSpPr>
+          <p:cNvPr id="31" name="직사각형 30">
+            <a:extLst>
+              <a:ext uri="{FF2B5EF4-FFF2-40B4-BE49-F238E27FC236}">
+                <a16:creationId xmlns:a16="http://schemas.microsoft.com/office/drawing/2014/main" id="{7B9A8FE6-6A4A-1F25-D699-73E471138A59}"/>
               </a:ext>
             </a:extLst>
           </p:cNvPr>
@@ -4410,14 +4506,14 @@
         </p:nvSpPr>
         <p:spPr>
           <a:xfrm>
-            <a:off x="8243740" y="4886960"/>
-            <a:ext cx="2984894" cy="822960"/>
-          </a:xfrm>
-          <a:prstGeom prst="roundRect">
-            <a:avLst/>
-          </a:prstGeom>
-          <a:solidFill>
-            <a:srgbClr val="F79647"/>
+            <a:off x="8031169" y="4352860"/>
+            <a:ext cx="3552513" cy="1241981"/>
+          </a:xfrm>
+          <a:prstGeom prst="rect">
+            <a:avLst/>
+          </a:prstGeom>
+          <a:solidFill>
+            <a:srgbClr val="FFFEFE"/>
           </a:solidFill>
           <a:ln>
             <a:noFill/>
@@ -4443,17 +4539,82 @@
           <a:bodyPr rtlCol="0" anchor="ctr"/>
           <a:lstStyle/>
           <a:p>
-            <a:pPr algn="ctr"/>
-            <a:endParaRPr lang="ko-KR" altLang="en-US" dirty="0"/>
-          </a:p>
-        </p:txBody>
-      </p:sp>
-      <p:sp>
-        <p:nvSpPr>
-          <p:cNvPr id="31" name="직사각형 30">
-            <a:extLst>
-              <a:ext uri="{FF2B5EF4-FFF2-40B4-BE49-F238E27FC236}">
-                <a16:creationId xmlns:a16="http://schemas.microsoft.com/office/drawing/2014/main" id="{7B9A8FE6-6A4A-1F25-D699-73E471138A59}"/>
+            <a:pPr marL="285750" indent="-285750">
+              <a:buFontTx/>
+              <a:buChar char="-"/>
+            </a:pPr>
+            <a:r>
+              <a:rPr lang="ko-KR" altLang="en-US" sz="1600" spc="-200" dirty="0">
+                <a:solidFill>
+                  <a:schemeClr val="tx1"/>
+                </a:solidFill>
+                <a:latin typeface="나눔스퀘어OTF ExtraBold" panose="020B0600000101010101" pitchFamily="34" charset="-127"/>
+                <a:ea typeface="나눔스퀘어OTF ExtraBold" panose="020B0600000101010101" pitchFamily="34" charset="-127"/>
+              </a:rPr>
+              <a:t>지역 특성 및 사용자의 요구사항에 따른   </a:t>
+            </a:r>
+            <a:r>
+              <a:rPr lang="en-US" altLang="ko-KR" sz="1600" spc="-200" dirty="0">
+                <a:solidFill>
+                  <a:schemeClr val="tx1"/>
+                </a:solidFill>
+                <a:latin typeface="나눔스퀘어OTF ExtraBold" panose="020B0600000101010101" pitchFamily="34" charset="-127"/>
+                <a:ea typeface="나눔스퀘어OTF ExtraBold" panose="020B0600000101010101" pitchFamily="34" charset="-127"/>
+              </a:rPr>
+              <a:t>         </a:t>
+            </a:r>
+            <a:r>
+              <a:rPr lang="ko-KR" altLang="en-US" sz="1600" spc="-200" dirty="0">
+                <a:solidFill>
+                  <a:schemeClr val="tx1"/>
+                </a:solidFill>
+                <a:latin typeface="나눔스퀘어OTF ExtraBold" panose="020B0600000101010101" pitchFamily="34" charset="-127"/>
+                <a:ea typeface="나눔스퀘어OTF ExtraBold" panose="020B0600000101010101" pitchFamily="34" charset="-127"/>
+              </a:rPr>
+              <a:t>세부요인의 사용자 정의화 가능</a:t>
+            </a:r>
+            <a:endParaRPr lang="en-US" altLang="ko-KR" sz="1600" spc="-200" dirty="0">
+              <a:solidFill>
+                <a:schemeClr val="tx1"/>
+              </a:solidFill>
+              <a:latin typeface="나눔스퀘어OTF ExtraBold" panose="020B0600000101010101" pitchFamily="34" charset="-127"/>
+              <a:ea typeface="나눔스퀘어OTF ExtraBold" panose="020B0600000101010101" pitchFamily="34" charset="-127"/>
+            </a:endParaRPr>
+          </a:p>
+          <a:p>
+            <a:pPr marL="285750" indent="-285750">
+              <a:buFontTx/>
+              <a:buChar char="-"/>
+            </a:pPr>
+            <a:r>
+              <a:rPr lang="ko-KR" altLang="en-US" sz="1600" spc="-200" dirty="0">
+                <a:solidFill>
+                  <a:schemeClr val="tx1"/>
+                </a:solidFill>
+                <a:latin typeface="나눔스퀘어OTF ExtraBold" panose="020B0600000101010101" pitchFamily="34" charset="-127"/>
+                <a:ea typeface="나눔스퀘어OTF ExtraBold" panose="020B0600000101010101" pitchFamily="34" charset="-127"/>
+              </a:rPr>
+              <a:t>선택지역에 연관된 요인을 한눈에 파악하기 위한 </a:t>
+            </a:r>
+            <a:r>
+              <a:rPr lang="en-US" altLang="ko-KR" sz="1600" spc="-200" dirty="0">
+                <a:solidFill>
+                  <a:schemeClr val="tx1"/>
+                </a:solidFill>
+                <a:latin typeface="나눔스퀘어OTF ExtraBold" panose="020B0600000101010101" pitchFamily="34" charset="-127"/>
+                <a:ea typeface="나눔스퀘어OTF ExtraBold" panose="020B0600000101010101" pitchFamily="34" charset="-127"/>
+              </a:rPr>
+              <a:t>WebApp</a:t>
+            </a:r>
+          </a:p>
+        </p:txBody>
+      </p:sp>
+      <p:sp>
+        <p:nvSpPr>
+          <p:cNvPr id="33" name="사각형: 둥근 모서리 32">
+            <a:extLst>
+              <a:ext uri="{FF2B5EF4-FFF2-40B4-BE49-F238E27FC236}">
+                <a16:creationId xmlns:a16="http://schemas.microsoft.com/office/drawing/2014/main" id="{98839D77-8D08-23C7-E54A-6892ED8D150D}"/>
               </a:ext>
             </a:extLst>
           </p:cNvPr>
@@ -4462,14 +4623,14 @@
         </p:nvSpPr>
         <p:spPr>
           <a:xfrm>
-            <a:off x="8243740" y="5380374"/>
-            <a:ext cx="2984894" cy="931526"/>
-          </a:xfrm>
-          <a:prstGeom prst="rect">
-            <a:avLst/>
-          </a:prstGeom>
-          <a:solidFill>
-            <a:srgbClr val="FFFEFE"/>
+            <a:off x="8110890" y="1620288"/>
+            <a:ext cx="3472792" cy="917588"/>
+          </a:xfrm>
+          <a:prstGeom prst="roundRect">
+            <a:avLst/>
+          </a:prstGeom>
+          <a:solidFill>
+            <a:srgbClr val="4AACC5"/>
           </a:solidFill>
           <a:ln>
             <a:noFill/>
@@ -4495,59 +4656,17 @@
           <a:bodyPr rtlCol="0" anchor="ctr"/>
           <a:lstStyle/>
           <a:p>
-            <a:pPr marL="171450" indent="-171450">
-              <a:buFontTx/>
-              <a:buChar char="-"/>
-            </a:pPr>
-            <a:r>
-              <a:rPr lang="ko-KR" altLang="en-US" sz="1200" dirty="0">
-                <a:solidFill>
-                  <a:schemeClr val="tx1"/>
-                </a:solidFill>
-                <a:latin typeface="나눔스퀘어OTF ExtraBold" panose="020B0600000101010101" pitchFamily="34" charset="-127"/>
-                <a:ea typeface="나눔스퀘어OTF ExtraBold" panose="020B0600000101010101" pitchFamily="34" charset="-127"/>
-              </a:rPr>
-              <a:t>지역 특성 및 사용자의 요구사항에 따른 세부요인의 사용자 정의화 가능</a:t>
-            </a:r>
-            <a:endParaRPr lang="en-US" altLang="ko-KR" sz="1200" dirty="0">
-              <a:solidFill>
-                <a:schemeClr val="tx1"/>
-              </a:solidFill>
-              <a:latin typeface="나눔스퀘어OTF ExtraBold" panose="020B0600000101010101" pitchFamily="34" charset="-127"/>
-              <a:ea typeface="나눔스퀘어OTF ExtraBold" panose="020B0600000101010101" pitchFamily="34" charset="-127"/>
-            </a:endParaRPr>
-          </a:p>
-          <a:p>
-            <a:pPr marL="171450" indent="-171450">
-              <a:buFontTx/>
-              <a:buChar char="-"/>
-            </a:pPr>
-            <a:r>
-              <a:rPr lang="ko-KR" altLang="en-US" sz="1200" dirty="0">
-                <a:solidFill>
-                  <a:schemeClr val="tx1"/>
-                </a:solidFill>
-                <a:latin typeface="나눔스퀘어OTF ExtraBold" panose="020B0600000101010101" pitchFamily="34" charset="-127"/>
-                <a:ea typeface="나눔스퀘어OTF ExtraBold" panose="020B0600000101010101" pitchFamily="34" charset="-127"/>
-              </a:rPr>
-              <a:t>설정된 요소에 대한 분석 및 시각화</a:t>
-            </a:r>
-            <a:endParaRPr lang="en-US" altLang="ko-KR" sz="1200" dirty="0">
-              <a:solidFill>
-                <a:schemeClr val="tx1"/>
-              </a:solidFill>
-              <a:latin typeface="나눔스퀘어OTF ExtraBold" panose="020B0600000101010101" pitchFamily="34" charset="-127"/>
-              <a:ea typeface="나눔스퀘어OTF ExtraBold" panose="020B0600000101010101" pitchFamily="34" charset="-127"/>
-            </a:endParaRPr>
-          </a:p>
-        </p:txBody>
-      </p:sp>
-      <p:sp>
-        <p:nvSpPr>
-          <p:cNvPr id="33" name="사각형: 둥근 모서리 32">
-            <a:extLst>
-              <a:ext uri="{FF2B5EF4-FFF2-40B4-BE49-F238E27FC236}">
-                <a16:creationId xmlns:a16="http://schemas.microsoft.com/office/drawing/2014/main" id="{98839D77-8D08-23C7-E54A-6892ED8D150D}"/>
+            <a:pPr algn="ctr"/>
+            <a:endParaRPr lang="ko-KR" altLang="en-US" spc="-100" dirty="0"/>
+          </a:p>
+        </p:txBody>
+      </p:sp>
+      <p:sp>
+        <p:nvSpPr>
+          <p:cNvPr id="34" name="직사각형 33">
+            <a:extLst>
+              <a:ext uri="{FF2B5EF4-FFF2-40B4-BE49-F238E27FC236}">
+                <a16:creationId xmlns:a16="http://schemas.microsoft.com/office/drawing/2014/main" id="{0DD1DF8B-54AD-0328-5E11-25B9F236D2F1}"/>
               </a:ext>
             </a:extLst>
           </p:cNvPr>
@@ -4556,14 +4675,14 @@
         </p:nvSpPr>
         <p:spPr>
           <a:xfrm>
-            <a:off x="8122534" y="2266950"/>
-            <a:ext cx="3232212" cy="822960"/>
-          </a:xfrm>
-          <a:prstGeom prst="roundRect">
-            <a:avLst/>
-          </a:prstGeom>
-          <a:solidFill>
-            <a:srgbClr val="4AACC5"/>
+            <a:off x="8110890" y="2212404"/>
+            <a:ext cx="3472792" cy="1093064"/>
+          </a:xfrm>
+          <a:prstGeom prst="rect">
+            <a:avLst/>
+          </a:prstGeom>
+          <a:solidFill>
+            <a:srgbClr val="FFFEFE"/>
           </a:solidFill>
           <a:ln>
             <a:noFill/>
@@ -4589,139 +4708,81 @@
           <a:bodyPr rtlCol="0" anchor="ctr"/>
           <a:lstStyle/>
           <a:p>
-            <a:pPr algn="ctr"/>
-            <a:endParaRPr lang="ko-KR" altLang="en-US" dirty="0"/>
-          </a:p>
-        </p:txBody>
-      </p:sp>
-      <p:sp>
-        <p:nvSpPr>
-          <p:cNvPr id="34" name="직사각형 33">
-            <a:extLst>
-              <a:ext uri="{FF2B5EF4-FFF2-40B4-BE49-F238E27FC236}">
-                <a16:creationId xmlns:a16="http://schemas.microsoft.com/office/drawing/2014/main" id="{0DD1DF8B-54AD-0328-5E11-25B9F236D2F1}"/>
-              </a:ext>
-            </a:extLst>
-          </p:cNvPr>
-          <p:cNvSpPr/>
-          <p:nvPr/>
-        </p:nvSpPr>
-        <p:spPr>
-          <a:xfrm>
-            <a:off x="8122534" y="2760364"/>
-            <a:ext cx="3232212" cy="931526"/>
-          </a:xfrm>
-          <a:prstGeom prst="rect">
-            <a:avLst/>
-          </a:prstGeom>
-          <a:solidFill>
-            <a:srgbClr val="FFFEFE"/>
-          </a:solidFill>
-          <a:ln>
-            <a:noFill/>
-          </a:ln>
-        </p:spPr>
-        <p:style>
-          <a:lnRef idx="2">
-            <a:schemeClr val="accent1">
-              <a:shade val="50000"/>
-            </a:schemeClr>
-          </a:lnRef>
-          <a:fillRef idx="1">
-            <a:schemeClr val="accent1"/>
-          </a:fillRef>
-          <a:effectRef idx="0">
-            <a:schemeClr val="accent1"/>
-          </a:effectRef>
-          <a:fontRef idx="minor">
-            <a:schemeClr val="lt1"/>
-          </a:fontRef>
-        </p:style>
-        <p:txBody>
-          <a:bodyPr rtlCol="0" anchor="ctr"/>
-          <a:lstStyle/>
-          <a:p>
-            <a:r>
-              <a:rPr lang="en-US" altLang="ko-KR" sz="1200" b="1" dirty="0">
+            <a:pPr marL="285750" indent="-285750">
+              <a:buFontTx/>
+              <a:buChar char="-"/>
+            </a:pPr>
+            <a:r>
+              <a:rPr lang="ko-KR" altLang="en-US" sz="1600" b="1" spc="-100" dirty="0">
                 <a:solidFill>
                   <a:schemeClr val="tx1"/>
                 </a:solidFill>
                 <a:latin typeface="나눔스퀘어OTF ExtraBold" panose="020B0600000101010101" pitchFamily="34" charset="-127"/>
                 <a:ea typeface="나눔스퀘어OTF ExtraBold" panose="020B0600000101010101" pitchFamily="34" charset="-127"/>
               </a:rPr>
-              <a:t>- </a:t>
-            </a:r>
-            <a:r>
-              <a:rPr lang="ko-KR" altLang="en-US" sz="1200" b="1" dirty="0">
+              <a:t>환경적</a:t>
+            </a:r>
+            <a:r>
+              <a:rPr lang="en-US" altLang="ko-KR" sz="1600" b="1" spc="-100" dirty="0">
                 <a:solidFill>
                   <a:schemeClr val="tx1"/>
                 </a:solidFill>
                 <a:latin typeface="나눔스퀘어OTF ExtraBold" panose="020B0600000101010101" pitchFamily="34" charset="-127"/>
                 <a:ea typeface="나눔스퀘어OTF ExtraBold" panose="020B0600000101010101" pitchFamily="34" charset="-127"/>
               </a:rPr>
-              <a:t>환경적</a:t>
-            </a:r>
-            <a:r>
-              <a:rPr lang="en-US" altLang="ko-KR" sz="1200" b="1" dirty="0">
+              <a:t>, </a:t>
+            </a:r>
+            <a:r>
+              <a:rPr lang="ko-KR" altLang="en-US" sz="1600" b="1" spc="-100" dirty="0">
                 <a:solidFill>
                   <a:schemeClr val="tx1"/>
                 </a:solidFill>
                 <a:latin typeface="나눔스퀘어OTF ExtraBold" panose="020B0600000101010101" pitchFamily="34" charset="-127"/>
                 <a:ea typeface="나눔스퀘어OTF ExtraBold" panose="020B0600000101010101" pitchFamily="34" charset="-127"/>
               </a:rPr>
-              <a:t>, </a:t>
-            </a:r>
-            <a:r>
-              <a:rPr lang="ko-KR" altLang="en-US" sz="1200" b="1" dirty="0">
+              <a:t>경제적</a:t>
+            </a:r>
+            <a:r>
+              <a:rPr lang="en-US" altLang="ko-KR" sz="1600" b="1" spc="-100" dirty="0">
                 <a:solidFill>
                   <a:schemeClr val="tx1"/>
                 </a:solidFill>
                 <a:latin typeface="나눔스퀘어OTF ExtraBold" panose="020B0600000101010101" pitchFamily="34" charset="-127"/>
                 <a:ea typeface="나눔스퀘어OTF ExtraBold" panose="020B0600000101010101" pitchFamily="34" charset="-127"/>
               </a:rPr>
-              <a:t>경제적</a:t>
-            </a:r>
-            <a:r>
-              <a:rPr lang="en-US" altLang="ko-KR" sz="1200" b="1" dirty="0">
+              <a:t>, </a:t>
+            </a:r>
+            <a:r>
+              <a:rPr lang="ko-KR" altLang="en-US" sz="1600" b="1" spc="-100" dirty="0">
                 <a:solidFill>
                   <a:schemeClr val="tx1"/>
                 </a:solidFill>
                 <a:latin typeface="나눔스퀘어OTF ExtraBold" panose="020B0600000101010101" pitchFamily="34" charset="-127"/>
                 <a:ea typeface="나눔스퀘어OTF ExtraBold" panose="020B0600000101010101" pitchFamily="34" charset="-127"/>
               </a:rPr>
-              <a:t>, </a:t>
-            </a:r>
-            <a:r>
-              <a:rPr lang="ko-KR" altLang="en-US" sz="1200" b="1" dirty="0">
+              <a:t>기술적</a:t>
+            </a:r>
+            <a:r>
+              <a:rPr lang="en-US" altLang="ko-KR" sz="1600" b="1" spc="-100" dirty="0">
                 <a:solidFill>
                   <a:schemeClr val="tx1"/>
                 </a:solidFill>
                 <a:latin typeface="나눔스퀘어OTF ExtraBold" panose="020B0600000101010101" pitchFamily="34" charset="-127"/>
                 <a:ea typeface="나눔스퀘어OTF ExtraBold" panose="020B0600000101010101" pitchFamily="34" charset="-127"/>
               </a:rPr>
-              <a:t>기술적</a:t>
-            </a:r>
-            <a:r>
-              <a:rPr lang="en-US" altLang="ko-KR" sz="1200" b="1" dirty="0">
+              <a:t>, </a:t>
+            </a:r>
+            <a:r>
+              <a:rPr lang="ko-KR" altLang="en-US" sz="1600" b="1" spc="-100" dirty="0">
                 <a:solidFill>
                   <a:schemeClr val="tx1"/>
                 </a:solidFill>
                 <a:latin typeface="나눔스퀘어OTF ExtraBold" panose="020B0600000101010101" pitchFamily="34" charset="-127"/>
                 <a:ea typeface="나눔스퀘어OTF ExtraBold" panose="020B0600000101010101" pitchFamily="34" charset="-127"/>
               </a:rPr>
-              <a:t>, </a:t>
-            </a:r>
-            <a:r>
-              <a:rPr lang="ko-KR" altLang="en-US" sz="1200" b="1" dirty="0">
-                <a:solidFill>
-                  <a:schemeClr val="tx1"/>
-                </a:solidFill>
-                <a:latin typeface="나눔스퀘어OTF ExtraBold" panose="020B0600000101010101" pitchFamily="34" charset="-127"/>
-                <a:ea typeface="나눔스퀘어OTF ExtraBold" panose="020B0600000101010101" pitchFamily="34" charset="-127"/>
-              </a:rPr>
-              <a:t>사회적 영향력 시각화</a:t>
-            </a:r>
-            <a:endParaRPr lang="en-US" altLang="ko-KR" sz="1200" b="1" dirty="0">
+              <a:t>사회적 영향력  표현</a:t>
+            </a:r>
+            <a:endParaRPr lang="en-US" altLang="ko-KR" sz="1600" b="1" spc="-100" dirty="0">
               <a:solidFill>
                 <a:schemeClr val="tx1"/>
               </a:solidFill>
@@ -4730,37 +4791,21 @@
             </a:endParaRPr>
           </a:p>
           <a:p>
-            <a:r>
-              <a:rPr lang="en-US" altLang="ko-KR" sz="1200" b="1" dirty="0">
+            <a:pPr marL="285750" indent="-285750">
+              <a:buFontTx/>
+              <a:buChar char="-"/>
+            </a:pPr>
+            <a:r>
+              <a:rPr lang="ko-KR" altLang="en-US" sz="1600" b="1" spc="-100" dirty="0">
                 <a:solidFill>
                   <a:schemeClr val="tx1"/>
                 </a:solidFill>
                 <a:latin typeface="나눔스퀘어OTF ExtraBold" panose="020B0600000101010101" pitchFamily="34" charset="-127"/>
                 <a:ea typeface="나눔스퀘어OTF ExtraBold" panose="020B0600000101010101" pitchFamily="34" charset="-127"/>
               </a:rPr>
-              <a:t>- </a:t>
-            </a:r>
-            <a:r>
-              <a:rPr lang="ko-KR" altLang="en-US" sz="1200" b="1" dirty="0">
-                <a:solidFill>
-                  <a:schemeClr val="tx1"/>
-                </a:solidFill>
-                <a:latin typeface="나눔스퀘어OTF ExtraBold" panose="020B0600000101010101" pitchFamily="34" charset="-127"/>
-                <a:ea typeface="나눔스퀘어OTF ExtraBold" panose="020B0600000101010101" pitchFamily="34" charset="-127"/>
-              </a:rPr>
               <a:t>각 요인간 의존관계 표현 및 세부 요인간 계층화</a:t>
             </a:r>
-            <a:r>
-              <a:rPr lang="en-US" altLang="ko-KR" sz="1200" b="1" dirty="0">
-                <a:solidFill>
-                  <a:schemeClr val="tx1"/>
-                </a:solidFill>
-                <a:latin typeface="나눔스퀘어OTF ExtraBold" panose="020B0600000101010101" pitchFamily="34" charset="-127"/>
-                <a:ea typeface="나눔스퀘어OTF ExtraBold" panose="020B0600000101010101" pitchFamily="34" charset="-127"/>
-              </a:rPr>
-              <a:t> </a:t>
-            </a:r>
-            <a:endParaRPr lang="ko-KR" altLang="en-US" sz="1200" b="1" dirty="0">
+            <a:endParaRPr lang="en-US" altLang="ko-KR" sz="1600" b="1" spc="-100" dirty="0">
               <a:solidFill>
                 <a:schemeClr val="tx1"/>
               </a:solidFill>
@@ -4800,7 +4845,7 @@
         </p:blipFill>
         <p:spPr>
           <a:xfrm>
-            <a:off x="4270788" y="2695246"/>
+            <a:off x="4180848" y="1620288"/>
             <a:ext cx="1040078" cy="1037321"/>
           </a:xfrm>
         </p:spPr>
@@ -4833,7 +4878,7 @@
         </p:blipFill>
         <p:spPr>
           <a:xfrm>
-            <a:off x="6893056" y="2709776"/>
+            <a:off x="6803116" y="1634818"/>
             <a:ext cx="1002962" cy="1005623"/>
           </a:xfrm>
           <a:prstGeom prst="rect">
@@ -4869,7 +4914,7 @@
         </p:blipFill>
         <p:spPr>
           <a:xfrm>
-            <a:off x="6891083" y="4935902"/>
+            <a:off x="6801143" y="3860944"/>
             <a:ext cx="1008638" cy="1014014"/>
           </a:xfrm>
           <a:prstGeom prst="rect">
@@ -4905,7 +4950,7 @@
         </p:blipFill>
         <p:spPr>
           <a:xfrm>
-            <a:off x="4213380" y="4900889"/>
+            <a:off x="4123440" y="3825931"/>
             <a:ext cx="1039557" cy="1036800"/>
           </a:xfrm>
           <a:prstGeom prst="rect">
@@ -4927,8 +4972,8 @@
         </p:nvSpPr>
         <p:spPr>
           <a:xfrm>
-            <a:off x="1063950" y="2318993"/>
-            <a:ext cx="2934295" cy="369332"/>
+            <a:off x="1109891" y="1786995"/>
+            <a:ext cx="2394194" cy="400110"/>
           </a:xfrm>
           <a:prstGeom prst="rect">
             <a:avLst/>
@@ -4943,7 +4988,7 @@
           <a:p>
             <a:pPr algn="ctr"/>
             <a:r>
-              <a:rPr lang="ko-KR" altLang="en-US" dirty="0">
+              <a:rPr lang="ko-KR" altLang="en-US" sz="2000" spc="-100" dirty="0">
                 <a:solidFill>
                   <a:srgbClr val="FFFEFE"/>
                 </a:solidFill>
@@ -4969,8 +5014,8 @@
         </p:nvSpPr>
         <p:spPr>
           <a:xfrm>
-            <a:off x="8200173" y="2340444"/>
-            <a:ext cx="3053439" cy="369332"/>
+            <a:off x="8031168" y="1612249"/>
+            <a:ext cx="3603566" cy="646331"/>
           </a:xfrm>
           <a:prstGeom prst="rect">
             <a:avLst/>
@@ -4985,14 +5030,54 @@
           <a:p>
             <a:pPr algn="ctr"/>
             <a:r>
-              <a:rPr lang="ko-KR" altLang="en-US" dirty="0">
+              <a:rPr lang="ko-KR" altLang="en-US" spc="-100" dirty="0">
                 <a:solidFill>
                   <a:srgbClr val="FFFEFE"/>
                 </a:solidFill>
                 <a:latin typeface="나눔스퀘어OTF ExtraBold" panose="020B0600000101010101" pitchFamily="34" charset="-127"/>
                 <a:ea typeface="나눔스퀘어OTF ExtraBold" panose="020B0600000101010101" pitchFamily="34" charset="-127"/>
               </a:rPr>
-              <a:t>선정부지 적합성 판단</a:t>
+              <a:t>선정부지에 대한 요인 간 </a:t>
+            </a:r>
+            <a:endParaRPr lang="en-US" altLang="ko-KR" spc="-100" dirty="0">
+              <a:solidFill>
+                <a:srgbClr val="FFFEFE"/>
+              </a:solidFill>
+              <a:latin typeface="나눔스퀘어OTF ExtraBold" panose="020B0600000101010101" pitchFamily="34" charset="-127"/>
+              <a:ea typeface="나눔스퀘어OTF ExtraBold" panose="020B0600000101010101" pitchFamily="34" charset="-127"/>
+            </a:endParaRPr>
+          </a:p>
+          <a:p>
+            <a:pPr algn="ctr"/>
+            <a:r>
+              <a:rPr lang="ko-KR" altLang="en-US" spc="-100" dirty="0">
+                <a:solidFill>
+                  <a:srgbClr val="FFFEFE"/>
+                </a:solidFill>
+                <a:latin typeface="나눔스퀘어OTF ExtraBold" panose="020B0600000101010101" pitchFamily="34" charset="-127"/>
+                <a:ea typeface="나눔스퀘어OTF ExtraBold" panose="020B0600000101010101" pitchFamily="34" charset="-127"/>
+              </a:rPr>
+              <a:t>영향</a:t>
+            </a:r>
+            <a:r>
+              <a:rPr lang="en-US" altLang="ko-KR" spc="-100" dirty="0">
+                <a:solidFill>
+                  <a:srgbClr val="FFFEFE"/>
+                </a:solidFill>
+                <a:latin typeface="나눔스퀘어OTF ExtraBold" panose="020B0600000101010101" pitchFamily="34" charset="-127"/>
+                <a:ea typeface="나눔스퀘어OTF ExtraBold" panose="020B0600000101010101" pitchFamily="34" charset="-127"/>
+              </a:rPr>
+              <a:t> </a:t>
+            </a:r>
+            <a:r>
+              <a:rPr lang="ko-KR" altLang="en-US" spc="-100" dirty="0">
+                <a:solidFill>
+                  <a:srgbClr val="FFFEFE"/>
+                </a:solidFill>
+                <a:latin typeface="나눔스퀘어OTF ExtraBold" panose="020B0600000101010101" pitchFamily="34" charset="-127"/>
+                <a:ea typeface="나눔스퀘어OTF ExtraBold" panose="020B0600000101010101" pitchFamily="34" charset="-127"/>
+              </a:rPr>
+              <a:t>및 의존 관계 표현</a:t>
             </a:r>
           </a:p>
         </p:txBody>
@@ -5011,8 +5096,8 @@
         </p:nvSpPr>
         <p:spPr>
           <a:xfrm>
-            <a:off x="1005816" y="5010110"/>
-            <a:ext cx="2934295" cy="338554"/>
+            <a:off x="672986" y="3934312"/>
+            <a:ext cx="3165623" cy="369332"/>
           </a:xfrm>
           <a:prstGeom prst="rect">
             <a:avLst/>
@@ -5027,34 +5112,169 @@
           <a:p>
             <a:pPr algn="ctr"/>
             <a:r>
-              <a:rPr lang="ko-KR" altLang="en-US" sz="1600">
+              <a:rPr lang="ko-KR" altLang="en-US" spc="-100" dirty="0">
                 <a:solidFill>
                   <a:srgbClr val="FFFEFE"/>
                 </a:solidFill>
                 <a:latin typeface="나눔스퀘어OTF ExtraBold" panose="020B0600000101010101" pitchFamily="34" charset="-127"/>
                 <a:ea typeface="나눔스퀘어OTF ExtraBold" panose="020B0600000101010101" pitchFamily="34" charset="-127"/>
               </a:rPr>
-              <a:t>적절성을 </a:t>
-            </a:r>
-            <a:r>
-              <a:rPr lang="ko-KR" altLang="en-US" sz="1600" dirty="0">
+              <a:t>적절성을 표현하여 의사결정 지원</a:t>
+            </a:r>
+          </a:p>
+        </p:txBody>
+      </p:sp>
+      <p:sp>
+        <p:nvSpPr>
+          <p:cNvPr id="66" name="TextBox 65">
+            <a:extLst>
+              <a:ext uri="{FF2B5EF4-FFF2-40B4-BE49-F238E27FC236}">
+                <a16:creationId xmlns:a16="http://schemas.microsoft.com/office/drawing/2014/main" id="{A0E2D2A8-328D-D914-943C-F50D54817917}"/>
+              </a:ext>
+            </a:extLst>
+          </p:cNvPr>
+          <p:cNvSpPr txBox="1"/>
+          <p:nvPr/>
+        </p:nvSpPr>
+        <p:spPr>
+          <a:xfrm>
+            <a:off x="8128869" y="3903534"/>
+            <a:ext cx="3363348" cy="400110"/>
+          </a:xfrm>
+          <a:prstGeom prst="rect">
+            <a:avLst/>
+          </a:prstGeom>
+          <a:noFill/>
+        </p:spPr>
+        <p:txBody>
+          <a:bodyPr wrap="square" rtlCol="0">
+            <a:spAutoFit/>
+          </a:bodyPr>
+          <a:lstStyle/>
+          <a:p>
+            <a:pPr algn="ctr"/>
+            <a:r>
+              <a:rPr lang="ko-KR" altLang="en-US" sz="2000" spc="-100" dirty="0">
                 <a:solidFill>
                   <a:srgbClr val="FFFEFE"/>
                 </a:solidFill>
                 <a:latin typeface="나눔스퀘어OTF ExtraBold" panose="020B0600000101010101" pitchFamily="34" charset="-127"/>
                 <a:ea typeface="나눔스퀘어OTF ExtraBold" panose="020B0600000101010101" pitchFamily="34" charset="-127"/>
               </a:rPr>
-              <a:t>표현하여 의사결정 지원</a:t>
-            </a:r>
-          </a:p>
-        </p:txBody>
-      </p:sp>
-      <p:sp>
-        <p:nvSpPr>
-          <p:cNvPr id="66" name="TextBox 65">
-            <a:extLst>
-              <a:ext uri="{FF2B5EF4-FFF2-40B4-BE49-F238E27FC236}">
-                <a16:creationId xmlns:a16="http://schemas.microsoft.com/office/drawing/2014/main" id="{A0E2D2A8-328D-D914-943C-F50D54817917}"/>
+              <a:t>부지 선정에 관련된 요인 시각화</a:t>
+            </a:r>
+          </a:p>
+        </p:txBody>
+      </p:sp>
+      <p:sp>
+        <p:nvSpPr>
+          <p:cNvPr id="2" name="사각형: 둥근 모서리 1">
+            <a:extLst>
+              <a:ext uri="{FF2B5EF4-FFF2-40B4-BE49-F238E27FC236}">
+                <a16:creationId xmlns:a16="http://schemas.microsoft.com/office/drawing/2014/main" id="{BFDEA751-347F-2541-DC1E-6E4ED2E3F2A3}"/>
+              </a:ext>
+            </a:extLst>
+          </p:cNvPr>
+          <p:cNvSpPr/>
+          <p:nvPr/>
+        </p:nvSpPr>
+        <p:spPr>
+          <a:xfrm>
+            <a:off x="854439" y="134911"/>
+            <a:ext cx="10500307" cy="1166454"/>
+          </a:xfrm>
+          <a:prstGeom prst="roundRect">
+            <a:avLst/>
+          </a:prstGeom>
+          <a:solidFill>
+            <a:schemeClr val="bg1"/>
+          </a:solidFill>
+          <a:ln w="38100">
+            <a:solidFill>
+              <a:schemeClr val="tx1"/>
+            </a:solidFill>
+          </a:ln>
+        </p:spPr>
+        <p:style>
+          <a:lnRef idx="2">
+            <a:schemeClr val="accent1">
+              <a:shade val="50000"/>
+            </a:schemeClr>
+          </a:lnRef>
+          <a:fillRef idx="1">
+            <a:schemeClr val="accent1"/>
+          </a:fillRef>
+          <a:effectRef idx="0">
+            <a:schemeClr val="accent1"/>
+          </a:effectRef>
+          <a:fontRef idx="minor">
+            <a:schemeClr val="lt1"/>
+          </a:fontRef>
+        </p:style>
+        <p:txBody>
+          <a:bodyPr rtlCol="0" anchor="ctr"/>
+          <a:lstStyle/>
+          <a:p>
+            <a:pPr algn="ctr"/>
+            <a:r>
+              <a:rPr lang="ko-KR" altLang="en-US" sz="3200" spc="-100" dirty="0">
+                <a:solidFill>
+                  <a:sysClr val="windowText" lastClr="000000"/>
+                </a:solidFill>
+                <a:latin typeface="나눔스퀘어OTF ExtraBold" panose="020B0600000101010101" pitchFamily="34" charset="-127"/>
+                <a:ea typeface="나눔스퀘어OTF ExtraBold" panose="020B0600000101010101" pitchFamily="34" charset="-127"/>
+              </a:rPr>
+              <a:t>친환경</a:t>
+            </a:r>
+            <a:r>
+              <a:rPr lang="en-US" altLang="ko-KR" sz="3200" spc="-100" dirty="0">
+                <a:solidFill>
+                  <a:sysClr val="windowText" lastClr="000000"/>
+                </a:solidFill>
+                <a:latin typeface="나눔스퀘어OTF ExtraBold" panose="020B0600000101010101" pitchFamily="34" charset="-127"/>
+                <a:ea typeface="나눔스퀘어OTF ExtraBold" panose="020B0600000101010101" pitchFamily="34" charset="-127"/>
+              </a:rPr>
+              <a:t> </a:t>
+            </a:r>
+            <a:r>
+              <a:rPr lang="ko-KR" altLang="en-US" sz="3200" spc="-100" dirty="0">
+                <a:solidFill>
+                  <a:sysClr val="windowText" lastClr="000000"/>
+                </a:solidFill>
+                <a:latin typeface="나눔스퀘어OTF ExtraBold" panose="020B0600000101010101" pitchFamily="34" charset="-127"/>
+                <a:ea typeface="나눔스퀘어OTF ExtraBold" panose="020B0600000101010101" pitchFamily="34" charset="-127"/>
+              </a:rPr>
+              <a:t>자동차 충전소의 이용률 극대화를 위한 </a:t>
+            </a:r>
+            <a:endParaRPr lang="en-US" altLang="ko-KR" sz="3200" spc="-100" dirty="0">
+              <a:solidFill>
+                <a:sysClr val="windowText" lastClr="000000"/>
+              </a:solidFill>
+              <a:latin typeface="나눔스퀘어OTF ExtraBold" panose="020B0600000101010101" pitchFamily="34" charset="-127"/>
+              <a:ea typeface="나눔스퀘어OTF ExtraBold" panose="020B0600000101010101" pitchFamily="34" charset="-127"/>
+            </a:endParaRPr>
+          </a:p>
+          <a:p>
+            <a:pPr algn="ctr"/>
+            <a:r>
+              <a:rPr lang="ko-KR" altLang="en-US" sz="3200" spc="-100" dirty="0">
+                <a:solidFill>
+                  <a:sysClr val="windowText" lastClr="000000"/>
+                </a:solidFill>
+                <a:latin typeface="나눔스퀘어OTF ExtraBold" panose="020B0600000101010101" pitchFamily="34" charset="-127"/>
+                <a:ea typeface="나눔스퀘어OTF ExtraBold" panose="020B0600000101010101" pitchFamily="34" charset="-127"/>
+              </a:rPr>
+              <a:t>데이터 기반 전략적 위치 선정</a:t>
+            </a:r>
+          </a:p>
+        </p:txBody>
+      </p:sp>
+      <p:sp>
+        <p:nvSpPr>
+          <p:cNvPr id="3" name="TextBox 2">
+            <a:extLst>
+              <a:ext uri="{FF2B5EF4-FFF2-40B4-BE49-F238E27FC236}">
+                <a16:creationId xmlns:a16="http://schemas.microsoft.com/office/drawing/2014/main" id="{26CD4E20-EF63-27C5-D0C1-2E542F7E4DAC}"/>
               </a:ext>
             </a:extLst>
           </p:cNvPr>
@@ -5063,8 +5283,8 @@
         </p:nvSpPr>
         <p:spPr>
           <a:xfrm>
-            <a:off x="8244848" y="4962512"/>
-            <a:ext cx="2934295" cy="338554"/>
+            <a:off x="1204097" y="5793082"/>
+            <a:ext cx="10054400" cy="565348"/>
           </a:xfrm>
           <a:prstGeom prst="rect">
             <a:avLst/>
@@ -5077,17 +5297,101 @@
           </a:bodyPr>
           <a:lstStyle/>
           <a:p>
+            <a:pPr marL="0" marR="0" indent="0" algn="ctr" fontAlgn="base" latinLnBrk="0">
+              <a:lnSpc>
+                <a:spcPct val="140000"/>
+              </a:lnSpc>
+              <a:spcBef>
+                <a:spcPts val="0"/>
+              </a:spcBef>
+              <a:spcAft>
+                <a:spcPts val="0"/>
+              </a:spcAft>
+            </a:pPr>
+            <a:r>
+              <a:rPr lang="ko-KR" altLang="en-US" sz="2400" kern="0" spc="-100" dirty="0">
+                <a:effectLst/>
+                <a:latin typeface="나눔스퀘어OTF ExtraBold" panose="020B0600000101010101" pitchFamily="34" charset="-127"/>
+                <a:ea typeface="나눔스퀘어OTF ExtraBold" panose="020B0600000101010101" pitchFamily="34" charset="-127"/>
+              </a:rPr>
+              <a:t>베이지안 네트워크 기반 로케이션 </a:t>
+            </a:r>
+            <a:r>
+              <a:rPr lang="ko-KR" altLang="en-US" sz="2400" kern="0" spc="-100" dirty="0" err="1">
+                <a:effectLst/>
+                <a:latin typeface="나눔스퀘어OTF ExtraBold" panose="020B0600000101010101" pitchFamily="34" charset="-127"/>
+                <a:ea typeface="나눔스퀘어OTF ExtraBold" panose="020B0600000101010101" pitchFamily="34" charset="-127"/>
+              </a:rPr>
+              <a:t>인텔리전스</a:t>
+            </a:r>
+            <a:r>
+              <a:rPr lang="en-US" altLang="ko-KR" sz="2400" kern="0" spc="-100" dirty="0">
+                <a:effectLst/>
+                <a:latin typeface="나눔스퀘어OTF ExtraBold" panose="020B0600000101010101" pitchFamily="34" charset="-127"/>
+                <a:ea typeface="나눔스퀘어OTF ExtraBold" panose="020B0600000101010101" pitchFamily="34" charset="-127"/>
+              </a:rPr>
+              <a:t>(Location Intelligence) </a:t>
+            </a:r>
+            <a:r>
+              <a:rPr lang="ko-KR" altLang="en-US" sz="2400" kern="0" spc="-100" dirty="0">
+                <a:effectLst/>
+                <a:latin typeface="나눔스퀘어OTF ExtraBold" panose="020B0600000101010101" pitchFamily="34" charset="-127"/>
+                <a:ea typeface="나눔스퀘어OTF ExtraBold" panose="020B0600000101010101" pitchFamily="34" charset="-127"/>
+              </a:rPr>
+              <a:t>소프트웨어</a:t>
+            </a:r>
+          </a:p>
+        </p:txBody>
+      </p:sp>
+      <p:sp>
+        <p:nvSpPr>
+          <p:cNvPr id="4" name="직사각형 3">
+            <a:extLst>
+              <a:ext uri="{FF2B5EF4-FFF2-40B4-BE49-F238E27FC236}">
+                <a16:creationId xmlns:a16="http://schemas.microsoft.com/office/drawing/2014/main" id="{52C83D10-7B98-1BFB-25A6-B006E1BB6063}"/>
+              </a:ext>
+            </a:extLst>
+          </p:cNvPr>
+          <p:cNvSpPr/>
+          <p:nvPr/>
+        </p:nvSpPr>
+        <p:spPr>
+          <a:xfrm>
+            <a:off x="113122" y="1512105"/>
+            <a:ext cx="11943760" cy="4280977"/>
+          </a:xfrm>
+          <a:prstGeom prst="rect">
+            <a:avLst/>
+          </a:prstGeom>
+          <a:noFill/>
+          <a:ln w="28575">
+            <a:solidFill>
+              <a:schemeClr val="tx1"/>
+            </a:solidFill>
+          </a:ln>
+        </p:spPr>
+        <p:style>
+          <a:lnRef idx="2">
+            <a:schemeClr val="accent1">
+              <a:shade val="50000"/>
+            </a:schemeClr>
+          </a:lnRef>
+          <a:fillRef idx="1">
+            <a:schemeClr val="accent1"/>
+          </a:fillRef>
+          <a:effectRef idx="0">
+            <a:schemeClr val="accent1"/>
+          </a:effectRef>
+          <a:fontRef idx="minor">
+            <a:schemeClr val="lt1"/>
+          </a:fontRef>
+        </p:style>
+        <p:txBody>
+          <a:bodyPr rtlCol="0" anchor="ctr"/>
+          <a:lstStyle/>
+          <a:p>
             <a:pPr algn="ctr"/>
-            <a:r>
-              <a:rPr lang="ko-KR" altLang="en-US" sz="1600" dirty="0">
-                <a:solidFill>
-                  <a:srgbClr val="FFFEFE"/>
-                </a:solidFill>
-                <a:latin typeface="나눔스퀘어OTF ExtraBold" panose="020B0600000101010101" pitchFamily="34" charset="-127"/>
-                <a:ea typeface="나눔스퀘어OTF ExtraBold" panose="020B0600000101010101" pitchFamily="34" charset="-127"/>
-              </a:rPr>
-              <a:t>부지 선정에 관련된 요인 시각화</a:t>
-            </a:r>
+            <a:endParaRPr lang="ko-KR" altLang="en-US"/>
           </a:p>
         </p:txBody>
       </p:sp>
@@ -5095,6 +5399,2900 @@
     <p:extLst>
       <p:ext uri="{BB962C8B-B14F-4D97-AF65-F5344CB8AC3E}">
         <p14:creationId xmlns:p14="http://schemas.microsoft.com/office/powerpoint/2010/main" val="2607286278"/>
+      </p:ext>
+    </p:extLst>
+  </p:cSld>
+  <p:clrMapOvr>
+    <a:masterClrMapping/>
+  </p:clrMapOvr>
+</p:sld>
+</file>
+
+<file path=ppt/slides/slide2.xml><?xml version="1.0" encoding="utf-8"?>
+<p:sld xmlns:a="http://schemas.openxmlformats.org/drawingml/2006/main" xmlns:r="http://schemas.openxmlformats.org/officeDocument/2006/relationships" xmlns:p="http://schemas.openxmlformats.org/presentationml/2006/main">
+  <p:cSld>
+    <p:spTree>
+      <p:nvGrpSpPr>
+        <p:cNvPr id="1" name=""/>
+        <p:cNvGrpSpPr/>
+        <p:nvPr/>
+      </p:nvGrpSpPr>
+      <p:grpSpPr>
+        <a:xfrm>
+          <a:off x="0" y="0"/>
+          <a:ext cx="0" cy="0"/>
+          <a:chOff x="0" y="0"/>
+          <a:chExt cx="0" cy="0"/>
+        </a:xfrm>
+      </p:grpSpPr>
+      <p:pic>
+        <p:nvPicPr>
+          <p:cNvPr id="5" name="그림 4">
+            <a:extLst>
+              <a:ext uri="{FF2B5EF4-FFF2-40B4-BE49-F238E27FC236}">
+                <a16:creationId xmlns:a16="http://schemas.microsoft.com/office/drawing/2014/main" id="{71ED5EF2-ECF0-D714-A5AC-3512843154C9}"/>
+              </a:ext>
+            </a:extLst>
+          </p:cNvPr>
+          <p:cNvPicPr>
+            <a:picLocks noChangeAspect="1"/>
+          </p:cNvPicPr>
+          <p:nvPr/>
+        </p:nvPicPr>
+        <p:blipFill>
+          <a:blip r:embed="rId2">
+            <a:extLst>
+              <a:ext uri="{28A0092B-C50C-407E-A947-70E740481C1C}">
+                <a14:useLocalDpi xmlns:a14="http://schemas.microsoft.com/office/drawing/2010/main" val="0"/>
+              </a:ext>
+            </a:extLst>
+          </a:blip>
+          <a:stretch>
+            <a:fillRect/>
+          </a:stretch>
+        </p:blipFill>
+        <p:spPr>
+          <a:xfrm>
+            <a:off x="2732423" y="1150029"/>
+            <a:ext cx="6727153" cy="3970591"/>
+          </a:xfrm>
+          <a:prstGeom prst="rect">
+            <a:avLst/>
+          </a:prstGeom>
+        </p:spPr>
+      </p:pic>
+      <p:sp>
+        <p:nvSpPr>
+          <p:cNvPr id="6" name="직사각형 5">
+            <a:extLst>
+              <a:ext uri="{FF2B5EF4-FFF2-40B4-BE49-F238E27FC236}">
+                <a16:creationId xmlns:a16="http://schemas.microsoft.com/office/drawing/2014/main" id="{0B95E07F-F016-91B2-37D6-0E9C25606593}"/>
+              </a:ext>
+            </a:extLst>
+          </p:cNvPr>
+          <p:cNvSpPr/>
+          <p:nvPr/>
+        </p:nvSpPr>
+        <p:spPr>
+          <a:xfrm>
+            <a:off x="2885934" y="1370129"/>
+            <a:ext cx="3497344" cy="377072"/>
+          </a:xfrm>
+          <a:prstGeom prst="rect">
+            <a:avLst/>
+          </a:prstGeom>
+          <a:solidFill>
+            <a:schemeClr val="bg1"/>
+          </a:solidFill>
+          <a:ln>
+            <a:noFill/>
+          </a:ln>
+        </p:spPr>
+        <p:style>
+          <a:lnRef idx="2">
+            <a:schemeClr val="accent1">
+              <a:shade val="50000"/>
+            </a:schemeClr>
+          </a:lnRef>
+          <a:fillRef idx="1">
+            <a:schemeClr val="accent1"/>
+          </a:fillRef>
+          <a:effectRef idx="0">
+            <a:schemeClr val="accent1"/>
+          </a:effectRef>
+          <a:fontRef idx="minor">
+            <a:schemeClr val="lt1"/>
+          </a:fontRef>
+        </p:style>
+        <p:txBody>
+          <a:bodyPr rtlCol="0" anchor="ctr"/>
+          <a:lstStyle/>
+          <a:p>
+            <a:pPr algn="ctr"/>
+            <a:endParaRPr lang="ko-KR" altLang="en-US"/>
+          </a:p>
+        </p:txBody>
+      </p:sp>
+      <p:sp>
+        <p:nvSpPr>
+          <p:cNvPr id="7" name="직사각형 6">
+            <a:extLst>
+              <a:ext uri="{FF2B5EF4-FFF2-40B4-BE49-F238E27FC236}">
+                <a16:creationId xmlns:a16="http://schemas.microsoft.com/office/drawing/2014/main" id="{CBC8C0DB-4865-D3DF-6A2B-D2BB4F4EA626}"/>
+              </a:ext>
+            </a:extLst>
+          </p:cNvPr>
+          <p:cNvSpPr/>
+          <p:nvPr/>
+        </p:nvSpPr>
+        <p:spPr>
+          <a:xfrm>
+            <a:off x="2732505" y="2055044"/>
+            <a:ext cx="4272879" cy="377072"/>
+          </a:xfrm>
+          <a:prstGeom prst="rect">
+            <a:avLst/>
+          </a:prstGeom>
+          <a:solidFill>
+            <a:schemeClr val="bg1"/>
+          </a:solidFill>
+          <a:ln>
+            <a:noFill/>
+          </a:ln>
+        </p:spPr>
+        <p:style>
+          <a:lnRef idx="2">
+            <a:schemeClr val="accent1">
+              <a:shade val="50000"/>
+            </a:schemeClr>
+          </a:lnRef>
+          <a:fillRef idx="1">
+            <a:schemeClr val="accent1"/>
+          </a:fillRef>
+          <a:effectRef idx="0">
+            <a:schemeClr val="accent1"/>
+          </a:effectRef>
+          <a:fontRef idx="minor">
+            <a:schemeClr val="lt1"/>
+          </a:fontRef>
+        </p:style>
+        <p:txBody>
+          <a:bodyPr rtlCol="0" anchor="ctr"/>
+          <a:lstStyle/>
+          <a:p>
+            <a:pPr algn="ctr"/>
+            <a:r>
+              <a:rPr lang="ko-KR" altLang="en-US" dirty="0">
+                <a:solidFill>
+                  <a:sysClr val="windowText" lastClr="000000"/>
+                </a:solidFill>
+                <a:latin typeface="나눔스퀘어OTF ExtraBold" panose="020B0600000101010101" pitchFamily="34" charset="-127"/>
+                <a:ea typeface="나눔스퀘어OTF ExtraBold" panose="020B0600000101010101" pitchFamily="34" charset="-127"/>
+              </a:rPr>
+              <a:t>지역별 전기차 판매량 추이</a:t>
+            </a:r>
+            <a:r>
+              <a:rPr lang="en-US" altLang="ko-KR" dirty="0">
+                <a:solidFill>
+                  <a:sysClr val="windowText" lastClr="000000"/>
+                </a:solidFill>
+                <a:latin typeface="나눔스퀘어OTF ExtraBold" panose="020B0600000101010101" pitchFamily="34" charset="-127"/>
+                <a:ea typeface="나눔스퀘어OTF ExtraBold" panose="020B0600000101010101" pitchFamily="34" charset="-127"/>
+              </a:rPr>
+              <a:t>(</a:t>
+            </a:r>
+            <a:r>
+              <a:rPr lang="ko-KR" altLang="en-US" dirty="0">
+                <a:solidFill>
+                  <a:sysClr val="windowText" lastClr="000000"/>
+                </a:solidFill>
+                <a:latin typeface="나눔스퀘어OTF ExtraBold" panose="020B0600000101010101" pitchFamily="34" charset="-127"/>
+                <a:ea typeface="나눔스퀘어OTF ExtraBold" panose="020B0600000101010101" pitchFamily="34" charset="-127"/>
+              </a:rPr>
+              <a:t>단위</a:t>
+            </a:r>
+            <a:r>
+              <a:rPr lang="en-US" altLang="ko-KR" dirty="0">
+                <a:solidFill>
+                  <a:sysClr val="windowText" lastClr="000000"/>
+                </a:solidFill>
+                <a:latin typeface="나눔스퀘어OTF ExtraBold" panose="020B0600000101010101" pitchFamily="34" charset="-127"/>
+                <a:ea typeface="나눔스퀘어OTF ExtraBold" panose="020B0600000101010101" pitchFamily="34" charset="-127"/>
+              </a:rPr>
+              <a:t>:</a:t>
+            </a:r>
+            <a:r>
+              <a:rPr lang="ko-KR" altLang="en-US" dirty="0" err="1">
+                <a:solidFill>
+                  <a:sysClr val="windowText" lastClr="000000"/>
+                </a:solidFill>
+                <a:latin typeface="나눔스퀘어OTF ExtraBold" panose="020B0600000101010101" pitchFamily="34" charset="-127"/>
+                <a:ea typeface="나눔스퀘어OTF ExtraBold" panose="020B0600000101010101" pitchFamily="34" charset="-127"/>
+              </a:rPr>
+              <a:t>백만대</a:t>
+            </a:r>
+            <a:r>
+              <a:rPr lang="en-US" altLang="ko-KR" dirty="0">
+                <a:solidFill>
+                  <a:sysClr val="windowText" lastClr="000000"/>
+                </a:solidFill>
+                <a:latin typeface="나눔스퀘어OTF ExtraBold" panose="020B0600000101010101" pitchFamily="34" charset="-127"/>
+                <a:ea typeface="나눔스퀘어OTF ExtraBold" panose="020B0600000101010101" pitchFamily="34" charset="-127"/>
+              </a:rPr>
+              <a:t>)</a:t>
+            </a:r>
+            <a:endParaRPr lang="ko-KR" altLang="en-US" dirty="0">
+              <a:solidFill>
+                <a:sysClr val="windowText" lastClr="000000"/>
+              </a:solidFill>
+              <a:latin typeface="나눔스퀘어OTF ExtraBold" panose="020B0600000101010101" pitchFamily="34" charset="-127"/>
+              <a:ea typeface="나눔스퀘어OTF ExtraBold" panose="020B0600000101010101" pitchFamily="34" charset="-127"/>
+            </a:endParaRPr>
+          </a:p>
+        </p:txBody>
+      </p:sp>
+      <p:sp>
+        <p:nvSpPr>
+          <p:cNvPr id="2" name="직사각형 1">
+            <a:extLst>
+              <a:ext uri="{FF2B5EF4-FFF2-40B4-BE49-F238E27FC236}">
+                <a16:creationId xmlns:a16="http://schemas.microsoft.com/office/drawing/2014/main" id="{1BE024F2-D46E-9F89-392D-DE77E4E256CB}"/>
+              </a:ext>
+            </a:extLst>
+          </p:cNvPr>
+          <p:cNvSpPr/>
+          <p:nvPr/>
+        </p:nvSpPr>
+        <p:spPr>
+          <a:xfrm>
+            <a:off x="2902733" y="1771016"/>
+            <a:ext cx="156083" cy="156084"/>
+          </a:xfrm>
+          <a:prstGeom prst="rect">
+            <a:avLst/>
+          </a:prstGeom>
+          <a:solidFill>
+            <a:srgbClr val="10F019"/>
+          </a:solidFill>
+          <a:ln>
+            <a:noFill/>
+          </a:ln>
+        </p:spPr>
+        <p:style>
+          <a:lnRef idx="2">
+            <a:schemeClr val="accent1">
+              <a:shade val="50000"/>
+            </a:schemeClr>
+          </a:lnRef>
+          <a:fillRef idx="1">
+            <a:schemeClr val="accent1"/>
+          </a:fillRef>
+          <a:effectRef idx="0">
+            <a:schemeClr val="accent1"/>
+          </a:effectRef>
+          <a:fontRef idx="minor">
+            <a:schemeClr val="lt1"/>
+          </a:fontRef>
+        </p:style>
+        <p:txBody>
+          <a:bodyPr rtlCol="0" anchor="ctr"/>
+          <a:lstStyle/>
+          <a:p>
+            <a:pPr algn="ctr"/>
+            <a:endParaRPr lang="ko-KR" altLang="en-US"/>
+          </a:p>
+        </p:txBody>
+      </p:sp>
+      <p:sp>
+        <p:nvSpPr>
+          <p:cNvPr id="8" name="직사각형 7">
+            <a:extLst>
+              <a:ext uri="{FF2B5EF4-FFF2-40B4-BE49-F238E27FC236}">
+                <a16:creationId xmlns:a16="http://schemas.microsoft.com/office/drawing/2014/main" id="{279C5931-9ACF-9C3A-0C03-B14808A8BFAE}"/>
+              </a:ext>
+            </a:extLst>
+          </p:cNvPr>
+          <p:cNvSpPr/>
+          <p:nvPr/>
+        </p:nvSpPr>
+        <p:spPr>
+          <a:xfrm>
+            <a:off x="3593297" y="1766840"/>
+            <a:ext cx="156083" cy="156084"/>
+          </a:xfrm>
+          <a:prstGeom prst="rect">
+            <a:avLst/>
+          </a:prstGeom>
+          <a:solidFill>
+            <a:srgbClr val="000000"/>
+          </a:solidFill>
+          <a:ln>
+            <a:noFill/>
+          </a:ln>
+        </p:spPr>
+        <p:style>
+          <a:lnRef idx="2">
+            <a:schemeClr val="accent1">
+              <a:shade val="50000"/>
+            </a:schemeClr>
+          </a:lnRef>
+          <a:fillRef idx="1">
+            <a:schemeClr val="accent1"/>
+          </a:fillRef>
+          <a:effectRef idx="0">
+            <a:schemeClr val="accent1"/>
+          </a:effectRef>
+          <a:fontRef idx="minor">
+            <a:schemeClr val="lt1"/>
+          </a:fontRef>
+        </p:style>
+        <p:txBody>
+          <a:bodyPr rtlCol="0" anchor="ctr"/>
+          <a:lstStyle/>
+          <a:p>
+            <a:pPr algn="ctr"/>
+            <a:endParaRPr lang="ko-KR" altLang="en-US"/>
+          </a:p>
+        </p:txBody>
+      </p:sp>
+      <p:sp>
+        <p:nvSpPr>
+          <p:cNvPr id="9" name="직사각형 8">
+            <a:extLst>
+              <a:ext uri="{FF2B5EF4-FFF2-40B4-BE49-F238E27FC236}">
+                <a16:creationId xmlns:a16="http://schemas.microsoft.com/office/drawing/2014/main" id="{21B7F378-8F3A-1F74-FB29-4B67C3FE3006}"/>
+              </a:ext>
+            </a:extLst>
+          </p:cNvPr>
+          <p:cNvSpPr/>
+          <p:nvPr/>
+        </p:nvSpPr>
+        <p:spPr>
+          <a:xfrm>
+            <a:off x="4712861" y="1766766"/>
+            <a:ext cx="156083" cy="156084"/>
+          </a:xfrm>
+          <a:prstGeom prst="rect">
+            <a:avLst/>
+          </a:prstGeom>
+          <a:solidFill>
+            <a:srgbClr val="AAAAAA"/>
+          </a:solidFill>
+          <a:ln>
+            <a:noFill/>
+          </a:ln>
+        </p:spPr>
+        <p:style>
+          <a:lnRef idx="2">
+            <a:schemeClr val="accent1">
+              <a:shade val="50000"/>
+            </a:schemeClr>
+          </a:lnRef>
+          <a:fillRef idx="1">
+            <a:schemeClr val="accent1"/>
+          </a:fillRef>
+          <a:effectRef idx="0">
+            <a:schemeClr val="accent1"/>
+          </a:effectRef>
+          <a:fontRef idx="minor">
+            <a:schemeClr val="lt1"/>
+          </a:fontRef>
+        </p:style>
+        <p:txBody>
+          <a:bodyPr rtlCol="0" anchor="ctr"/>
+          <a:lstStyle/>
+          <a:p>
+            <a:pPr algn="ctr"/>
+            <a:endParaRPr lang="ko-KR" altLang="en-US"/>
+          </a:p>
+        </p:txBody>
+      </p:sp>
+      <p:sp>
+        <p:nvSpPr>
+          <p:cNvPr id="10" name="직사각형 9">
+            <a:extLst>
+              <a:ext uri="{FF2B5EF4-FFF2-40B4-BE49-F238E27FC236}">
+                <a16:creationId xmlns:a16="http://schemas.microsoft.com/office/drawing/2014/main" id="{BA6C36D9-254E-FC15-07D1-84173CA38EC3}"/>
+              </a:ext>
+            </a:extLst>
+          </p:cNvPr>
+          <p:cNvSpPr/>
+          <p:nvPr/>
+        </p:nvSpPr>
+        <p:spPr>
+          <a:xfrm>
+            <a:off x="5393899" y="1771603"/>
+            <a:ext cx="156083" cy="156084"/>
+          </a:xfrm>
+          <a:prstGeom prst="rect">
+            <a:avLst/>
+          </a:prstGeom>
+          <a:solidFill>
+            <a:srgbClr val="05AFD9"/>
+          </a:solidFill>
+          <a:ln>
+            <a:noFill/>
+          </a:ln>
+        </p:spPr>
+        <p:style>
+          <a:lnRef idx="2">
+            <a:schemeClr val="accent1">
+              <a:shade val="50000"/>
+            </a:schemeClr>
+          </a:lnRef>
+          <a:fillRef idx="1">
+            <a:schemeClr val="accent1"/>
+          </a:fillRef>
+          <a:effectRef idx="0">
+            <a:schemeClr val="accent1"/>
+          </a:effectRef>
+          <a:fontRef idx="minor">
+            <a:schemeClr val="lt1"/>
+          </a:fontRef>
+        </p:style>
+        <p:txBody>
+          <a:bodyPr rtlCol="0" anchor="ctr"/>
+          <a:lstStyle/>
+          <a:p>
+            <a:pPr algn="ctr"/>
+            <a:endParaRPr lang="ko-KR" altLang="en-US"/>
+          </a:p>
+        </p:txBody>
+      </p:sp>
+      <p:sp>
+        <p:nvSpPr>
+          <p:cNvPr id="11" name="직사각형 10">
+            <a:extLst>
+              <a:ext uri="{FF2B5EF4-FFF2-40B4-BE49-F238E27FC236}">
+                <a16:creationId xmlns:a16="http://schemas.microsoft.com/office/drawing/2014/main" id="{3D86DBAE-4D8A-AD53-DD30-EB31CC421CB0}"/>
+              </a:ext>
+            </a:extLst>
+          </p:cNvPr>
+          <p:cNvSpPr/>
+          <p:nvPr/>
+        </p:nvSpPr>
+        <p:spPr>
+          <a:xfrm>
+            <a:off x="6402330" y="1775778"/>
+            <a:ext cx="156083" cy="156084"/>
+          </a:xfrm>
+          <a:prstGeom prst="rect">
+            <a:avLst/>
+          </a:prstGeom>
+          <a:solidFill>
+            <a:srgbClr val="2B82A6"/>
+          </a:solidFill>
+          <a:ln>
+            <a:noFill/>
+          </a:ln>
+        </p:spPr>
+        <p:style>
+          <a:lnRef idx="2">
+            <a:schemeClr val="accent1">
+              <a:shade val="50000"/>
+            </a:schemeClr>
+          </a:lnRef>
+          <a:fillRef idx="1">
+            <a:schemeClr val="accent1"/>
+          </a:fillRef>
+          <a:effectRef idx="0">
+            <a:schemeClr val="accent1"/>
+          </a:effectRef>
+          <a:fontRef idx="minor">
+            <a:schemeClr val="lt1"/>
+          </a:fontRef>
+        </p:style>
+        <p:txBody>
+          <a:bodyPr rtlCol="0" anchor="ctr"/>
+          <a:lstStyle/>
+          <a:p>
+            <a:pPr algn="ctr"/>
+            <a:endParaRPr lang="ko-KR" altLang="en-US"/>
+          </a:p>
+        </p:txBody>
+      </p:sp>
+      <p:sp>
+        <p:nvSpPr>
+          <p:cNvPr id="12" name="직사각형 11">
+            <a:extLst>
+              <a:ext uri="{FF2B5EF4-FFF2-40B4-BE49-F238E27FC236}">
+                <a16:creationId xmlns:a16="http://schemas.microsoft.com/office/drawing/2014/main" id="{2DC50E73-E5D7-1793-BED6-0B9C24DC1CC7}"/>
+              </a:ext>
+            </a:extLst>
+          </p:cNvPr>
+          <p:cNvSpPr/>
+          <p:nvPr/>
+        </p:nvSpPr>
+        <p:spPr>
+          <a:xfrm>
+            <a:off x="7698975" y="1747201"/>
+            <a:ext cx="156083" cy="156084"/>
+          </a:xfrm>
+          <a:prstGeom prst="rect">
+            <a:avLst/>
+          </a:prstGeom>
+          <a:solidFill>
+            <a:srgbClr val="E9B743"/>
+          </a:solidFill>
+          <a:ln>
+            <a:noFill/>
+          </a:ln>
+        </p:spPr>
+        <p:style>
+          <a:lnRef idx="2">
+            <a:schemeClr val="accent1">
+              <a:shade val="50000"/>
+            </a:schemeClr>
+          </a:lnRef>
+          <a:fillRef idx="1">
+            <a:schemeClr val="accent1"/>
+          </a:fillRef>
+          <a:effectRef idx="0">
+            <a:schemeClr val="accent1"/>
+          </a:effectRef>
+          <a:fontRef idx="minor">
+            <a:schemeClr val="lt1"/>
+          </a:fontRef>
+        </p:style>
+        <p:txBody>
+          <a:bodyPr rtlCol="0" anchor="ctr"/>
+          <a:lstStyle/>
+          <a:p>
+            <a:pPr algn="ctr"/>
+            <a:endParaRPr lang="ko-KR" altLang="en-US"/>
+          </a:p>
+        </p:txBody>
+      </p:sp>
+      <p:sp>
+        <p:nvSpPr>
+          <p:cNvPr id="3" name="TextBox 2">
+            <a:extLst>
+              <a:ext uri="{FF2B5EF4-FFF2-40B4-BE49-F238E27FC236}">
+                <a16:creationId xmlns:a16="http://schemas.microsoft.com/office/drawing/2014/main" id="{1FE9A7B3-31E7-EEAA-9751-F717886912DC}"/>
+              </a:ext>
+            </a:extLst>
+          </p:cNvPr>
+          <p:cNvSpPr txBox="1"/>
+          <p:nvPr/>
+        </p:nvSpPr>
+        <p:spPr>
+          <a:xfrm>
+            <a:off x="3067568" y="1705795"/>
+            <a:ext cx="477751" cy="276999"/>
+          </a:xfrm>
+          <a:prstGeom prst="rect">
+            <a:avLst/>
+          </a:prstGeom>
+          <a:solidFill>
+            <a:schemeClr val="bg1"/>
+          </a:solidFill>
+        </p:spPr>
+        <p:txBody>
+          <a:bodyPr wrap="square" rtlCol="0">
+            <a:spAutoFit/>
+          </a:bodyPr>
+          <a:lstStyle/>
+          <a:p>
+            <a:r>
+              <a:rPr lang="ko-KR" altLang="en-US" sz="1200" dirty="0">
+                <a:latin typeface="나눔스퀘어OTF ExtraBold" panose="020B0600000101010101" pitchFamily="34" charset="-127"/>
+                <a:ea typeface="나눔스퀘어OTF ExtraBold" panose="020B0600000101010101" pitchFamily="34" charset="-127"/>
+              </a:rPr>
+              <a:t>중국</a:t>
+            </a:r>
+          </a:p>
+        </p:txBody>
+      </p:sp>
+      <p:sp>
+        <p:nvSpPr>
+          <p:cNvPr id="13" name="TextBox 12">
+            <a:extLst>
+              <a:ext uri="{FF2B5EF4-FFF2-40B4-BE49-F238E27FC236}">
+                <a16:creationId xmlns:a16="http://schemas.microsoft.com/office/drawing/2014/main" id="{967C9F9C-8FA3-79CD-F844-0BED61252C08}"/>
+              </a:ext>
+            </a:extLst>
+          </p:cNvPr>
+          <p:cNvSpPr txBox="1"/>
+          <p:nvPr/>
+        </p:nvSpPr>
+        <p:spPr>
+          <a:xfrm>
+            <a:off x="3788054" y="1703184"/>
+            <a:ext cx="876607" cy="197790"/>
+          </a:xfrm>
+          <a:prstGeom prst="rect">
+            <a:avLst/>
+          </a:prstGeom>
+          <a:solidFill>
+            <a:schemeClr val="bg1"/>
+          </a:solidFill>
+        </p:spPr>
+        <p:txBody>
+          <a:bodyPr wrap="square" rtlCol="0">
+            <a:spAutoFit/>
+          </a:bodyPr>
+          <a:lstStyle/>
+          <a:p>
+            <a:r>
+              <a:rPr lang="ko-KR" altLang="en-US" sz="1200" dirty="0">
+                <a:latin typeface="나눔스퀘어OTF ExtraBold" panose="020B0600000101010101" pitchFamily="34" charset="-127"/>
+                <a:ea typeface="나눔스퀘어OTF ExtraBold" panose="020B0600000101010101" pitchFamily="34" charset="-127"/>
+              </a:rPr>
+              <a:t>북아메리카</a:t>
+            </a:r>
+          </a:p>
+        </p:txBody>
+      </p:sp>
+      <p:sp>
+        <p:nvSpPr>
+          <p:cNvPr id="14" name="TextBox 13">
+            <a:extLst>
+              <a:ext uri="{FF2B5EF4-FFF2-40B4-BE49-F238E27FC236}">
+                <a16:creationId xmlns:a16="http://schemas.microsoft.com/office/drawing/2014/main" id="{39345C66-95BA-0AF0-B765-FD91FE4BA0C7}"/>
+              </a:ext>
+            </a:extLst>
+          </p:cNvPr>
+          <p:cNvSpPr txBox="1"/>
+          <p:nvPr/>
+        </p:nvSpPr>
+        <p:spPr>
+          <a:xfrm>
+            <a:off x="4892546" y="1704766"/>
+            <a:ext cx="477751" cy="276999"/>
+          </a:xfrm>
+          <a:prstGeom prst="rect">
+            <a:avLst/>
+          </a:prstGeom>
+          <a:solidFill>
+            <a:schemeClr val="bg1"/>
+          </a:solidFill>
+        </p:spPr>
+        <p:txBody>
+          <a:bodyPr wrap="square" rtlCol="0">
+            <a:spAutoFit/>
+          </a:bodyPr>
+          <a:lstStyle/>
+          <a:p>
+            <a:r>
+              <a:rPr lang="ko-KR" altLang="en-US" sz="1200" dirty="0">
+                <a:latin typeface="나눔스퀘어OTF ExtraBold" panose="020B0600000101010101" pitchFamily="34" charset="-127"/>
+                <a:ea typeface="나눔스퀘어OTF ExtraBold" panose="020B0600000101010101" pitchFamily="34" charset="-127"/>
+              </a:rPr>
+              <a:t>유럽</a:t>
+            </a:r>
+          </a:p>
+        </p:txBody>
+      </p:sp>
+      <p:sp>
+        <p:nvSpPr>
+          <p:cNvPr id="15" name="TextBox 14">
+            <a:extLst>
+              <a:ext uri="{FF2B5EF4-FFF2-40B4-BE49-F238E27FC236}">
+                <a16:creationId xmlns:a16="http://schemas.microsoft.com/office/drawing/2014/main" id="{1D8170B6-92EE-6D2F-89A5-D006BFEF8457}"/>
+              </a:ext>
+            </a:extLst>
+          </p:cNvPr>
+          <p:cNvSpPr txBox="1"/>
+          <p:nvPr/>
+        </p:nvSpPr>
+        <p:spPr>
+          <a:xfrm>
+            <a:off x="5571110" y="1712500"/>
+            <a:ext cx="797879" cy="276999"/>
+          </a:xfrm>
+          <a:prstGeom prst="rect">
+            <a:avLst/>
+          </a:prstGeom>
+          <a:solidFill>
+            <a:schemeClr val="bg1"/>
+          </a:solidFill>
+        </p:spPr>
+        <p:txBody>
+          <a:bodyPr wrap="square" rtlCol="0">
+            <a:spAutoFit/>
+          </a:bodyPr>
+          <a:lstStyle/>
+          <a:p>
+            <a:r>
+              <a:rPr lang="ko-KR" altLang="en-US" sz="1200" dirty="0">
+                <a:latin typeface="나눔스퀘어OTF ExtraBold" panose="020B0600000101010101" pitchFamily="34" charset="-127"/>
+                <a:ea typeface="나눔스퀘어OTF ExtraBold" panose="020B0600000101010101" pitchFamily="34" charset="-127"/>
+              </a:rPr>
+              <a:t>대한민국</a:t>
+            </a:r>
+          </a:p>
+        </p:txBody>
+      </p:sp>
+      <p:sp>
+        <p:nvSpPr>
+          <p:cNvPr id="18" name="TextBox 17">
+            <a:extLst>
+              <a:ext uri="{FF2B5EF4-FFF2-40B4-BE49-F238E27FC236}">
+                <a16:creationId xmlns:a16="http://schemas.microsoft.com/office/drawing/2014/main" id="{DC56DD1F-3796-4758-954C-092BDF51D71E}"/>
+              </a:ext>
+            </a:extLst>
+          </p:cNvPr>
+          <p:cNvSpPr txBox="1"/>
+          <p:nvPr/>
+        </p:nvSpPr>
+        <p:spPr>
+          <a:xfrm>
+            <a:off x="6557985" y="1711207"/>
+            <a:ext cx="797879" cy="276999"/>
+          </a:xfrm>
+          <a:prstGeom prst="rect">
+            <a:avLst/>
+          </a:prstGeom>
+          <a:solidFill>
+            <a:schemeClr val="bg1"/>
+          </a:solidFill>
+        </p:spPr>
+        <p:txBody>
+          <a:bodyPr wrap="square" rtlCol="0">
+            <a:spAutoFit/>
+          </a:bodyPr>
+          <a:lstStyle/>
+          <a:p>
+            <a:r>
+              <a:rPr lang="ko-KR" altLang="en-US" sz="1200" dirty="0">
+                <a:latin typeface="나눔스퀘어OTF ExtraBold" panose="020B0600000101010101" pitchFamily="34" charset="-127"/>
+                <a:ea typeface="나눔스퀘어OTF ExtraBold" panose="020B0600000101010101" pitchFamily="34" charset="-127"/>
+              </a:rPr>
+              <a:t>기타</a:t>
+            </a:r>
+          </a:p>
+        </p:txBody>
+      </p:sp>
+      <p:sp>
+        <p:nvSpPr>
+          <p:cNvPr id="19" name="TextBox 18">
+            <a:extLst>
+              <a:ext uri="{FF2B5EF4-FFF2-40B4-BE49-F238E27FC236}">
+                <a16:creationId xmlns:a16="http://schemas.microsoft.com/office/drawing/2014/main" id="{ADA6DEF9-2E3B-8BE1-2BE0-27E9F071E640}"/>
+              </a:ext>
+            </a:extLst>
+          </p:cNvPr>
+          <p:cNvSpPr txBox="1"/>
+          <p:nvPr/>
+        </p:nvSpPr>
+        <p:spPr>
+          <a:xfrm>
+            <a:off x="7873726" y="1696421"/>
+            <a:ext cx="797879" cy="276999"/>
+          </a:xfrm>
+          <a:prstGeom prst="rect">
+            <a:avLst/>
+          </a:prstGeom>
+          <a:solidFill>
+            <a:schemeClr val="bg1"/>
+          </a:solidFill>
+        </p:spPr>
+        <p:txBody>
+          <a:bodyPr wrap="square" rtlCol="0">
+            <a:spAutoFit/>
+          </a:bodyPr>
+          <a:lstStyle/>
+          <a:p>
+            <a:r>
+              <a:rPr lang="ko-KR" altLang="en-US" sz="1200" dirty="0">
+                <a:latin typeface="나눔스퀘어OTF ExtraBold" panose="020B0600000101010101" pitchFamily="34" charset="-127"/>
+                <a:ea typeface="나눔스퀘어OTF ExtraBold" panose="020B0600000101010101" pitchFamily="34" charset="-127"/>
+              </a:rPr>
+              <a:t>일본</a:t>
+            </a:r>
+          </a:p>
+        </p:txBody>
+      </p:sp>
+      <p:sp>
+        <p:nvSpPr>
+          <p:cNvPr id="20" name="TextBox 19">
+            <a:extLst>
+              <a:ext uri="{FF2B5EF4-FFF2-40B4-BE49-F238E27FC236}">
+                <a16:creationId xmlns:a16="http://schemas.microsoft.com/office/drawing/2014/main" id="{B50CAA10-1DF0-0EA0-7C18-8859FE102820}"/>
+              </a:ext>
+            </a:extLst>
+          </p:cNvPr>
+          <p:cNvSpPr txBox="1"/>
+          <p:nvPr/>
+        </p:nvSpPr>
+        <p:spPr>
+          <a:xfrm>
+            <a:off x="2789239" y="4646190"/>
+            <a:ext cx="3180810" cy="461665"/>
+          </a:xfrm>
+          <a:prstGeom prst="rect">
+            <a:avLst/>
+          </a:prstGeom>
+          <a:solidFill>
+            <a:schemeClr val="bg1"/>
+          </a:solidFill>
+        </p:spPr>
+        <p:txBody>
+          <a:bodyPr wrap="square" rtlCol="0">
+            <a:spAutoFit/>
+          </a:bodyPr>
+          <a:lstStyle/>
+          <a:p>
+            <a:r>
+              <a:rPr lang="ko-KR" altLang="en-US" sz="1200" dirty="0">
+                <a:latin typeface="나눔스퀘어OTF ExtraBold" panose="020B0600000101010101" pitchFamily="34" charset="-127"/>
+                <a:ea typeface="나눔스퀘어OTF ExtraBold" panose="020B0600000101010101" pitchFamily="34" charset="-127"/>
+              </a:rPr>
+              <a:t>출처 </a:t>
+            </a:r>
+            <a:r>
+              <a:rPr lang="en-US" altLang="ko-KR" sz="1200" dirty="0">
+                <a:latin typeface="나눔스퀘어OTF ExtraBold" panose="020B0600000101010101" pitchFamily="34" charset="-127"/>
+                <a:ea typeface="나눔스퀘어OTF ExtraBold" panose="020B0600000101010101" pitchFamily="34" charset="-127"/>
+              </a:rPr>
+              <a:t>: </a:t>
+            </a:r>
+            <a:r>
+              <a:rPr lang="en-US" altLang="ko-KR" sz="1200" dirty="0" err="1">
+                <a:latin typeface="나눔스퀘어OTF ExtraBold" panose="020B0600000101010101" pitchFamily="34" charset="-127"/>
+                <a:ea typeface="나눔스퀘어OTF ExtraBold" panose="020B0600000101010101" pitchFamily="34" charset="-127"/>
+              </a:rPr>
+              <a:t>BlommbergNEF</a:t>
+            </a:r>
+            <a:endParaRPr lang="en-US" altLang="ko-KR" sz="1200" dirty="0">
+              <a:latin typeface="나눔스퀘어OTF ExtraBold" panose="020B0600000101010101" pitchFamily="34" charset="-127"/>
+              <a:ea typeface="나눔스퀘어OTF ExtraBold" panose="020B0600000101010101" pitchFamily="34" charset="-127"/>
+            </a:endParaRPr>
+          </a:p>
+          <a:p>
+            <a:r>
+              <a:rPr lang="en-US" altLang="ko-KR" sz="1200" dirty="0">
+                <a:latin typeface="나눔스퀘어OTF ExtraBold" panose="020B0600000101010101" pitchFamily="34" charset="-127"/>
+                <a:ea typeface="나눔스퀘어OTF ExtraBold" panose="020B0600000101010101" pitchFamily="34" charset="-127"/>
+              </a:rPr>
+              <a:t>* </a:t>
+            </a:r>
+            <a:r>
+              <a:rPr lang="ko-KR" altLang="en-US" sz="1200" dirty="0">
+                <a:latin typeface="나눔스퀘어OTF ExtraBold" panose="020B0600000101010101" pitchFamily="34" charset="-127"/>
+                <a:ea typeface="나눔스퀘어OTF ExtraBold" panose="020B0600000101010101" pitchFamily="34" charset="-127"/>
+              </a:rPr>
+              <a:t>배터리 전기 및 플러그인 하이브리드 차량 포함</a:t>
+            </a:r>
+          </a:p>
+        </p:txBody>
+      </p:sp>
+      <p:sp>
+        <p:nvSpPr>
+          <p:cNvPr id="4" name="TextBox 3">
+            <a:extLst>
+              <a:ext uri="{FF2B5EF4-FFF2-40B4-BE49-F238E27FC236}">
+                <a16:creationId xmlns:a16="http://schemas.microsoft.com/office/drawing/2014/main" id="{C49CE0E8-F196-6A8F-925F-1883EC938F0E}"/>
+              </a:ext>
+            </a:extLst>
+          </p:cNvPr>
+          <p:cNvSpPr txBox="1"/>
+          <p:nvPr/>
+        </p:nvSpPr>
+        <p:spPr>
+          <a:xfrm>
+            <a:off x="2885934" y="4136998"/>
+            <a:ext cx="567838" cy="261610"/>
+          </a:xfrm>
+          <a:prstGeom prst="rect">
+            <a:avLst/>
+          </a:prstGeom>
+          <a:solidFill>
+            <a:schemeClr val="bg1"/>
+          </a:solidFill>
+        </p:spPr>
+        <p:txBody>
+          <a:bodyPr wrap="square" rtlCol="0">
+            <a:spAutoFit/>
+          </a:bodyPr>
+          <a:lstStyle/>
+          <a:p>
+            <a:r>
+              <a:rPr lang="en-US" altLang="ko-KR" sz="1100" dirty="0">
+                <a:latin typeface="나눔스퀘어OTF ExtraBold" panose="020B0600000101010101" pitchFamily="34" charset="-127"/>
+                <a:ea typeface="나눔스퀘어OTF ExtraBold" panose="020B0600000101010101" pitchFamily="34" charset="-127"/>
+              </a:rPr>
+              <a:t>2015</a:t>
+            </a:r>
+            <a:endParaRPr lang="ko-KR" altLang="en-US" sz="1100" dirty="0">
+              <a:latin typeface="나눔스퀘어OTF ExtraBold" panose="020B0600000101010101" pitchFamily="34" charset="-127"/>
+              <a:ea typeface="나눔스퀘어OTF ExtraBold" panose="020B0600000101010101" pitchFamily="34" charset="-127"/>
+            </a:endParaRPr>
+          </a:p>
+        </p:txBody>
+      </p:sp>
+      <p:sp>
+        <p:nvSpPr>
+          <p:cNvPr id="21" name="TextBox 20">
+            <a:extLst>
+              <a:ext uri="{FF2B5EF4-FFF2-40B4-BE49-F238E27FC236}">
+                <a16:creationId xmlns:a16="http://schemas.microsoft.com/office/drawing/2014/main" id="{015FC894-09EB-CF5B-7FA9-1A6D013F5814}"/>
+              </a:ext>
+            </a:extLst>
+          </p:cNvPr>
+          <p:cNvSpPr txBox="1"/>
+          <p:nvPr/>
+        </p:nvSpPr>
+        <p:spPr>
+          <a:xfrm>
+            <a:off x="3686800" y="4136998"/>
+            <a:ext cx="567837" cy="261610"/>
+          </a:xfrm>
+          <a:prstGeom prst="rect">
+            <a:avLst/>
+          </a:prstGeom>
+          <a:solidFill>
+            <a:schemeClr val="bg1"/>
+          </a:solidFill>
+        </p:spPr>
+        <p:txBody>
+          <a:bodyPr wrap="square" rtlCol="0">
+            <a:spAutoFit/>
+          </a:bodyPr>
+          <a:lstStyle/>
+          <a:p>
+            <a:r>
+              <a:rPr lang="en-US" altLang="ko-KR" sz="1100" dirty="0">
+                <a:latin typeface="나눔스퀘어OTF ExtraBold" panose="020B0600000101010101" pitchFamily="34" charset="-127"/>
+                <a:ea typeface="나눔스퀘어OTF ExtraBold" panose="020B0600000101010101" pitchFamily="34" charset="-127"/>
+              </a:rPr>
+              <a:t>2016</a:t>
+            </a:r>
+            <a:endParaRPr lang="ko-KR" altLang="en-US" sz="1100" dirty="0">
+              <a:latin typeface="나눔스퀘어OTF ExtraBold" panose="020B0600000101010101" pitchFamily="34" charset="-127"/>
+              <a:ea typeface="나눔스퀘어OTF ExtraBold" panose="020B0600000101010101" pitchFamily="34" charset="-127"/>
+            </a:endParaRPr>
+          </a:p>
+        </p:txBody>
+      </p:sp>
+      <p:sp>
+        <p:nvSpPr>
+          <p:cNvPr id="22" name="TextBox 21">
+            <a:extLst>
+              <a:ext uri="{FF2B5EF4-FFF2-40B4-BE49-F238E27FC236}">
+                <a16:creationId xmlns:a16="http://schemas.microsoft.com/office/drawing/2014/main" id="{ED549943-D080-8DB0-A522-1B4F01A24AF3}"/>
+              </a:ext>
+            </a:extLst>
+          </p:cNvPr>
+          <p:cNvSpPr txBox="1"/>
+          <p:nvPr/>
+        </p:nvSpPr>
+        <p:spPr>
+          <a:xfrm>
+            <a:off x="4428942" y="4136998"/>
+            <a:ext cx="567837" cy="261610"/>
+          </a:xfrm>
+          <a:prstGeom prst="rect">
+            <a:avLst/>
+          </a:prstGeom>
+          <a:solidFill>
+            <a:schemeClr val="bg1"/>
+          </a:solidFill>
+        </p:spPr>
+        <p:txBody>
+          <a:bodyPr wrap="square" rtlCol="0">
+            <a:spAutoFit/>
+          </a:bodyPr>
+          <a:lstStyle/>
+          <a:p>
+            <a:r>
+              <a:rPr lang="en-US" altLang="ko-KR" sz="1100" dirty="0">
+                <a:latin typeface="나눔스퀘어OTF ExtraBold" panose="020B0600000101010101" pitchFamily="34" charset="-127"/>
+                <a:ea typeface="나눔스퀘어OTF ExtraBold" panose="020B0600000101010101" pitchFamily="34" charset="-127"/>
+              </a:rPr>
+              <a:t>2017</a:t>
+            </a:r>
+            <a:endParaRPr lang="ko-KR" altLang="en-US" sz="1100" dirty="0">
+              <a:latin typeface="나눔스퀘어OTF ExtraBold" panose="020B0600000101010101" pitchFamily="34" charset="-127"/>
+              <a:ea typeface="나눔스퀘어OTF ExtraBold" panose="020B0600000101010101" pitchFamily="34" charset="-127"/>
+            </a:endParaRPr>
+          </a:p>
+        </p:txBody>
+      </p:sp>
+      <p:sp>
+        <p:nvSpPr>
+          <p:cNvPr id="23" name="TextBox 22">
+            <a:extLst>
+              <a:ext uri="{FF2B5EF4-FFF2-40B4-BE49-F238E27FC236}">
+                <a16:creationId xmlns:a16="http://schemas.microsoft.com/office/drawing/2014/main" id="{1FC47371-9214-0E84-4639-DBDC1078FD59}"/>
+              </a:ext>
+            </a:extLst>
+          </p:cNvPr>
+          <p:cNvSpPr txBox="1"/>
+          <p:nvPr/>
+        </p:nvSpPr>
+        <p:spPr>
+          <a:xfrm>
+            <a:off x="5215263" y="4138940"/>
+            <a:ext cx="567837" cy="261610"/>
+          </a:xfrm>
+          <a:prstGeom prst="rect">
+            <a:avLst/>
+          </a:prstGeom>
+          <a:solidFill>
+            <a:schemeClr val="bg1"/>
+          </a:solidFill>
+        </p:spPr>
+        <p:txBody>
+          <a:bodyPr wrap="square" rtlCol="0">
+            <a:spAutoFit/>
+          </a:bodyPr>
+          <a:lstStyle/>
+          <a:p>
+            <a:r>
+              <a:rPr lang="en-US" altLang="ko-KR" sz="1100" dirty="0">
+                <a:latin typeface="나눔스퀘어OTF ExtraBold" panose="020B0600000101010101" pitchFamily="34" charset="-127"/>
+                <a:ea typeface="나눔스퀘어OTF ExtraBold" panose="020B0600000101010101" pitchFamily="34" charset="-127"/>
+              </a:rPr>
+              <a:t>2018</a:t>
+            </a:r>
+            <a:endParaRPr lang="ko-KR" altLang="en-US" sz="1100" dirty="0">
+              <a:latin typeface="나눔스퀘어OTF ExtraBold" panose="020B0600000101010101" pitchFamily="34" charset="-127"/>
+              <a:ea typeface="나눔스퀘어OTF ExtraBold" panose="020B0600000101010101" pitchFamily="34" charset="-127"/>
+            </a:endParaRPr>
+          </a:p>
+        </p:txBody>
+      </p:sp>
+      <p:sp>
+        <p:nvSpPr>
+          <p:cNvPr id="24" name="TextBox 23">
+            <a:extLst>
+              <a:ext uri="{FF2B5EF4-FFF2-40B4-BE49-F238E27FC236}">
+                <a16:creationId xmlns:a16="http://schemas.microsoft.com/office/drawing/2014/main" id="{BAF0F319-43FE-027D-8DBA-82EFEE03157E}"/>
+              </a:ext>
+            </a:extLst>
+          </p:cNvPr>
+          <p:cNvSpPr txBox="1"/>
+          <p:nvPr/>
+        </p:nvSpPr>
+        <p:spPr>
+          <a:xfrm>
+            <a:off x="5978559" y="4136998"/>
+            <a:ext cx="567837" cy="261610"/>
+          </a:xfrm>
+          <a:prstGeom prst="rect">
+            <a:avLst/>
+          </a:prstGeom>
+          <a:solidFill>
+            <a:schemeClr val="bg1"/>
+          </a:solidFill>
+        </p:spPr>
+        <p:txBody>
+          <a:bodyPr wrap="square" rtlCol="0">
+            <a:spAutoFit/>
+          </a:bodyPr>
+          <a:lstStyle/>
+          <a:p>
+            <a:r>
+              <a:rPr lang="en-US" altLang="ko-KR" sz="1100" dirty="0">
+                <a:latin typeface="나눔스퀘어OTF ExtraBold" panose="020B0600000101010101" pitchFamily="34" charset="-127"/>
+                <a:ea typeface="나눔스퀘어OTF ExtraBold" panose="020B0600000101010101" pitchFamily="34" charset="-127"/>
+              </a:rPr>
+              <a:t>2019</a:t>
+            </a:r>
+            <a:endParaRPr lang="ko-KR" altLang="en-US" sz="1100" dirty="0">
+              <a:latin typeface="나눔스퀘어OTF ExtraBold" panose="020B0600000101010101" pitchFamily="34" charset="-127"/>
+              <a:ea typeface="나눔스퀘어OTF ExtraBold" panose="020B0600000101010101" pitchFamily="34" charset="-127"/>
+            </a:endParaRPr>
+          </a:p>
+        </p:txBody>
+      </p:sp>
+      <p:sp>
+        <p:nvSpPr>
+          <p:cNvPr id="25" name="TextBox 24">
+            <a:extLst>
+              <a:ext uri="{FF2B5EF4-FFF2-40B4-BE49-F238E27FC236}">
+                <a16:creationId xmlns:a16="http://schemas.microsoft.com/office/drawing/2014/main" id="{D6DA11F4-777C-085D-6398-76ABB9D10E86}"/>
+              </a:ext>
+            </a:extLst>
+          </p:cNvPr>
+          <p:cNvSpPr txBox="1"/>
+          <p:nvPr/>
+        </p:nvSpPr>
+        <p:spPr>
+          <a:xfrm>
+            <a:off x="6739480" y="4138875"/>
+            <a:ext cx="567837" cy="261610"/>
+          </a:xfrm>
+          <a:prstGeom prst="rect">
+            <a:avLst/>
+          </a:prstGeom>
+          <a:solidFill>
+            <a:schemeClr val="bg1"/>
+          </a:solidFill>
+        </p:spPr>
+        <p:txBody>
+          <a:bodyPr wrap="square" rtlCol="0">
+            <a:spAutoFit/>
+          </a:bodyPr>
+          <a:lstStyle/>
+          <a:p>
+            <a:r>
+              <a:rPr lang="en-US" altLang="ko-KR" sz="1100" dirty="0">
+                <a:latin typeface="나눔스퀘어OTF ExtraBold" panose="020B0600000101010101" pitchFamily="34" charset="-127"/>
+                <a:ea typeface="나눔스퀘어OTF ExtraBold" panose="020B0600000101010101" pitchFamily="34" charset="-127"/>
+              </a:rPr>
+              <a:t>2020</a:t>
+            </a:r>
+            <a:endParaRPr lang="ko-KR" altLang="en-US" sz="1100" dirty="0">
+              <a:latin typeface="나눔스퀘어OTF ExtraBold" panose="020B0600000101010101" pitchFamily="34" charset="-127"/>
+              <a:ea typeface="나눔스퀘어OTF ExtraBold" panose="020B0600000101010101" pitchFamily="34" charset="-127"/>
+            </a:endParaRPr>
+          </a:p>
+        </p:txBody>
+      </p:sp>
+      <p:sp>
+        <p:nvSpPr>
+          <p:cNvPr id="26" name="TextBox 25">
+            <a:extLst>
+              <a:ext uri="{FF2B5EF4-FFF2-40B4-BE49-F238E27FC236}">
+                <a16:creationId xmlns:a16="http://schemas.microsoft.com/office/drawing/2014/main" id="{3F175755-7CD1-1CFD-5BAE-B0DCB69BBDC9}"/>
+              </a:ext>
+            </a:extLst>
+          </p:cNvPr>
+          <p:cNvSpPr txBox="1"/>
+          <p:nvPr/>
+        </p:nvSpPr>
+        <p:spPr>
+          <a:xfrm>
+            <a:off x="7531691" y="4136998"/>
+            <a:ext cx="567837" cy="261610"/>
+          </a:xfrm>
+          <a:prstGeom prst="rect">
+            <a:avLst/>
+          </a:prstGeom>
+          <a:solidFill>
+            <a:schemeClr val="bg1"/>
+          </a:solidFill>
+        </p:spPr>
+        <p:txBody>
+          <a:bodyPr wrap="square" rtlCol="0">
+            <a:spAutoFit/>
+          </a:bodyPr>
+          <a:lstStyle/>
+          <a:p>
+            <a:r>
+              <a:rPr lang="en-US" altLang="ko-KR" sz="1100" dirty="0">
+                <a:latin typeface="나눔스퀘어OTF ExtraBold" panose="020B0600000101010101" pitchFamily="34" charset="-127"/>
+                <a:ea typeface="나눔스퀘어OTF ExtraBold" panose="020B0600000101010101" pitchFamily="34" charset="-127"/>
+              </a:rPr>
+              <a:t>2021</a:t>
+            </a:r>
+            <a:endParaRPr lang="ko-KR" altLang="en-US" sz="1100" dirty="0">
+              <a:latin typeface="나눔스퀘어OTF ExtraBold" panose="020B0600000101010101" pitchFamily="34" charset="-127"/>
+              <a:ea typeface="나눔스퀘어OTF ExtraBold" panose="020B0600000101010101" pitchFamily="34" charset="-127"/>
+            </a:endParaRPr>
+          </a:p>
+        </p:txBody>
+      </p:sp>
+      <p:sp>
+        <p:nvSpPr>
+          <p:cNvPr id="27" name="TextBox 26">
+            <a:extLst>
+              <a:ext uri="{FF2B5EF4-FFF2-40B4-BE49-F238E27FC236}">
+                <a16:creationId xmlns:a16="http://schemas.microsoft.com/office/drawing/2014/main" id="{C9CB0D96-17FD-091A-EAEE-A6CCEAEF6681}"/>
+              </a:ext>
+            </a:extLst>
+          </p:cNvPr>
+          <p:cNvSpPr txBox="1"/>
+          <p:nvPr/>
+        </p:nvSpPr>
+        <p:spPr>
+          <a:xfrm>
+            <a:off x="8263697" y="4138940"/>
+            <a:ext cx="639003" cy="261610"/>
+          </a:xfrm>
+          <a:prstGeom prst="rect">
+            <a:avLst/>
+          </a:prstGeom>
+          <a:solidFill>
+            <a:schemeClr val="bg1"/>
+          </a:solidFill>
+        </p:spPr>
+        <p:txBody>
+          <a:bodyPr wrap="square" rtlCol="0">
+            <a:spAutoFit/>
+          </a:bodyPr>
+          <a:lstStyle/>
+          <a:p>
+            <a:r>
+              <a:rPr lang="en-US" altLang="ko-KR" sz="1100" dirty="0">
+                <a:latin typeface="나눔스퀘어OTF ExtraBold" panose="020B0600000101010101" pitchFamily="34" charset="-127"/>
+                <a:ea typeface="나눔스퀘어OTF ExtraBold" panose="020B0600000101010101" pitchFamily="34" charset="-127"/>
+              </a:rPr>
+              <a:t>2022e</a:t>
+            </a:r>
+            <a:endParaRPr lang="ko-KR" altLang="en-US" sz="1100" dirty="0">
+              <a:latin typeface="나눔스퀘어OTF ExtraBold" panose="020B0600000101010101" pitchFamily="34" charset="-127"/>
+              <a:ea typeface="나눔스퀘어OTF ExtraBold" panose="020B0600000101010101" pitchFamily="34" charset="-127"/>
+            </a:endParaRPr>
+          </a:p>
+        </p:txBody>
+      </p:sp>
+      <p:cxnSp>
+        <p:nvCxnSpPr>
+          <p:cNvPr id="29" name="직선 연결선 28">
+            <a:extLst>
+              <a:ext uri="{FF2B5EF4-FFF2-40B4-BE49-F238E27FC236}">
+                <a16:creationId xmlns:a16="http://schemas.microsoft.com/office/drawing/2014/main" id="{0A94957C-E708-F44B-0879-7ED48B580C33}"/>
+              </a:ext>
+            </a:extLst>
+          </p:cNvPr>
+          <p:cNvCxnSpPr/>
+          <p:nvPr/>
+        </p:nvCxnSpPr>
+        <p:spPr>
+          <a:xfrm>
+            <a:off x="2778343" y="4136998"/>
+            <a:ext cx="6375746" cy="0"/>
+          </a:xfrm>
+          <a:prstGeom prst="line">
+            <a:avLst/>
+          </a:prstGeom>
+          <a:ln w="38100">
+            <a:solidFill>
+              <a:schemeClr val="bg1">
+                <a:lumMod val="75000"/>
+              </a:schemeClr>
+            </a:solidFill>
+          </a:ln>
+        </p:spPr>
+        <p:style>
+          <a:lnRef idx="1">
+            <a:schemeClr val="accent1"/>
+          </a:lnRef>
+          <a:fillRef idx="0">
+            <a:schemeClr val="accent1"/>
+          </a:fillRef>
+          <a:effectRef idx="0">
+            <a:schemeClr val="accent1"/>
+          </a:effectRef>
+          <a:fontRef idx="minor">
+            <a:schemeClr val="tx1"/>
+          </a:fontRef>
+        </p:style>
+      </p:cxnSp>
+      <p:cxnSp>
+        <p:nvCxnSpPr>
+          <p:cNvPr id="31" name="직선 연결선 30">
+            <a:extLst>
+              <a:ext uri="{FF2B5EF4-FFF2-40B4-BE49-F238E27FC236}">
+                <a16:creationId xmlns:a16="http://schemas.microsoft.com/office/drawing/2014/main" id="{AEA527C4-94D3-1914-0B28-F0A8A291FBDD}"/>
+              </a:ext>
+            </a:extLst>
+          </p:cNvPr>
+          <p:cNvCxnSpPr/>
+          <p:nvPr/>
+        </p:nvCxnSpPr>
+        <p:spPr>
+          <a:xfrm>
+            <a:off x="2899978" y="4112419"/>
+            <a:ext cx="556549" cy="0"/>
+          </a:xfrm>
+          <a:prstGeom prst="line">
+            <a:avLst/>
+          </a:prstGeom>
+          <a:ln>
+            <a:solidFill>
+              <a:srgbClr val="10F019"/>
+            </a:solidFill>
+          </a:ln>
+        </p:spPr>
+        <p:style>
+          <a:lnRef idx="1">
+            <a:schemeClr val="accent1"/>
+          </a:lnRef>
+          <a:fillRef idx="0">
+            <a:schemeClr val="accent1"/>
+          </a:fillRef>
+          <a:effectRef idx="0">
+            <a:schemeClr val="accent1"/>
+          </a:effectRef>
+          <a:fontRef idx="minor">
+            <a:schemeClr val="tx1"/>
+          </a:fontRef>
+        </p:style>
+      </p:cxnSp>
+      <p:cxnSp>
+        <p:nvCxnSpPr>
+          <p:cNvPr id="33" name="직선 연결선 32">
+            <a:extLst>
+              <a:ext uri="{FF2B5EF4-FFF2-40B4-BE49-F238E27FC236}">
+                <a16:creationId xmlns:a16="http://schemas.microsoft.com/office/drawing/2014/main" id="{5657CBF8-5DDF-94A6-6C43-CC1C70A48171}"/>
+              </a:ext>
+            </a:extLst>
+          </p:cNvPr>
+          <p:cNvCxnSpPr/>
+          <p:nvPr/>
+        </p:nvCxnSpPr>
+        <p:spPr>
+          <a:xfrm>
+            <a:off x="2899978" y="4093369"/>
+            <a:ext cx="556549" cy="0"/>
+          </a:xfrm>
+          <a:prstGeom prst="line">
+            <a:avLst/>
+          </a:prstGeom>
+          <a:ln w="28575"/>
+        </p:spPr>
+        <p:style>
+          <a:lnRef idx="1">
+            <a:schemeClr val="dk1"/>
+          </a:lnRef>
+          <a:fillRef idx="0">
+            <a:schemeClr val="dk1"/>
+          </a:fillRef>
+          <a:effectRef idx="0">
+            <a:schemeClr val="dk1"/>
+          </a:effectRef>
+          <a:fontRef idx="minor">
+            <a:schemeClr val="tx1"/>
+          </a:fontRef>
+        </p:style>
+      </p:cxnSp>
+      <p:cxnSp>
+        <p:nvCxnSpPr>
+          <p:cNvPr id="35" name="직선 연결선 34">
+            <a:extLst>
+              <a:ext uri="{FF2B5EF4-FFF2-40B4-BE49-F238E27FC236}">
+                <a16:creationId xmlns:a16="http://schemas.microsoft.com/office/drawing/2014/main" id="{3A7F4471-F407-0A6F-6C36-22CCCF25508D}"/>
+              </a:ext>
+            </a:extLst>
+          </p:cNvPr>
+          <p:cNvCxnSpPr/>
+          <p:nvPr/>
+        </p:nvCxnSpPr>
+        <p:spPr>
+          <a:xfrm>
+            <a:off x="2899978" y="4064794"/>
+            <a:ext cx="556549" cy="0"/>
+          </a:xfrm>
+          <a:prstGeom prst="line">
+            <a:avLst/>
+          </a:prstGeom>
+          <a:ln w="28575">
+            <a:solidFill>
+              <a:srgbClr val="AAAAAA"/>
+            </a:solidFill>
+          </a:ln>
+        </p:spPr>
+        <p:style>
+          <a:lnRef idx="1">
+            <a:schemeClr val="accent1"/>
+          </a:lnRef>
+          <a:fillRef idx="0">
+            <a:schemeClr val="accent1"/>
+          </a:fillRef>
+          <a:effectRef idx="0">
+            <a:schemeClr val="accent1"/>
+          </a:effectRef>
+          <a:fontRef idx="minor">
+            <a:schemeClr val="tx1"/>
+          </a:fontRef>
+        </p:style>
+      </p:cxnSp>
+      <p:cxnSp>
+        <p:nvCxnSpPr>
+          <p:cNvPr id="36" name="직선 연결선 35">
+            <a:extLst>
+              <a:ext uri="{FF2B5EF4-FFF2-40B4-BE49-F238E27FC236}">
+                <a16:creationId xmlns:a16="http://schemas.microsoft.com/office/drawing/2014/main" id="{0ED0CEF9-DC2E-4F28-D6CC-7D8607FA3B24}"/>
+              </a:ext>
+            </a:extLst>
+          </p:cNvPr>
+          <p:cNvCxnSpPr/>
+          <p:nvPr/>
+        </p:nvCxnSpPr>
+        <p:spPr>
+          <a:xfrm>
+            <a:off x="2899978" y="4040982"/>
+            <a:ext cx="556549" cy="0"/>
+          </a:xfrm>
+          <a:prstGeom prst="line">
+            <a:avLst/>
+          </a:prstGeom>
+          <a:ln w="19050">
+            <a:solidFill>
+              <a:srgbClr val="E9B743"/>
+            </a:solidFill>
+          </a:ln>
+        </p:spPr>
+        <p:style>
+          <a:lnRef idx="1">
+            <a:schemeClr val="accent1"/>
+          </a:lnRef>
+          <a:fillRef idx="0">
+            <a:schemeClr val="accent1"/>
+          </a:fillRef>
+          <a:effectRef idx="0">
+            <a:schemeClr val="accent1"/>
+          </a:effectRef>
+          <a:fontRef idx="minor">
+            <a:schemeClr val="tx1"/>
+          </a:fontRef>
+        </p:style>
+      </p:cxnSp>
+      <p:sp>
+        <p:nvSpPr>
+          <p:cNvPr id="37" name="직사각형 36">
+            <a:extLst>
+              <a:ext uri="{FF2B5EF4-FFF2-40B4-BE49-F238E27FC236}">
+                <a16:creationId xmlns:a16="http://schemas.microsoft.com/office/drawing/2014/main" id="{5F886319-A5D9-5814-5E61-68D3314B851B}"/>
+              </a:ext>
+            </a:extLst>
+          </p:cNvPr>
+          <p:cNvSpPr/>
+          <p:nvPr/>
+        </p:nvSpPr>
+        <p:spPr>
+          <a:xfrm>
+            <a:off x="3671338" y="4064794"/>
+            <a:ext cx="556549" cy="45719"/>
+          </a:xfrm>
+          <a:prstGeom prst="rect">
+            <a:avLst/>
+          </a:prstGeom>
+          <a:solidFill>
+            <a:srgbClr val="10F019"/>
+          </a:solidFill>
+          <a:ln>
+            <a:noFill/>
+          </a:ln>
+        </p:spPr>
+        <p:style>
+          <a:lnRef idx="2">
+            <a:schemeClr val="accent1">
+              <a:shade val="50000"/>
+            </a:schemeClr>
+          </a:lnRef>
+          <a:fillRef idx="1">
+            <a:schemeClr val="accent1"/>
+          </a:fillRef>
+          <a:effectRef idx="0">
+            <a:schemeClr val="accent1"/>
+          </a:effectRef>
+          <a:fontRef idx="minor">
+            <a:schemeClr val="lt1"/>
+          </a:fontRef>
+        </p:style>
+        <p:txBody>
+          <a:bodyPr rtlCol="0" anchor="ctr"/>
+          <a:lstStyle/>
+          <a:p>
+            <a:pPr algn="ctr"/>
+            <a:endParaRPr lang="ko-KR" altLang="en-US"/>
+          </a:p>
+        </p:txBody>
+      </p:sp>
+      <p:sp>
+        <p:nvSpPr>
+          <p:cNvPr id="38" name="직사각형 37">
+            <a:extLst>
+              <a:ext uri="{FF2B5EF4-FFF2-40B4-BE49-F238E27FC236}">
+                <a16:creationId xmlns:a16="http://schemas.microsoft.com/office/drawing/2014/main" id="{383C6871-6D16-281E-2D7D-EB0FCD6BDE15}"/>
+              </a:ext>
+            </a:extLst>
+          </p:cNvPr>
+          <p:cNvSpPr/>
+          <p:nvPr/>
+        </p:nvSpPr>
+        <p:spPr>
+          <a:xfrm flipV="1">
+            <a:off x="3670200" y="4038975"/>
+            <a:ext cx="562114" cy="28642"/>
+          </a:xfrm>
+          <a:prstGeom prst="rect">
+            <a:avLst/>
+          </a:prstGeom>
+          <a:solidFill>
+            <a:schemeClr val="tx1"/>
+          </a:solidFill>
+          <a:ln>
+            <a:noFill/>
+          </a:ln>
+        </p:spPr>
+        <p:style>
+          <a:lnRef idx="2">
+            <a:schemeClr val="accent1">
+              <a:shade val="50000"/>
+            </a:schemeClr>
+          </a:lnRef>
+          <a:fillRef idx="1">
+            <a:schemeClr val="accent1"/>
+          </a:fillRef>
+          <a:effectRef idx="0">
+            <a:schemeClr val="accent1"/>
+          </a:effectRef>
+          <a:fontRef idx="minor">
+            <a:schemeClr val="lt1"/>
+          </a:fontRef>
+        </p:style>
+        <p:txBody>
+          <a:bodyPr rtlCol="0" anchor="ctr"/>
+          <a:lstStyle/>
+          <a:p>
+            <a:pPr algn="ctr"/>
+            <a:endParaRPr lang="ko-KR" altLang="en-US"/>
+          </a:p>
+        </p:txBody>
+      </p:sp>
+      <p:sp>
+        <p:nvSpPr>
+          <p:cNvPr id="39" name="직사각형 38">
+            <a:extLst>
+              <a:ext uri="{FF2B5EF4-FFF2-40B4-BE49-F238E27FC236}">
+                <a16:creationId xmlns:a16="http://schemas.microsoft.com/office/drawing/2014/main" id="{367D41ED-386C-7867-16C7-C92DA50B3D73}"/>
+              </a:ext>
+            </a:extLst>
+          </p:cNvPr>
+          <p:cNvSpPr/>
+          <p:nvPr/>
+        </p:nvSpPr>
+        <p:spPr>
+          <a:xfrm flipV="1">
+            <a:off x="3671730" y="4016194"/>
+            <a:ext cx="562114" cy="20832"/>
+          </a:xfrm>
+          <a:prstGeom prst="rect">
+            <a:avLst/>
+          </a:prstGeom>
+          <a:solidFill>
+            <a:srgbClr val="AAAAAA"/>
+          </a:solidFill>
+          <a:ln>
+            <a:noFill/>
+          </a:ln>
+        </p:spPr>
+        <p:style>
+          <a:lnRef idx="2">
+            <a:schemeClr val="accent1">
+              <a:shade val="50000"/>
+            </a:schemeClr>
+          </a:lnRef>
+          <a:fillRef idx="1">
+            <a:schemeClr val="accent1"/>
+          </a:fillRef>
+          <a:effectRef idx="0">
+            <a:schemeClr val="accent1"/>
+          </a:effectRef>
+          <a:fontRef idx="minor">
+            <a:schemeClr val="lt1"/>
+          </a:fontRef>
+        </p:style>
+        <p:txBody>
+          <a:bodyPr rtlCol="0" anchor="ctr"/>
+          <a:lstStyle/>
+          <a:p>
+            <a:pPr algn="ctr"/>
+            <a:endParaRPr lang="ko-KR" altLang="en-US" dirty="0"/>
+          </a:p>
+        </p:txBody>
+      </p:sp>
+      <p:cxnSp>
+        <p:nvCxnSpPr>
+          <p:cNvPr id="42" name="직선 연결선 41">
+            <a:extLst>
+              <a:ext uri="{FF2B5EF4-FFF2-40B4-BE49-F238E27FC236}">
+                <a16:creationId xmlns:a16="http://schemas.microsoft.com/office/drawing/2014/main" id="{063D5D3A-13F2-D07C-1D46-5B64A7013D68}"/>
+              </a:ext>
+            </a:extLst>
+          </p:cNvPr>
+          <p:cNvCxnSpPr/>
+          <p:nvPr/>
+        </p:nvCxnSpPr>
+        <p:spPr>
+          <a:xfrm>
+            <a:off x="3670200" y="4003675"/>
+            <a:ext cx="557687" cy="0"/>
+          </a:xfrm>
+          <a:prstGeom prst="line">
+            <a:avLst/>
+          </a:prstGeom>
+          <a:ln w="19050">
+            <a:solidFill>
+              <a:srgbClr val="FFC000"/>
+            </a:solidFill>
+          </a:ln>
+        </p:spPr>
+        <p:style>
+          <a:lnRef idx="1">
+            <a:schemeClr val="accent1"/>
+          </a:lnRef>
+          <a:fillRef idx="0">
+            <a:schemeClr val="accent1"/>
+          </a:fillRef>
+          <a:effectRef idx="0">
+            <a:schemeClr val="accent1"/>
+          </a:effectRef>
+          <a:fontRef idx="minor">
+            <a:schemeClr val="tx1"/>
+          </a:fontRef>
+        </p:style>
+      </p:cxnSp>
+      <p:sp>
+        <p:nvSpPr>
+          <p:cNvPr id="43" name="직사각형 42">
+            <a:extLst>
+              <a:ext uri="{FF2B5EF4-FFF2-40B4-BE49-F238E27FC236}">
+                <a16:creationId xmlns:a16="http://schemas.microsoft.com/office/drawing/2014/main" id="{7E5A4372-6E81-6168-DFC9-05D1931F5F9A}"/>
+              </a:ext>
+            </a:extLst>
+          </p:cNvPr>
+          <p:cNvSpPr/>
+          <p:nvPr/>
+        </p:nvSpPr>
+        <p:spPr>
+          <a:xfrm>
+            <a:off x="4442698" y="4016195"/>
+            <a:ext cx="556549" cy="97612"/>
+          </a:xfrm>
+          <a:prstGeom prst="rect">
+            <a:avLst/>
+          </a:prstGeom>
+          <a:solidFill>
+            <a:srgbClr val="10F019"/>
+          </a:solidFill>
+          <a:ln>
+            <a:noFill/>
+          </a:ln>
+        </p:spPr>
+        <p:style>
+          <a:lnRef idx="2">
+            <a:schemeClr val="accent1">
+              <a:shade val="50000"/>
+            </a:schemeClr>
+          </a:lnRef>
+          <a:fillRef idx="1">
+            <a:schemeClr val="accent1"/>
+          </a:fillRef>
+          <a:effectRef idx="0">
+            <a:schemeClr val="accent1"/>
+          </a:effectRef>
+          <a:fontRef idx="minor">
+            <a:schemeClr val="lt1"/>
+          </a:fontRef>
+        </p:style>
+        <p:txBody>
+          <a:bodyPr rtlCol="0" anchor="ctr"/>
+          <a:lstStyle/>
+          <a:p>
+            <a:pPr algn="ctr"/>
+            <a:endParaRPr lang="ko-KR" altLang="en-US"/>
+          </a:p>
+        </p:txBody>
+      </p:sp>
+      <p:sp>
+        <p:nvSpPr>
+          <p:cNvPr id="44" name="직사각형 43">
+            <a:extLst>
+              <a:ext uri="{FF2B5EF4-FFF2-40B4-BE49-F238E27FC236}">
+                <a16:creationId xmlns:a16="http://schemas.microsoft.com/office/drawing/2014/main" id="{C2A57CF5-B179-B0A1-6E0D-FDCFB83224DD}"/>
+              </a:ext>
+            </a:extLst>
+          </p:cNvPr>
+          <p:cNvSpPr/>
+          <p:nvPr/>
+        </p:nvSpPr>
+        <p:spPr>
+          <a:xfrm flipV="1">
+            <a:off x="4437840" y="3971490"/>
+            <a:ext cx="562114" cy="45719"/>
+          </a:xfrm>
+          <a:prstGeom prst="rect">
+            <a:avLst/>
+          </a:prstGeom>
+          <a:solidFill>
+            <a:schemeClr val="tx1"/>
+          </a:solidFill>
+          <a:ln>
+            <a:noFill/>
+          </a:ln>
+        </p:spPr>
+        <p:style>
+          <a:lnRef idx="2">
+            <a:schemeClr val="accent1">
+              <a:shade val="50000"/>
+            </a:schemeClr>
+          </a:lnRef>
+          <a:fillRef idx="1">
+            <a:schemeClr val="accent1"/>
+          </a:fillRef>
+          <a:effectRef idx="0">
+            <a:schemeClr val="accent1"/>
+          </a:effectRef>
+          <a:fontRef idx="minor">
+            <a:schemeClr val="lt1"/>
+          </a:fontRef>
+        </p:style>
+        <p:txBody>
+          <a:bodyPr rtlCol="0" anchor="ctr"/>
+          <a:lstStyle/>
+          <a:p>
+            <a:pPr algn="ctr"/>
+            <a:endParaRPr lang="ko-KR" altLang="en-US"/>
+          </a:p>
+        </p:txBody>
+      </p:sp>
+      <p:sp>
+        <p:nvSpPr>
+          <p:cNvPr id="45" name="직사각형 44">
+            <a:extLst>
+              <a:ext uri="{FF2B5EF4-FFF2-40B4-BE49-F238E27FC236}">
+                <a16:creationId xmlns:a16="http://schemas.microsoft.com/office/drawing/2014/main" id="{0C4CFD70-0BA6-1BEB-56C0-5861070FC40B}"/>
+              </a:ext>
+            </a:extLst>
+          </p:cNvPr>
+          <p:cNvSpPr/>
+          <p:nvPr/>
+        </p:nvSpPr>
+        <p:spPr>
+          <a:xfrm flipV="1">
+            <a:off x="4437840" y="3933104"/>
+            <a:ext cx="562114" cy="43069"/>
+          </a:xfrm>
+          <a:prstGeom prst="rect">
+            <a:avLst/>
+          </a:prstGeom>
+          <a:solidFill>
+            <a:srgbClr val="AAAAAA"/>
+          </a:solidFill>
+          <a:ln>
+            <a:noFill/>
+          </a:ln>
+        </p:spPr>
+        <p:style>
+          <a:lnRef idx="2">
+            <a:schemeClr val="accent1">
+              <a:shade val="50000"/>
+            </a:schemeClr>
+          </a:lnRef>
+          <a:fillRef idx="1">
+            <a:schemeClr val="accent1"/>
+          </a:fillRef>
+          <a:effectRef idx="0">
+            <a:schemeClr val="accent1"/>
+          </a:effectRef>
+          <a:fontRef idx="minor">
+            <a:schemeClr val="lt1"/>
+          </a:fontRef>
+        </p:style>
+        <p:txBody>
+          <a:bodyPr rtlCol="0" anchor="ctr"/>
+          <a:lstStyle/>
+          <a:p>
+            <a:pPr algn="ctr"/>
+            <a:endParaRPr lang="ko-KR" altLang="en-US" dirty="0"/>
+          </a:p>
+        </p:txBody>
+      </p:sp>
+      <p:cxnSp>
+        <p:nvCxnSpPr>
+          <p:cNvPr id="46" name="직선 연결선 45">
+            <a:extLst>
+              <a:ext uri="{FF2B5EF4-FFF2-40B4-BE49-F238E27FC236}">
+                <a16:creationId xmlns:a16="http://schemas.microsoft.com/office/drawing/2014/main" id="{93229584-E13D-BAEB-FEEA-5ED7DF1CCC35}"/>
+              </a:ext>
+            </a:extLst>
+          </p:cNvPr>
+          <p:cNvCxnSpPr/>
+          <p:nvPr/>
+        </p:nvCxnSpPr>
+        <p:spPr>
+          <a:xfrm>
+            <a:off x="5187491" y="3690217"/>
+            <a:ext cx="568897" cy="0"/>
+          </a:xfrm>
+          <a:prstGeom prst="line">
+            <a:avLst/>
+          </a:prstGeom>
+          <a:ln w="19050">
+            <a:solidFill>
+              <a:srgbClr val="FFC000"/>
+            </a:solidFill>
+          </a:ln>
+        </p:spPr>
+        <p:style>
+          <a:lnRef idx="1">
+            <a:schemeClr val="accent1"/>
+          </a:lnRef>
+          <a:fillRef idx="0">
+            <a:schemeClr val="accent1"/>
+          </a:fillRef>
+          <a:effectRef idx="0">
+            <a:schemeClr val="accent1"/>
+          </a:effectRef>
+          <a:fontRef idx="minor">
+            <a:schemeClr val="tx1"/>
+          </a:fontRef>
+        </p:style>
+      </p:cxnSp>
+      <p:sp>
+        <p:nvSpPr>
+          <p:cNvPr id="47" name="직사각형 46">
+            <a:extLst>
+              <a:ext uri="{FF2B5EF4-FFF2-40B4-BE49-F238E27FC236}">
+                <a16:creationId xmlns:a16="http://schemas.microsoft.com/office/drawing/2014/main" id="{AACEBC7C-3EE0-F515-A82E-1E53C056C74A}"/>
+              </a:ext>
+            </a:extLst>
+          </p:cNvPr>
+          <p:cNvSpPr/>
+          <p:nvPr/>
+        </p:nvSpPr>
+        <p:spPr>
+          <a:xfrm>
+            <a:off x="5216144" y="3919287"/>
+            <a:ext cx="556549" cy="190652"/>
+          </a:xfrm>
+          <a:prstGeom prst="rect">
+            <a:avLst/>
+          </a:prstGeom>
+          <a:solidFill>
+            <a:srgbClr val="10F019"/>
+          </a:solidFill>
+          <a:ln>
+            <a:noFill/>
+          </a:ln>
+        </p:spPr>
+        <p:style>
+          <a:lnRef idx="2">
+            <a:schemeClr val="accent1">
+              <a:shade val="50000"/>
+            </a:schemeClr>
+          </a:lnRef>
+          <a:fillRef idx="1">
+            <a:schemeClr val="accent1"/>
+          </a:fillRef>
+          <a:effectRef idx="0">
+            <a:schemeClr val="accent1"/>
+          </a:effectRef>
+          <a:fontRef idx="minor">
+            <a:schemeClr val="lt1"/>
+          </a:fontRef>
+        </p:style>
+        <p:txBody>
+          <a:bodyPr rtlCol="0" anchor="ctr"/>
+          <a:lstStyle/>
+          <a:p>
+            <a:pPr algn="ctr"/>
+            <a:endParaRPr lang="ko-KR" altLang="en-US"/>
+          </a:p>
+        </p:txBody>
+      </p:sp>
+      <p:sp>
+        <p:nvSpPr>
+          <p:cNvPr id="48" name="직사각형 47">
+            <a:extLst>
+              <a:ext uri="{FF2B5EF4-FFF2-40B4-BE49-F238E27FC236}">
+                <a16:creationId xmlns:a16="http://schemas.microsoft.com/office/drawing/2014/main" id="{4B77C05D-DC65-707B-33E2-1E8CD1EBC1B4}"/>
+              </a:ext>
+            </a:extLst>
+          </p:cNvPr>
+          <p:cNvSpPr/>
+          <p:nvPr/>
+        </p:nvSpPr>
+        <p:spPr>
+          <a:xfrm flipV="1">
+            <a:off x="5215665" y="3819587"/>
+            <a:ext cx="556549" cy="99454"/>
+          </a:xfrm>
+          <a:prstGeom prst="rect">
+            <a:avLst/>
+          </a:prstGeom>
+          <a:solidFill>
+            <a:schemeClr val="tx1"/>
+          </a:solidFill>
+          <a:ln>
+            <a:noFill/>
+          </a:ln>
+        </p:spPr>
+        <p:style>
+          <a:lnRef idx="2">
+            <a:schemeClr val="accent1">
+              <a:shade val="50000"/>
+            </a:schemeClr>
+          </a:lnRef>
+          <a:fillRef idx="1">
+            <a:schemeClr val="accent1"/>
+          </a:fillRef>
+          <a:effectRef idx="0">
+            <a:schemeClr val="accent1"/>
+          </a:effectRef>
+          <a:fontRef idx="minor">
+            <a:schemeClr val="lt1"/>
+          </a:fontRef>
+        </p:style>
+        <p:txBody>
+          <a:bodyPr rtlCol="0" anchor="ctr"/>
+          <a:lstStyle/>
+          <a:p>
+            <a:pPr algn="ctr"/>
+            <a:endParaRPr lang="ko-KR" altLang="en-US"/>
+          </a:p>
+        </p:txBody>
+      </p:sp>
+      <p:sp>
+        <p:nvSpPr>
+          <p:cNvPr id="49" name="직사각형 48">
+            <a:extLst>
+              <a:ext uri="{FF2B5EF4-FFF2-40B4-BE49-F238E27FC236}">
+                <a16:creationId xmlns:a16="http://schemas.microsoft.com/office/drawing/2014/main" id="{6DF88726-9D5A-FE1A-A1A6-76415544F977}"/>
+              </a:ext>
+            </a:extLst>
+          </p:cNvPr>
+          <p:cNvSpPr/>
+          <p:nvPr/>
+        </p:nvSpPr>
+        <p:spPr>
+          <a:xfrm flipV="1">
+            <a:off x="5215665" y="3776652"/>
+            <a:ext cx="556549" cy="43069"/>
+          </a:xfrm>
+          <a:prstGeom prst="rect">
+            <a:avLst/>
+          </a:prstGeom>
+          <a:solidFill>
+            <a:srgbClr val="AAAAAA"/>
+          </a:solidFill>
+          <a:ln>
+            <a:noFill/>
+          </a:ln>
+        </p:spPr>
+        <p:style>
+          <a:lnRef idx="2">
+            <a:schemeClr val="accent1">
+              <a:shade val="50000"/>
+            </a:schemeClr>
+          </a:lnRef>
+          <a:fillRef idx="1">
+            <a:schemeClr val="accent1"/>
+          </a:fillRef>
+          <a:effectRef idx="0">
+            <a:schemeClr val="accent1"/>
+          </a:effectRef>
+          <a:fontRef idx="minor">
+            <a:schemeClr val="lt1"/>
+          </a:fontRef>
+        </p:style>
+        <p:txBody>
+          <a:bodyPr rtlCol="0" anchor="ctr"/>
+          <a:lstStyle/>
+          <a:p>
+            <a:pPr algn="ctr"/>
+            <a:endParaRPr lang="ko-KR" altLang="en-US" dirty="0"/>
+          </a:p>
+        </p:txBody>
+      </p:sp>
+      <p:cxnSp>
+        <p:nvCxnSpPr>
+          <p:cNvPr id="50" name="직선 연결선 49">
+            <a:extLst>
+              <a:ext uri="{FF2B5EF4-FFF2-40B4-BE49-F238E27FC236}">
+                <a16:creationId xmlns:a16="http://schemas.microsoft.com/office/drawing/2014/main" id="{374B09E5-E627-8FB9-297F-2929771685AA}"/>
+              </a:ext>
+            </a:extLst>
+          </p:cNvPr>
+          <p:cNvCxnSpPr/>
+          <p:nvPr/>
+        </p:nvCxnSpPr>
+        <p:spPr>
+          <a:xfrm>
+            <a:off x="5215095" y="3776652"/>
+            <a:ext cx="557687" cy="0"/>
+          </a:xfrm>
+          <a:prstGeom prst="line">
+            <a:avLst/>
+          </a:prstGeom>
+          <a:ln w="19050">
+            <a:solidFill>
+              <a:srgbClr val="5D9AD3"/>
+            </a:solidFill>
+          </a:ln>
+        </p:spPr>
+        <p:style>
+          <a:lnRef idx="1">
+            <a:schemeClr val="accent1"/>
+          </a:lnRef>
+          <a:fillRef idx="0">
+            <a:schemeClr val="accent1"/>
+          </a:fillRef>
+          <a:effectRef idx="0">
+            <a:schemeClr val="accent1"/>
+          </a:effectRef>
+          <a:fontRef idx="minor">
+            <a:schemeClr val="tx1"/>
+          </a:fontRef>
+        </p:style>
+      </p:cxnSp>
+    </p:spTree>
+    <p:extLst>
+      <p:ext uri="{BB962C8B-B14F-4D97-AF65-F5344CB8AC3E}">
+        <p14:creationId xmlns:p14="http://schemas.microsoft.com/office/powerpoint/2010/main" val="3636928936"/>
+      </p:ext>
+    </p:extLst>
+  </p:cSld>
+  <p:clrMapOvr>
+    <a:masterClrMapping/>
+  </p:clrMapOvr>
+</p:sld>
+</file>
+
+<file path=ppt/slides/slide3.xml><?xml version="1.0" encoding="utf-8"?>
+<p:sld xmlns:a="http://schemas.openxmlformats.org/drawingml/2006/main" xmlns:r="http://schemas.openxmlformats.org/officeDocument/2006/relationships" xmlns:p="http://schemas.openxmlformats.org/presentationml/2006/main">
+  <p:cSld>
+    <p:spTree>
+      <p:nvGrpSpPr>
+        <p:cNvPr id="1" name=""/>
+        <p:cNvGrpSpPr/>
+        <p:nvPr/>
+      </p:nvGrpSpPr>
+      <p:grpSpPr>
+        <a:xfrm>
+          <a:off x="0" y="0"/>
+          <a:ext cx="0" cy="0"/>
+          <a:chOff x="0" y="0"/>
+          <a:chExt cx="0" cy="0"/>
+        </a:xfrm>
+      </p:grpSpPr>
+      <p:pic>
+        <p:nvPicPr>
+          <p:cNvPr id="4" name="Picture 4" descr="기사 이미지">
+            <a:extLst>
+              <a:ext uri="{FF2B5EF4-FFF2-40B4-BE49-F238E27FC236}">
+                <a16:creationId xmlns:a16="http://schemas.microsoft.com/office/drawing/2014/main" id="{43B41F98-4062-65D5-9460-9BA5A80BE094}"/>
+              </a:ext>
+            </a:extLst>
+          </p:cNvPr>
+          <p:cNvPicPr>
+            <a:picLocks noChangeAspect="1" noChangeArrowheads="1"/>
+          </p:cNvPicPr>
+          <p:nvPr/>
+        </p:nvPicPr>
+        <p:blipFill>
+          <a:blip r:embed="rId2">
+            <a:extLst>
+              <a:ext uri="{28A0092B-C50C-407E-A947-70E740481C1C}">
+                <a14:useLocalDpi xmlns:a14="http://schemas.microsoft.com/office/drawing/2010/main" val="0"/>
+              </a:ext>
+            </a:extLst>
+          </a:blip>
+          <a:srcRect/>
+          <a:stretch>
+            <a:fillRect/>
+          </a:stretch>
+        </p:blipFill>
+        <p:spPr bwMode="auto">
+          <a:xfrm>
+            <a:off x="2623881" y="1089988"/>
+            <a:ext cx="5810250" cy="3429000"/>
+          </a:xfrm>
+          <a:prstGeom prst="rect">
+            <a:avLst/>
+          </a:prstGeom>
+          <a:noFill/>
+          <a:extLst>
+            <a:ext uri="{909E8E84-426E-40DD-AFC4-6F175D3DCCD1}">
+              <a14:hiddenFill xmlns:a14="http://schemas.microsoft.com/office/drawing/2010/main">
+                <a:solidFill>
+                  <a:srgbClr val="FFFFFF"/>
+                </a:solidFill>
+              </a14:hiddenFill>
+            </a:ext>
+          </a:extLst>
+        </p:spPr>
+      </p:pic>
+      <p:sp>
+        <p:nvSpPr>
+          <p:cNvPr id="6" name="직사각형 5">
+            <a:extLst>
+              <a:ext uri="{FF2B5EF4-FFF2-40B4-BE49-F238E27FC236}">
+                <a16:creationId xmlns:a16="http://schemas.microsoft.com/office/drawing/2014/main" id="{9E9F6975-29BB-0491-4F07-6C9929F6EF77}"/>
+              </a:ext>
+            </a:extLst>
+          </p:cNvPr>
+          <p:cNvSpPr/>
+          <p:nvPr/>
+        </p:nvSpPr>
+        <p:spPr>
+          <a:xfrm>
+            <a:off x="2598656" y="1140969"/>
+            <a:ext cx="3497344" cy="377072"/>
+          </a:xfrm>
+          <a:prstGeom prst="rect">
+            <a:avLst/>
+          </a:prstGeom>
+          <a:solidFill>
+            <a:schemeClr val="bg1"/>
+          </a:solidFill>
+          <a:ln>
+            <a:noFill/>
+          </a:ln>
+        </p:spPr>
+        <p:style>
+          <a:lnRef idx="2">
+            <a:schemeClr val="accent1">
+              <a:shade val="50000"/>
+            </a:schemeClr>
+          </a:lnRef>
+          <a:fillRef idx="1">
+            <a:schemeClr val="accent1"/>
+          </a:fillRef>
+          <a:effectRef idx="0">
+            <a:schemeClr val="accent1"/>
+          </a:effectRef>
+          <a:fontRef idx="minor">
+            <a:schemeClr val="lt1"/>
+          </a:fontRef>
+        </p:style>
+        <p:txBody>
+          <a:bodyPr rtlCol="0" anchor="ctr"/>
+          <a:lstStyle/>
+          <a:p>
+            <a:pPr algn="ctr"/>
+            <a:endParaRPr lang="ko-KR" altLang="en-US"/>
+          </a:p>
+        </p:txBody>
+      </p:sp>
+      <p:sp>
+        <p:nvSpPr>
+          <p:cNvPr id="19" name="직사각형 18">
+            <a:extLst>
+              <a:ext uri="{FF2B5EF4-FFF2-40B4-BE49-F238E27FC236}">
+                <a16:creationId xmlns:a16="http://schemas.microsoft.com/office/drawing/2014/main" id="{D9F04048-35BD-8DEC-2DA2-95134F1EE049}"/>
+              </a:ext>
+            </a:extLst>
+          </p:cNvPr>
+          <p:cNvSpPr/>
+          <p:nvPr/>
+        </p:nvSpPr>
+        <p:spPr>
+          <a:xfrm>
+            <a:off x="2598656" y="1420818"/>
+            <a:ext cx="5150884" cy="377072"/>
+          </a:xfrm>
+          <a:prstGeom prst="rect">
+            <a:avLst/>
+          </a:prstGeom>
+          <a:solidFill>
+            <a:schemeClr val="bg1"/>
+          </a:solidFill>
+          <a:ln>
+            <a:noFill/>
+          </a:ln>
+        </p:spPr>
+        <p:style>
+          <a:lnRef idx="2">
+            <a:schemeClr val="accent1">
+              <a:shade val="50000"/>
+            </a:schemeClr>
+          </a:lnRef>
+          <a:fillRef idx="1">
+            <a:schemeClr val="accent1"/>
+          </a:fillRef>
+          <a:effectRef idx="0">
+            <a:schemeClr val="accent1"/>
+          </a:effectRef>
+          <a:fontRef idx="minor">
+            <a:schemeClr val="lt1"/>
+          </a:fontRef>
+        </p:style>
+        <p:txBody>
+          <a:bodyPr rtlCol="0" anchor="ctr"/>
+          <a:lstStyle/>
+          <a:p>
+            <a:pPr algn="ctr"/>
+            <a:endParaRPr lang="ko-KR" altLang="en-US"/>
+          </a:p>
+        </p:txBody>
+      </p:sp>
+      <p:sp>
+        <p:nvSpPr>
+          <p:cNvPr id="7" name="직사각형 6">
+            <a:extLst>
+              <a:ext uri="{FF2B5EF4-FFF2-40B4-BE49-F238E27FC236}">
+                <a16:creationId xmlns:a16="http://schemas.microsoft.com/office/drawing/2014/main" id="{D6DE9395-AB8D-075C-8D10-02F1DDE5A377}"/>
+              </a:ext>
+            </a:extLst>
+          </p:cNvPr>
+          <p:cNvSpPr/>
+          <p:nvPr/>
+        </p:nvSpPr>
+        <p:spPr>
+          <a:xfrm>
+            <a:off x="2563157" y="1505117"/>
+            <a:ext cx="156083" cy="156084"/>
+          </a:xfrm>
+          <a:prstGeom prst="rect">
+            <a:avLst/>
+          </a:prstGeom>
+          <a:solidFill>
+            <a:srgbClr val="10F019"/>
+          </a:solidFill>
+          <a:ln>
+            <a:noFill/>
+          </a:ln>
+        </p:spPr>
+        <p:style>
+          <a:lnRef idx="2">
+            <a:schemeClr val="accent1">
+              <a:shade val="50000"/>
+            </a:schemeClr>
+          </a:lnRef>
+          <a:fillRef idx="1">
+            <a:schemeClr val="accent1"/>
+          </a:fillRef>
+          <a:effectRef idx="0">
+            <a:schemeClr val="accent1"/>
+          </a:effectRef>
+          <a:fontRef idx="minor">
+            <a:schemeClr val="lt1"/>
+          </a:fontRef>
+        </p:style>
+        <p:txBody>
+          <a:bodyPr rtlCol="0" anchor="ctr"/>
+          <a:lstStyle/>
+          <a:p>
+            <a:pPr algn="ctr"/>
+            <a:endParaRPr lang="ko-KR" altLang="en-US"/>
+          </a:p>
+        </p:txBody>
+      </p:sp>
+      <p:sp>
+        <p:nvSpPr>
+          <p:cNvPr id="8" name="직사각형 7">
+            <a:extLst>
+              <a:ext uri="{FF2B5EF4-FFF2-40B4-BE49-F238E27FC236}">
+                <a16:creationId xmlns:a16="http://schemas.microsoft.com/office/drawing/2014/main" id="{5F420AF4-B56D-A017-C295-8EFA5E6BBD54}"/>
+              </a:ext>
+            </a:extLst>
+          </p:cNvPr>
+          <p:cNvSpPr/>
+          <p:nvPr/>
+        </p:nvSpPr>
+        <p:spPr>
+          <a:xfrm>
+            <a:off x="3253721" y="1500941"/>
+            <a:ext cx="156083" cy="156084"/>
+          </a:xfrm>
+          <a:prstGeom prst="rect">
+            <a:avLst/>
+          </a:prstGeom>
+          <a:solidFill>
+            <a:srgbClr val="000000"/>
+          </a:solidFill>
+          <a:ln>
+            <a:noFill/>
+          </a:ln>
+        </p:spPr>
+        <p:style>
+          <a:lnRef idx="2">
+            <a:schemeClr val="accent1">
+              <a:shade val="50000"/>
+            </a:schemeClr>
+          </a:lnRef>
+          <a:fillRef idx="1">
+            <a:schemeClr val="accent1"/>
+          </a:fillRef>
+          <a:effectRef idx="0">
+            <a:schemeClr val="accent1"/>
+          </a:effectRef>
+          <a:fontRef idx="minor">
+            <a:schemeClr val="lt1"/>
+          </a:fontRef>
+        </p:style>
+        <p:txBody>
+          <a:bodyPr rtlCol="0" anchor="ctr"/>
+          <a:lstStyle/>
+          <a:p>
+            <a:pPr algn="ctr"/>
+            <a:endParaRPr lang="ko-KR" altLang="en-US"/>
+          </a:p>
+        </p:txBody>
+      </p:sp>
+      <p:sp>
+        <p:nvSpPr>
+          <p:cNvPr id="9" name="직사각형 8">
+            <a:extLst>
+              <a:ext uri="{FF2B5EF4-FFF2-40B4-BE49-F238E27FC236}">
+                <a16:creationId xmlns:a16="http://schemas.microsoft.com/office/drawing/2014/main" id="{9E390D4F-1627-6DDC-8DA6-D3A954F97544}"/>
+              </a:ext>
+            </a:extLst>
+          </p:cNvPr>
+          <p:cNvSpPr/>
+          <p:nvPr/>
+        </p:nvSpPr>
+        <p:spPr>
+          <a:xfrm>
+            <a:off x="4373285" y="1500867"/>
+            <a:ext cx="156083" cy="156084"/>
+          </a:xfrm>
+          <a:prstGeom prst="rect">
+            <a:avLst/>
+          </a:prstGeom>
+          <a:solidFill>
+            <a:srgbClr val="AAAAAA"/>
+          </a:solidFill>
+          <a:ln>
+            <a:noFill/>
+          </a:ln>
+        </p:spPr>
+        <p:style>
+          <a:lnRef idx="2">
+            <a:schemeClr val="accent1">
+              <a:shade val="50000"/>
+            </a:schemeClr>
+          </a:lnRef>
+          <a:fillRef idx="1">
+            <a:schemeClr val="accent1"/>
+          </a:fillRef>
+          <a:effectRef idx="0">
+            <a:schemeClr val="accent1"/>
+          </a:effectRef>
+          <a:fontRef idx="minor">
+            <a:schemeClr val="lt1"/>
+          </a:fontRef>
+        </p:style>
+        <p:txBody>
+          <a:bodyPr rtlCol="0" anchor="ctr"/>
+          <a:lstStyle/>
+          <a:p>
+            <a:pPr algn="ctr"/>
+            <a:endParaRPr lang="ko-KR" altLang="en-US"/>
+          </a:p>
+        </p:txBody>
+      </p:sp>
+      <p:sp>
+        <p:nvSpPr>
+          <p:cNvPr id="10" name="직사각형 9">
+            <a:extLst>
+              <a:ext uri="{FF2B5EF4-FFF2-40B4-BE49-F238E27FC236}">
+                <a16:creationId xmlns:a16="http://schemas.microsoft.com/office/drawing/2014/main" id="{A8C4150D-B127-5913-C532-9B4789B471CE}"/>
+              </a:ext>
+            </a:extLst>
+          </p:cNvPr>
+          <p:cNvSpPr/>
+          <p:nvPr/>
+        </p:nvSpPr>
+        <p:spPr>
+          <a:xfrm>
+            <a:off x="5054323" y="1505704"/>
+            <a:ext cx="156083" cy="156084"/>
+          </a:xfrm>
+          <a:prstGeom prst="rect">
+            <a:avLst/>
+          </a:prstGeom>
+          <a:solidFill>
+            <a:srgbClr val="05AFD9"/>
+          </a:solidFill>
+          <a:ln>
+            <a:noFill/>
+          </a:ln>
+        </p:spPr>
+        <p:style>
+          <a:lnRef idx="2">
+            <a:schemeClr val="accent1">
+              <a:shade val="50000"/>
+            </a:schemeClr>
+          </a:lnRef>
+          <a:fillRef idx="1">
+            <a:schemeClr val="accent1"/>
+          </a:fillRef>
+          <a:effectRef idx="0">
+            <a:schemeClr val="accent1"/>
+          </a:effectRef>
+          <a:fontRef idx="minor">
+            <a:schemeClr val="lt1"/>
+          </a:fontRef>
+        </p:style>
+        <p:txBody>
+          <a:bodyPr rtlCol="0" anchor="ctr"/>
+          <a:lstStyle/>
+          <a:p>
+            <a:pPr algn="ctr"/>
+            <a:endParaRPr lang="ko-KR" altLang="en-US"/>
+          </a:p>
+        </p:txBody>
+      </p:sp>
+      <p:sp>
+        <p:nvSpPr>
+          <p:cNvPr id="11" name="직사각형 10">
+            <a:extLst>
+              <a:ext uri="{FF2B5EF4-FFF2-40B4-BE49-F238E27FC236}">
+                <a16:creationId xmlns:a16="http://schemas.microsoft.com/office/drawing/2014/main" id="{3FD05075-43D4-B9BA-F0BC-4C93FC8B699C}"/>
+              </a:ext>
+            </a:extLst>
+          </p:cNvPr>
+          <p:cNvSpPr/>
+          <p:nvPr/>
+        </p:nvSpPr>
+        <p:spPr>
+          <a:xfrm>
+            <a:off x="6062754" y="1509879"/>
+            <a:ext cx="156083" cy="156084"/>
+          </a:xfrm>
+          <a:prstGeom prst="rect">
+            <a:avLst/>
+          </a:prstGeom>
+          <a:solidFill>
+            <a:srgbClr val="2B82A6"/>
+          </a:solidFill>
+          <a:ln>
+            <a:noFill/>
+          </a:ln>
+        </p:spPr>
+        <p:style>
+          <a:lnRef idx="2">
+            <a:schemeClr val="accent1">
+              <a:shade val="50000"/>
+            </a:schemeClr>
+          </a:lnRef>
+          <a:fillRef idx="1">
+            <a:schemeClr val="accent1"/>
+          </a:fillRef>
+          <a:effectRef idx="0">
+            <a:schemeClr val="accent1"/>
+          </a:effectRef>
+          <a:fontRef idx="minor">
+            <a:schemeClr val="lt1"/>
+          </a:fontRef>
+        </p:style>
+        <p:txBody>
+          <a:bodyPr rtlCol="0" anchor="ctr"/>
+          <a:lstStyle/>
+          <a:p>
+            <a:pPr algn="ctr"/>
+            <a:endParaRPr lang="ko-KR" altLang="en-US"/>
+          </a:p>
+        </p:txBody>
+      </p:sp>
+      <p:sp>
+        <p:nvSpPr>
+          <p:cNvPr id="13" name="TextBox 12">
+            <a:extLst>
+              <a:ext uri="{FF2B5EF4-FFF2-40B4-BE49-F238E27FC236}">
+                <a16:creationId xmlns:a16="http://schemas.microsoft.com/office/drawing/2014/main" id="{4291FEB1-249D-9019-3F48-C580E67D0545}"/>
+              </a:ext>
+            </a:extLst>
+          </p:cNvPr>
+          <p:cNvSpPr txBox="1"/>
+          <p:nvPr/>
+        </p:nvSpPr>
+        <p:spPr>
+          <a:xfrm>
+            <a:off x="2727992" y="1439896"/>
+            <a:ext cx="477751" cy="276999"/>
+          </a:xfrm>
+          <a:prstGeom prst="rect">
+            <a:avLst/>
+          </a:prstGeom>
+          <a:solidFill>
+            <a:schemeClr val="bg1"/>
+          </a:solidFill>
+        </p:spPr>
+        <p:txBody>
+          <a:bodyPr wrap="square" rtlCol="0">
+            <a:spAutoFit/>
+          </a:bodyPr>
+          <a:lstStyle/>
+          <a:p>
+            <a:r>
+              <a:rPr lang="ko-KR" altLang="en-US" sz="1200" dirty="0">
+                <a:latin typeface="나눔스퀘어OTF ExtraBold" panose="020B0600000101010101" pitchFamily="34" charset="-127"/>
+                <a:ea typeface="나눔스퀘어OTF ExtraBold" panose="020B0600000101010101" pitchFamily="34" charset="-127"/>
+              </a:rPr>
+              <a:t>중국</a:t>
+            </a:r>
+          </a:p>
+        </p:txBody>
+      </p:sp>
+      <p:sp>
+        <p:nvSpPr>
+          <p:cNvPr id="14" name="TextBox 13">
+            <a:extLst>
+              <a:ext uri="{FF2B5EF4-FFF2-40B4-BE49-F238E27FC236}">
+                <a16:creationId xmlns:a16="http://schemas.microsoft.com/office/drawing/2014/main" id="{D5BACBAA-06ED-BD3F-1AA6-903D12B34C9C}"/>
+              </a:ext>
+            </a:extLst>
+          </p:cNvPr>
+          <p:cNvSpPr txBox="1"/>
+          <p:nvPr/>
+        </p:nvSpPr>
+        <p:spPr>
+          <a:xfrm>
+            <a:off x="3448478" y="1437285"/>
+            <a:ext cx="876607" cy="197790"/>
+          </a:xfrm>
+          <a:prstGeom prst="rect">
+            <a:avLst/>
+          </a:prstGeom>
+          <a:solidFill>
+            <a:schemeClr val="bg1"/>
+          </a:solidFill>
+        </p:spPr>
+        <p:txBody>
+          <a:bodyPr wrap="square" rtlCol="0">
+            <a:spAutoFit/>
+          </a:bodyPr>
+          <a:lstStyle/>
+          <a:p>
+            <a:r>
+              <a:rPr lang="ko-KR" altLang="en-US" sz="1200" dirty="0">
+                <a:latin typeface="나눔스퀘어OTF ExtraBold" panose="020B0600000101010101" pitchFamily="34" charset="-127"/>
+                <a:ea typeface="나눔스퀘어OTF ExtraBold" panose="020B0600000101010101" pitchFamily="34" charset="-127"/>
+              </a:rPr>
+              <a:t>북아메리카</a:t>
+            </a:r>
+          </a:p>
+        </p:txBody>
+      </p:sp>
+      <p:sp>
+        <p:nvSpPr>
+          <p:cNvPr id="15" name="TextBox 14">
+            <a:extLst>
+              <a:ext uri="{FF2B5EF4-FFF2-40B4-BE49-F238E27FC236}">
+                <a16:creationId xmlns:a16="http://schemas.microsoft.com/office/drawing/2014/main" id="{68C99DF1-1A1A-1042-9279-38AA64667168}"/>
+              </a:ext>
+            </a:extLst>
+          </p:cNvPr>
+          <p:cNvSpPr txBox="1"/>
+          <p:nvPr/>
+        </p:nvSpPr>
+        <p:spPr>
+          <a:xfrm>
+            <a:off x="4552970" y="1438867"/>
+            <a:ext cx="477751" cy="276999"/>
+          </a:xfrm>
+          <a:prstGeom prst="rect">
+            <a:avLst/>
+          </a:prstGeom>
+          <a:solidFill>
+            <a:schemeClr val="bg1"/>
+          </a:solidFill>
+        </p:spPr>
+        <p:txBody>
+          <a:bodyPr wrap="square" rtlCol="0">
+            <a:spAutoFit/>
+          </a:bodyPr>
+          <a:lstStyle/>
+          <a:p>
+            <a:r>
+              <a:rPr lang="ko-KR" altLang="en-US" sz="1200" dirty="0">
+                <a:latin typeface="나눔스퀘어OTF ExtraBold" panose="020B0600000101010101" pitchFamily="34" charset="-127"/>
+                <a:ea typeface="나눔스퀘어OTF ExtraBold" panose="020B0600000101010101" pitchFamily="34" charset="-127"/>
+              </a:rPr>
+              <a:t>유럽</a:t>
+            </a:r>
+          </a:p>
+        </p:txBody>
+      </p:sp>
+      <p:sp>
+        <p:nvSpPr>
+          <p:cNvPr id="16" name="TextBox 15">
+            <a:extLst>
+              <a:ext uri="{FF2B5EF4-FFF2-40B4-BE49-F238E27FC236}">
+                <a16:creationId xmlns:a16="http://schemas.microsoft.com/office/drawing/2014/main" id="{15F5D3FE-921C-443F-77D2-D19280E86B08}"/>
+              </a:ext>
+            </a:extLst>
+          </p:cNvPr>
+          <p:cNvSpPr txBox="1"/>
+          <p:nvPr/>
+        </p:nvSpPr>
+        <p:spPr>
+          <a:xfrm>
+            <a:off x="5231534" y="1446601"/>
+            <a:ext cx="797879" cy="276999"/>
+          </a:xfrm>
+          <a:prstGeom prst="rect">
+            <a:avLst/>
+          </a:prstGeom>
+          <a:solidFill>
+            <a:schemeClr val="bg1"/>
+          </a:solidFill>
+        </p:spPr>
+        <p:txBody>
+          <a:bodyPr wrap="square" rtlCol="0">
+            <a:spAutoFit/>
+          </a:bodyPr>
+          <a:lstStyle/>
+          <a:p>
+            <a:r>
+              <a:rPr lang="ko-KR" altLang="en-US" sz="1200" dirty="0">
+                <a:latin typeface="나눔스퀘어OTF ExtraBold" panose="020B0600000101010101" pitchFamily="34" charset="-127"/>
+                <a:ea typeface="나눔스퀘어OTF ExtraBold" panose="020B0600000101010101" pitchFamily="34" charset="-127"/>
+              </a:rPr>
+              <a:t>대한민국</a:t>
+            </a:r>
+          </a:p>
+        </p:txBody>
+      </p:sp>
+      <p:sp>
+        <p:nvSpPr>
+          <p:cNvPr id="17" name="TextBox 16">
+            <a:extLst>
+              <a:ext uri="{FF2B5EF4-FFF2-40B4-BE49-F238E27FC236}">
+                <a16:creationId xmlns:a16="http://schemas.microsoft.com/office/drawing/2014/main" id="{EFC4928E-3229-A04D-7B59-71FEB9122B46}"/>
+              </a:ext>
+            </a:extLst>
+          </p:cNvPr>
+          <p:cNvSpPr txBox="1"/>
+          <p:nvPr/>
+        </p:nvSpPr>
+        <p:spPr>
+          <a:xfrm>
+            <a:off x="6218409" y="1445308"/>
+            <a:ext cx="797879" cy="276999"/>
+          </a:xfrm>
+          <a:prstGeom prst="rect">
+            <a:avLst/>
+          </a:prstGeom>
+          <a:solidFill>
+            <a:schemeClr val="bg1"/>
+          </a:solidFill>
+        </p:spPr>
+        <p:txBody>
+          <a:bodyPr wrap="square" rtlCol="0">
+            <a:spAutoFit/>
+          </a:bodyPr>
+          <a:lstStyle/>
+          <a:p>
+            <a:r>
+              <a:rPr lang="ko-KR" altLang="en-US" sz="1200" dirty="0">
+                <a:latin typeface="나눔스퀘어OTF ExtraBold" panose="020B0600000101010101" pitchFamily="34" charset="-127"/>
+                <a:ea typeface="나눔스퀘어OTF ExtraBold" panose="020B0600000101010101" pitchFamily="34" charset="-127"/>
+              </a:rPr>
+              <a:t>기타</a:t>
+            </a:r>
+          </a:p>
+        </p:txBody>
+      </p:sp>
+      <p:sp>
+        <p:nvSpPr>
+          <p:cNvPr id="18" name="TextBox 17">
+            <a:extLst>
+              <a:ext uri="{FF2B5EF4-FFF2-40B4-BE49-F238E27FC236}">
+                <a16:creationId xmlns:a16="http://schemas.microsoft.com/office/drawing/2014/main" id="{68875C3B-22E0-798D-9391-1F3778DE2D0A}"/>
+              </a:ext>
+            </a:extLst>
+          </p:cNvPr>
+          <p:cNvSpPr txBox="1"/>
+          <p:nvPr/>
+        </p:nvSpPr>
+        <p:spPr>
+          <a:xfrm>
+            <a:off x="6970998" y="1438866"/>
+            <a:ext cx="797879" cy="276999"/>
+          </a:xfrm>
+          <a:prstGeom prst="rect">
+            <a:avLst/>
+          </a:prstGeom>
+          <a:solidFill>
+            <a:schemeClr val="bg1"/>
+          </a:solidFill>
+        </p:spPr>
+        <p:txBody>
+          <a:bodyPr wrap="square" rtlCol="0">
+            <a:spAutoFit/>
+          </a:bodyPr>
+          <a:lstStyle/>
+          <a:p>
+            <a:r>
+              <a:rPr lang="ko-KR" altLang="en-US" sz="1200" dirty="0">
+                <a:latin typeface="나눔스퀘어OTF ExtraBold" panose="020B0600000101010101" pitchFamily="34" charset="-127"/>
+                <a:ea typeface="나눔스퀘어OTF ExtraBold" panose="020B0600000101010101" pitchFamily="34" charset="-127"/>
+              </a:rPr>
+              <a:t>일본</a:t>
+            </a:r>
+          </a:p>
+        </p:txBody>
+      </p:sp>
+      <p:sp>
+        <p:nvSpPr>
+          <p:cNvPr id="12" name="직사각형 11">
+            <a:extLst>
+              <a:ext uri="{FF2B5EF4-FFF2-40B4-BE49-F238E27FC236}">
+                <a16:creationId xmlns:a16="http://schemas.microsoft.com/office/drawing/2014/main" id="{032706FC-5EE2-9E4F-5784-FE113B702D98}"/>
+              </a:ext>
+            </a:extLst>
+          </p:cNvPr>
+          <p:cNvSpPr/>
+          <p:nvPr/>
+        </p:nvSpPr>
+        <p:spPr>
+          <a:xfrm>
+            <a:off x="6748329" y="1505427"/>
+            <a:ext cx="156083" cy="156084"/>
+          </a:xfrm>
+          <a:prstGeom prst="rect">
+            <a:avLst/>
+          </a:prstGeom>
+          <a:solidFill>
+            <a:srgbClr val="E9B743"/>
+          </a:solidFill>
+          <a:ln>
+            <a:noFill/>
+          </a:ln>
+        </p:spPr>
+        <p:style>
+          <a:lnRef idx="2">
+            <a:schemeClr val="accent1">
+              <a:shade val="50000"/>
+            </a:schemeClr>
+          </a:lnRef>
+          <a:fillRef idx="1">
+            <a:schemeClr val="accent1"/>
+          </a:fillRef>
+          <a:effectRef idx="0">
+            <a:schemeClr val="accent1"/>
+          </a:effectRef>
+          <a:fontRef idx="minor">
+            <a:schemeClr val="lt1"/>
+          </a:fontRef>
+        </p:style>
+        <p:txBody>
+          <a:bodyPr rtlCol="0" anchor="ctr"/>
+          <a:lstStyle/>
+          <a:p>
+            <a:pPr algn="ctr"/>
+            <a:endParaRPr lang="ko-KR" altLang="en-US"/>
+          </a:p>
+        </p:txBody>
+      </p:sp>
+      <p:sp>
+        <p:nvSpPr>
+          <p:cNvPr id="20" name="TextBox 19">
+            <a:extLst>
+              <a:ext uri="{FF2B5EF4-FFF2-40B4-BE49-F238E27FC236}">
+                <a16:creationId xmlns:a16="http://schemas.microsoft.com/office/drawing/2014/main" id="{2D206DFD-653D-8EE4-C6AE-C18CFE0AAE0D}"/>
+              </a:ext>
+            </a:extLst>
+          </p:cNvPr>
+          <p:cNvSpPr txBox="1"/>
+          <p:nvPr/>
+        </p:nvSpPr>
+        <p:spPr>
+          <a:xfrm>
+            <a:off x="2598656" y="4057323"/>
+            <a:ext cx="3180810" cy="461665"/>
+          </a:xfrm>
+          <a:prstGeom prst="rect">
+            <a:avLst/>
+          </a:prstGeom>
+          <a:solidFill>
+            <a:schemeClr val="bg1"/>
+          </a:solidFill>
+        </p:spPr>
+        <p:txBody>
+          <a:bodyPr wrap="square" rtlCol="0">
+            <a:spAutoFit/>
+          </a:bodyPr>
+          <a:lstStyle/>
+          <a:p>
+            <a:r>
+              <a:rPr lang="ko-KR" altLang="en-US" sz="1200" dirty="0">
+                <a:latin typeface="나눔스퀘어OTF ExtraBold" panose="020B0600000101010101" pitchFamily="34" charset="-127"/>
+                <a:ea typeface="나눔스퀘어OTF ExtraBold" panose="020B0600000101010101" pitchFamily="34" charset="-127"/>
+              </a:rPr>
+              <a:t>출처 </a:t>
+            </a:r>
+            <a:r>
+              <a:rPr lang="en-US" altLang="ko-KR" sz="1200" dirty="0">
+                <a:latin typeface="나눔스퀘어OTF ExtraBold" panose="020B0600000101010101" pitchFamily="34" charset="-127"/>
+                <a:ea typeface="나눔스퀘어OTF ExtraBold" panose="020B0600000101010101" pitchFamily="34" charset="-127"/>
+              </a:rPr>
+              <a:t>: </a:t>
+            </a:r>
+            <a:r>
+              <a:rPr lang="en-US" altLang="ko-KR" sz="1200" dirty="0" err="1">
+                <a:latin typeface="나눔스퀘어OTF ExtraBold" panose="020B0600000101010101" pitchFamily="34" charset="-127"/>
+                <a:ea typeface="나눔스퀘어OTF ExtraBold" panose="020B0600000101010101" pitchFamily="34" charset="-127"/>
+              </a:rPr>
+              <a:t>BlommbergNEF</a:t>
+            </a:r>
+            <a:endParaRPr lang="en-US" altLang="ko-KR" sz="1200" dirty="0">
+              <a:latin typeface="나눔스퀘어OTF ExtraBold" panose="020B0600000101010101" pitchFamily="34" charset="-127"/>
+              <a:ea typeface="나눔스퀘어OTF ExtraBold" panose="020B0600000101010101" pitchFamily="34" charset="-127"/>
+            </a:endParaRPr>
+          </a:p>
+          <a:p>
+            <a:r>
+              <a:rPr lang="en-US" altLang="ko-KR" sz="1200" dirty="0">
+                <a:latin typeface="나눔스퀘어OTF ExtraBold" panose="020B0600000101010101" pitchFamily="34" charset="-127"/>
+                <a:ea typeface="나눔스퀘어OTF ExtraBold" panose="020B0600000101010101" pitchFamily="34" charset="-127"/>
+              </a:rPr>
+              <a:t>* </a:t>
+            </a:r>
+            <a:r>
+              <a:rPr lang="ko-KR" altLang="en-US" sz="1200" dirty="0">
+                <a:latin typeface="나눔스퀘어OTF ExtraBold" panose="020B0600000101010101" pitchFamily="34" charset="-127"/>
+                <a:ea typeface="나눔스퀘어OTF ExtraBold" panose="020B0600000101010101" pitchFamily="34" charset="-127"/>
+              </a:rPr>
+              <a:t>배터리 전기 및 플러그인 하이브리드 차량 포함</a:t>
+            </a:r>
+          </a:p>
+        </p:txBody>
+      </p:sp>
+      <p:sp>
+        <p:nvSpPr>
+          <p:cNvPr id="21" name="TextBox 20">
+            <a:extLst>
+              <a:ext uri="{FF2B5EF4-FFF2-40B4-BE49-F238E27FC236}">
+                <a16:creationId xmlns:a16="http://schemas.microsoft.com/office/drawing/2014/main" id="{DA70500D-EFCE-079A-68EB-503A5A125A8B}"/>
+              </a:ext>
+            </a:extLst>
+          </p:cNvPr>
+          <p:cNvSpPr txBox="1"/>
+          <p:nvPr/>
+        </p:nvSpPr>
+        <p:spPr>
+          <a:xfrm>
+            <a:off x="2549738" y="1741250"/>
+            <a:ext cx="3881542" cy="369332"/>
+          </a:xfrm>
+          <a:prstGeom prst="rect">
+            <a:avLst/>
+          </a:prstGeom>
+          <a:solidFill>
+            <a:schemeClr val="bg1"/>
+          </a:solidFill>
+        </p:spPr>
+        <p:txBody>
+          <a:bodyPr wrap="square" rtlCol="0">
+            <a:spAutoFit/>
+          </a:bodyPr>
+          <a:lstStyle/>
+          <a:p>
+            <a:r>
+              <a:rPr lang="ko-KR" altLang="en-US" dirty="0">
+                <a:latin typeface="나눔스퀘어OTF ExtraBold" panose="020B0600000101010101" pitchFamily="34" charset="-127"/>
+                <a:ea typeface="나눔스퀘어OTF ExtraBold" panose="020B0600000101010101" pitchFamily="34" charset="-127"/>
+              </a:rPr>
+              <a:t>나라별 전기차 판매량 추이</a:t>
+            </a:r>
+            <a:r>
+              <a:rPr lang="en-US" altLang="ko-KR" dirty="0">
+                <a:latin typeface="나눔스퀘어OTF ExtraBold" panose="020B0600000101010101" pitchFamily="34" charset="-127"/>
+                <a:ea typeface="나눔스퀘어OTF ExtraBold" panose="020B0600000101010101" pitchFamily="34" charset="-127"/>
+              </a:rPr>
+              <a:t>(</a:t>
+            </a:r>
+            <a:r>
+              <a:rPr lang="ko-KR" altLang="en-US" dirty="0">
+                <a:latin typeface="나눔스퀘어OTF ExtraBold" panose="020B0600000101010101" pitchFamily="34" charset="-127"/>
+                <a:ea typeface="나눔스퀘어OTF ExtraBold" panose="020B0600000101010101" pitchFamily="34" charset="-127"/>
+              </a:rPr>
+              <a:t>단위</a:t>
+            </a:r>
+            <a:r>
+              <a:rPr lang="en-US" altLang="ko-KR" dirty="0">
+                <a:latin typeface="나눔스퀘어OTF ExtraBold" panose="020B0600000101010101" pitchFamily="34" charset="-127"/>
+                <a:ea typeface="나눔스퀘어OTF ExtraBold" panose="020B0600000101010101" pitchFamily="34" charset="-127"/>
+              </a:rPr>
+              <a:t>:</a:t>
+            </a:r>
+            <a:r>
+              <a:rPr lang="ko-KR" altLang="en-US" dirty="0" err="1">
+                <a:latin typeface="나눔스퀘어OTF ExtraBold" panose="020B0600000101010101" pitchFamily="34" charset="-127"/>
+                <a:ea typeface="나눔스퀘어OTF ExtraBold" panose="020B0600000101010101" pitchFamily="34" charset="-127"/>
+              </a:rPr>
+              <a:t>백만대</a:t>
+            </a:r>
+            <a:r>
+              <a:rPr lang="en-US" altLang="ko-KR" dirty="0">
+                <a:latin typeface="나눔스퀘어OTF ExtraBold" panose="020B0600000101010101" pitchFamily="34" charset="-127"/>
+                <a:ea typeface="나눔스퀘어OTF ExtraBold" panose="020B0600000101010101" pitchFamily="34" charset="-127"/>
+              </a:rPr>
+              <a:t>)</a:t>
+            </a:r>
+            <a:endParaRPr lang="ko-KR" altLang="en-US" dirty="0">
+              <a:latin typeface="나눔스퀘어OTF ExtraBold" panose="020B0600000101010101" pitchFamily="34" charset="-127"/>
+              <a:ea typeface="나눔스퀘어OTF ExtraBold" panose="020B0600000101010101" pitchFamily="34" charset="-127"/>
+            </a:endParaRPr>
+          </a:p>
+        </p:txBody>
+      </p:sp>
+    </p:spTree>
+    <p:extLst>
+      <p:ext uri="{BB962C8B-B14F-4D97-AF65-F5344CB8AC3E}">
+        <p14:creationId xmlns:p14="http://schemas.microsoft.com/office/powerpoint/2010/main" val="3197935245"/>
       </p:ext>
     </p:extLst>
   </p:cSld>
